--- a/PI - Seg de Software/information_security.pptx
+++ b/PI - Seg de Software/information_security.pptx
@@ -184,7 +184,7 @@
           <a:noFill/>
           <a:extLst>
             <a:ext uri="{909E8E84-426E-40dd-AFC4-6F175D3DCCD1}">
-              <a14:hiddenFill xmlns="" xmlns:a14="http://schemas.microsoft.com/office/drawing/2010/main">
+              <a14:hiddenFill xmlns:a14="http://schemas.microsoft.com/office/drawing/2010/main" xmlns="">
                 <a:solidFill>
                   <a:srgbClr val="FFFFFF"/>
                 </a:solidFill>
@@ -243,7 +243,7 @@
             </a:ln>
             <a:extLst>
               <a:ext uri="{91240B29-F687-4f45-9708-019B960494DF}">
-                <a14:hiddenLine xmlns="" xmlns:a14="http://schemas.microsoft.com/office/drawing/2010/main" w="9525">
+                <a14:hiddenLine xmlns:a14="http://schemas.microsoft.com/office/drawing/2010/main" xmlns="" w="9525">
                   <a:solidFill>
                     <a:srgbClr val="000000"/>
                   </a:solidFill>
@@ -333,7 +333,7 @@
             </a:ln>
             <a:extLst>
               <a:ext uri="{91240B29-F687-4f45-9708-019B960494DF}">
-                <a14:hiddenLine xmlns="" xmlns:a14="http://schemas.microsoft.com/office/drawing/2010/main" w="9525">
+                <a14:hiddenLine xmlns:a14="http://schemas.microsoft.com/office/drawing/2010/main" xmlns="" w="9525">
                   <a:solidFill>
                     <a:srgbClr val="000000"/>
                   </a:solidFill>
@@ -423,7 +423,7 @@
             </a:ln>
             <a:extLst>
               <a:ext uri="{91240B29-F687-4f45-9708-019B960494DF}">
-                <a14:hiddenLine xmlns="" xmlns:a14="http://schemas.microsoft.com/office/drawing/2010/main" w="9525">
+                <a14:hiddenLine xmlns:a14="http://schemas.microsoft.com/office/drawing/2010/main" xmlns="" w="9525">
                   <a:solidFill>
                     <a:srgbClr val="000000"/>
                   </a:solidFill>
@@ -457,7 +457,7 @@
             </a:ln>
             <a:extLst>
               <a:ext uri="{91240B29-F687-4f45-9708-019B960494DF}">
-                <a14:hiddenLine xmlns="" xmlns:a14="http://schemas.microsoft.com/office/drawing/2010/main" w="9525">
+                <a14:hiddenLine xmlns:a14="http://schemas.microsoft.com/office/drawing/2010/main" xmlns="" w="9525">
                   <a:solidFill>
                     <a:srgbClr val="000000"/>
                   </a:solidFill>
@@ -547,7 +547,7 @@
             </a:ln>
             <a:extLst>
               <a:ext uri="{91240B29-F687-4f45-9708-019B960494DF}">
-                <a14:hiddenLine xmlns="" xmlns:a14="http://schemas.microsoft.com/office/drawing/2010/main" w="9525">
+                <a14:hiddenLine xmlns:a14="http://schemas.microsoft.com/office/drawing/2010/main" xmlns="" w="9525">
                   <a:solidFill>
                     <a:srgbClr val="000000"/>
                   </a:solidFill>
@@ -609,7 +609,7 @@
             </a:ln>
             <a:extLst>
               <a:ext uri="{91240B29-F687-4f45-9708-019B960494DF}">
-                <a14:hiddenLine xmlns="" xmlns:a14="http://schemas.microsoft.com/office/drawing/2010/main" w="9525">
+                <a14:hiddenLine xmlns:a14="http://schemas.microsoft.com/office/drawing/2010/main" xmlns="" w="9525">
                   <a:solidFill>
                     <a:srgbClr val="000000"/>
                   </a:solidFill>
@@ -671,7 +671,7 @@
             </a:ln>
             <a:extLst>
               <a:ext uri="{91240B29-F687-4f45-9708-019B960494DF}">
-                <a14:hiddenLine xmlns="" xmlns:a14="http://schemas.microsoft.com/office/drawing/2010/main" w="9525">
+                <a14:hiddenLine xmlns:a14="http://schemas.microsoft.com/office/drawing/2010/main" xmlns="" w="9525">
                   <a:solidFill>
                     <a:srgbClr val="000000"/>
                   </a:solidFill>
@@ -761,7 +761,7 @@
             </a:ln>
             <a:extLst>
               <a:ext uri="{91240B29-F687-4f45-9708-019B960494DF}">
-                <a14:hiddenLine xmlns="" xmlns:a14="http://schemas.microsoft.com/office/drawing/2010/main" w="9525">
+                <a14:hiddenLine xmlns:a14="http://schemas.microsoft.com/office/drawing/2010/main" xmlns="" w="9525">
                   <a:solidFill>
                     <a:srgbClr val="000000"/>
                   </a:solidFill>
@@ -823,7 +823,7 @@
             </a:ln>
             <a:extLst>
               <a:ext uri="{91240B29-F687-4f45-9708-019B960494DF}">
-                <a14:hiddenLine xmlns="" xmlns:a14="http://schemas.microsoft.com/office/drawing/2010/main" w="9525">
+                <a14:hiddenLine xmlns:a14="http://schemas.microsoft.com/office/drawing/2010/main" xmlns="" w="9525">
                   <a:solidFill>
                     <a:srgbClr val="000000"/>
                   </a:solidFill>
@@ -885,7 +885,7 @@
             </a:ln>
             <a:extLst>
               <a:ext uri="{91240B29-F687-4f45-9708-019B960494DF}">
-                <a14:hiddenLine xmlns="" xmlns:a14="http://schemas.microsoft.com/office/drawing/2010/main" w="9525">
+                <a14:hiddenLine xmlns:a14="http://schemas.microsoft.com/office/drawing/2010/main" xmlns="" w="9525">
                   <a:solidFill>
                     <a:srgbClr val="000000"/>
                   </a:solidFill>
@@ -975,7 +975,7 @@
             </a:ln>
             <a:extLst>
               <a:ext uri="{91240B29-F687-4f45-9708-019B960494DF}">
-                <a14:hiddenLine xmlns="" xmlns:a14="http://schemas.microsoft.com/office/drawing/2010/main" w="9525">
+                <a14:hiddenLine xmlns:a14="http://schemas.microsoft.com/office/drawing/2010/main" xmlns="" w="9525">
                   <a:solidFill>
                     <a:srgbClr val="000000"/>
                   </a:solidFill>
@@ -1065,7 +1065,7 @@
             </a:ln>
             <a:extLst>
               <a:ext uri="{91240B29-F687-4f45-9708-019B960494DF}">
-                <a14:hiddenLine xmlns="" xmlns:a14="http://schemas.microsoft.com/office/drawing/2010/main" w="9525">
+                <a14:hiddenLine xmlns:a14="http://schemas.microsoft.com/office/drawing/2010/main" xmlns="" w="9525">
                   <a:solidFill>
                     <a:srgbClr val="000000"/>
                   </a:solidFill>
@@ -1127,7 +1127,7 @@
             </a:ln>
             <a:extLst>
               <a:ext uri="{91240B29-F687-4f45-9708-019B960494DF}">
-                <a14:hiddenLine xmlns="" xmlns:a14="http://schemas.microsoft.com/office/drawing/2010/main" w="9525">
+                <a14:hiddenLine xmlns:a14="http://schemas.microsoft.com/office/drawing/2010/main" xmlns="" w="9525">
                   <a:solidFill>
                     <a:srgbClr val="000000"/>
                   </a:solidFill>
@@ -1237,7 +1237,7 @@
             </a:ln>
             <a:extLst>
               <a:ext uri="{91240B29-F687-4f45-9708-019B960494DF}">
-                <a14:hiddenLine xmlns="" xmlns:a14="http://schemas.microsoft.com/office/drawing/2010/main" w="9525">
+                <a14:hiddenLine xmlns:a14="http://schemas.microsoft.com/office/drawing/2010/main" xmlns="" w="9525">
                   <a:solidFill>
                     <a:srgbClr val="000000"/>
                   </a:solidFill>
@@ -1299,7 +1299,7 @@
             </a:ln>
             <a:extLst>
               <a:ext uri="{91240B29-F687-4f45-9708-019B960494DF}">
-                <a14:hiddenLine xmlns="" xmlns:a14="http://schemas.microsoft.com/office/drawing/2010/main" w="9525">
+                <a14:hiddenLine xmlns:a14="http://schemas.microsoft.com/office/drawing/2010/main" xmlns="" w="9525">
                   <a:solidFill>
                     <a:srgbClr val="000000"/>
                   </a:solidFill>
@@ -1389,7 +1389,7 @@
             </a:ln>
             <a:extLst>
               <a:ext uri="{91240B29-F687-4f45-9708-019B960494DF}">
-                <a14:hiddenLine xmlns="" xmlns:a14="http://schemas.microsoft.com/office/drawing/2010/main" w="9525">
+                <a14:hiddenLine xmlns:a14="http://schemas.microsoft.com/office/drawing/2010/main" xmlns="" w="9525">
                   <a:solidFill>
                     <a:srgbClr val="000000"/>
                   </a:solidFill>
@@ -1479,7 +1479,7 @@
             </a:ln>
             <a:extLst>
               <a:ext uri="{91240B29-F687-4f45-9708-019B960494DF}">
-                <a14:hiddenLine xmlns="" xmlns:a14="http://schemas.microsoft.com/office/drawing/2010/main" w="9525">
+                <a14:hiddenLine xmlns:a14="http://schemas.microsoft.com/office/drawing/2010/main" xmlns="" w="9525">
                   <a:solidFill>
                     <a:srgbClr val="000000"/>
                   </a:solidFill>
@@ -1541,7 +1541,7 @@
             </a:ln>
             <a:extLst>
               <a:ext uri="{91240B29-F687-4f45-9708-019B960494DF}">
-                <a14:hiddenLine xmlns="" xmlns:a14="http://schemas.microsoft.com/office/drawing/2010/main" w="9525">
+                <a14:hiddenLine xmlns:a14="http://schemas.microsoft.com/office/drawing/2010/main" xmlns="" w="9525">
                   <a:solidFill>
                     <a:srgbClr val="000000"/>
                   </a:solidFill>
@@ -1631,7 +1631,7 @@
             </a:ln>
             <a:extLst>
               <a:ext uri="{91240B29-F687-4f45-9708-019B960494DF}">
-                <a14:hiddenLine xmlns="" xmlns:a14="http://schemas.microsoft.com/office/drawing/2010/main" w="9525">
+                <a14:hiddenLine xmlns:a14="http://schemas.microsoft.com/office/drawing/2010/main" xmlns="" w="9525">
                   <a:solidFill>
                     <a:srgbClr val="000000"/>
                   </a:solidFill>
@@ -1721,7 +1721,7 @@
             </a:ln>
             <a:extLst>
               <a:ext uri="{91240B29-F687-4f45-9708-019B960494DF}">
-                <a14:hiddenLine xmlns="" xmlns:a14="http://schemas.microsoft.com/office/drawing/2010/main" w="9525">
+                <a14:hiddenLine xmlns:a14="http://schemas.microsoft.com/office/drawing/2010/main" xmlns="" w="9525">
                   <a:solidFill>
                     <a:srgbClr val="000000"/>
                   </a:solidFill>
@@ -1777,7 +1777,7 @@
             </a:ln>
             <a:extLst>
               <a:ext uri="{91240B29-F687-4f45-9708-019B960494DF}">
-                <a14:hiddenLine xmlns="" xmlns:a14="http://schemas.microsoft.com/office/drawing/2010/main" w="9525">
+                <a14:hiddenLine xmlns:a14="http://schemas.microsoft.com/office/drawing/2010/main" xmlns="" w="9525">
                   <a:solidFill>
                     <a:srgbClr val="000000"/>
                   </a:solidFill>
@@ -1867,7 +1867,7 @@
             </a:ln>
             <a:extLst>
               <a:ext uri="{91240B29-F687-4f45-9708-019B960494DF}">
-                <a14:hiddenLine xmlns="" xmlns:a14="http://schemas.microsoft.com/office/drawing/2010/main" w="9525">
+                <a14:hiddenLine xmlns:a14="http://schemas.microsoft.com/office/drawing/2010/main" xmlns="" w="9525">
                   <a:solidFill>
                     <a:srgbClr val="000000"/>
                   </a:solidFill>
@@ -1923,7 +1923,7 @@
             </a:ln>
             <a:extLst>
               <a:ext uri="{91240B29-F687-4f45-9708-019B960494DF}">
-                <a14:hiddenLine xmlns="" xmlns:a14="http://schemas.microsoft.com/office/drawing/2010/main" w="9525">
+                <a14:hiddenLine xmlns:a14="http://schemas.microsoft.com/office/drawing/2010/main" xmlns="" w="9525">
                   <a:solidFill>
                     <a:srgbClr val="000000"/>
                   </a:solidFill>
@@ -2013,7 +2013,7 @@
             </a:ln>
             <a:extLst>
               <a:ext uri="{91240B29-F687-4f45-9708-019B960494DF}">
-                <a14:hiddenLine xmlns="" xmlns:a14="http://schemas.microsoft.com/office/drawing/2010/main" w="9525">
+                <a14:hiddenLine xmlns:a14="http://schemas.microsoft.com/office/drawing/2010/main" xmlns="" w="9525">
                   <a:solidFill>
                     <a:srgbClr val="000000"/>
                   </a:solidFill>
@@ -2081,7 +2081,7 @@
             </a:ln>
             <a:extLst>
               <a:ext uri="{91240B29-F687-4f45-9708-019B960494DF}">
-                <a14:hiddenLine xmlns="" xmlns:a14="http://schemas.microsoft.com/office/drawing/2010/main" w="9525">
+                <a14:hiddenLine xmlns:a14="http://schemas.microsoft.com/office/drawing/2010/main" xmlns="" w="9525">
                   <a:solidFill>
                     <a:srgbClr val="000000"/>
                   </a:solidFill>
@@ -2171,7 +2171,7 @@
             </a:ln>
             <a:extLst>
               <a:ext uri="{91240B29-F687-4f45-9708-019B960494DF}">
-                <a14:hiddenLine xmlns="" xmlns:a14="http://schemas.microsoft.com/office/drawing/2010/main" w="9525">
+                <a14:hiddenLine xmlns:a14="http://schemas.microsoft.com/office/drawing/2010/main" xmlns="" w="9525">
                   <a:solidFill>
                     <a:srgbClr val="000000"/>
                   </a:solidFill>
@@ -2239,7 +2239,7 @@
             </a:ln>
             <a:extLst>
               <a:ext uri="{91240B29-F687-4f45-9708-019B960494DF}">
-                <a14:hiddenLine xmlns="" xmlns:a14="http://schemas.microsoft.com/office/drawing/2010/main" w="9525">
+                <a14:hiddenLine xmlns:a14="http://schemas.microsoft.com/office/drawing/2010/main" xmlns="" w="9525">
                   <a:solidFill>
                     <a:srgbClr val="000000"/>
                   </a:solidFill>
@@ -2329,7 +2329,7 @@
             </a:ln>
             <a:extLst>
               <a:ext uri="{91240B29-F687-4f45-9708-019B960494DF}">
-                <a14:hiddenLine xmlns="" xmlns:a14="http://schemas.microsoft.com/office/drawing/2010/main" w="9525">
+                <a14:hiddenLine xmlns:a14="http://schemas.microsoft.com/office/drawing/2010/main" xmlns="" w="9525">
                   <a:solidFill>
                     <a:srgbClr val="000000"/>
                   </a:solidFill>
@@ -2363,7 +2363,7 @@
             </a:ln>
             <a:extLst>
               <a:ext uri="{91240B29-F687-4f45-9708-019B960494DF}">
-                <a14:hiddenLine xmlns="" xmlns:a14="http://schemas.microsoft.com/office/drawing/2010/main" w="9525">
+                <a14:hiddenLine xmlns:a14="http://schemas.microsoft.com/office/drawing/2010/main" xmlns="" w="9525">
                   <a:solidFill>
                     <a:srgbClr val="000000"/>
                   </a:solidFill>
@@ -2453,7 +2453,7 @@
             </a:ln>
             <a:extLst>
               <a:ext uri="{91240B29-F687-4f45-9708-019B960494DF}">
-                <a14:hiddenLine xmlns="" xmlns:a14="http://schemas.microsoft.com/office/drawing/2010/main" w="9525">
+                <a14:hiddenLine xmlns:a14="http://schemas.microsoft.com/office/drawing/2010/main" xmlns="" w="9525">
                   <a:solidFill>
                     <a:srgbClr val="000000"/>
                   </a:solidFill>
@@ -2515,7 +2515,7 @@
             </a:ln>
             <a:extLst>
               <a:ext uri="{91240B29-F687-4f45-9708-019B960494DF}">
-                <a14:hiddenLine xmlns="" xmlns:a14="http://schemas.microsoft.com/office/drawing/2010/main" w="9525">
+                <a14:hiddenLine xmlns:a14="http://schemas.microsoft.com/office/drawing/2010/main" xmlns="" w="9525">
                   <a:solidFill>
                     <a:srgbClr val="000000"/>
                   </a:solidFill>
@@ -2577,7 +2577,7 @@
             </a:ln>
             <a:extLst>
               <a:ext uri="{91240B29-F687-4f45-9708-019B960494DF}">
-                <a14:hiddenLine xmlns="" xmlns:a14="http://schemas.microsoft.com/office/drawing/2010/main" w="9525">
+                <a14:hiddenLine xmlns:a14="http://schemas.microsoft.com/office/drawing/2010/main" xmlns="" w="9525">
                   <a:solidFill>
                     <a:srgbClr val="000000"/>
                   </a:solidFill>
@@ -2667,7 +2667,7 @@
             </a:ln>
             <a:extLst>
               <a:ext uri="{91240B29-F687-4f45-9708-019B960494DF}">
-                <a14:hiddenLine xmlns="" xmlns:a14="http://schemas.microsoft.com/office/drawing/2010/main" w="9525">
+                <a14:hiddenLine xmlns:a14="http://schemas.microsoft.com/office/drawing/2010/main" xmlns="" w="9525">
                   <a:solidFill>
                     <a:srgbClr val="000000"/>
                   </a:solidFill>
@@ -2735,7 +2735,7 @@
             </a:ln>
             <a:extLst>
               <a:ext uri="{91240B29-F687-4f45-9708-019B960494DF}">
-                <a14:hiddenLine xmlns="" xmlns:a14="http://schemas.microsoft.com/office/drawing/2010/main" w="9525">
+                <a14:hiddenLine xmlns:a14="http://schemas.microsoft.com/office/drawing/2010/main" xmlns="" w="9525">
                   <a:solidFill>
                     <a:srgbClr val="000000"/>
                   </a:solidFill>
@@ -2797,7 +2797,7 @@
             </a:ln>
             <a:extLst>
               <a:ext uri="{91240B29-F687-4f45-9708-019B960494DF}">
-                <a14:hiddenLine xmlns="" xmlns:a14="http://schemas.microsoft.com/office/drawing/2010/main" w="9525">
+                <a14:hiddenLine xmlns:a14="http://schemas.microsoft.com/office/drawing/2010/main" xmlns="" w="9525">
                   <a:solidFill>
                     <a:srgbClr val="000000"/>
                   </a:solidFill>
@@ -2887,7 +2887,7 @@
             </a:ln>
             <a:extLst>
               <a:ext uri="{91240B29-F687-4f45-9708-019B960494DF}">
-                <a14:hiddenLine xmlns="" xmlns:a14="http://schemas.microsoft.com/office/drawing/2010/main" w="9525">
+                <a14:hiddenLine xmlns:a14="http://schemas.microsoft.com/office/drawing/2010/main" xmlns="" w="9525">
                   <a:solidFill>
                     <a:srgbClr val="000000"/>
                   </a:solidFill>
@@ -2949,7 +2949,7 @@
             </a:ln>
             <a:extLst>
               <a:ext uri="{91240B29-F687-4f45-9708-019B960494DF}">
-                <a14:hiddenLine xmlns="" xmlns:a14="http://schemas.microsoft.com/office/drawing/2010/main" w="9525">
+                <a14:hiddenLine xmlns:a14="http://schemas.microsoft.com/office/drawing/2010/main" xmlns="" w="9525">
                   <a:solidFill>
                     <a:srgbClr val="000000"/>
                   </a:solidFill>
@@ -3039,7 +3039,7 @@
             </a:ln>
             <a:extLst>
               <a:ext uri="{91240B29-F687-4f45-9708-019B960494DF}">
-                <a14:hiddenLine xmlns="" xmlns:a14="http://schemas.microsoft.com/office/drawing/2010/main" w="9525">
+                <a14:hiddenLine xmlns:a14="http://schemas.microsoft.com/office/drawing/2010/main" xmlns="" w="9525">
                   <a:solidFill>
                     <a:srgbClr val="000000"/>
                   </a:solidFill>
@@ -3101,7 +3101,7 @@
             </a:ln>
             <a:extLst>
               <a:ext uri="{91240B29-F687-4f45-9708-019B960494DF}">
-                <a14:hiddenLine xmlns="" xmlns:a14="http://schemas.microsoft.com/office/drawing/2010/main" w="9525">
+                <a14:hiddenLine xmlns:a14="http://schemas.microsoft.com/office/drawing/2010/main" xmlns="" w="9525">
                   <a:solidFill>
                     <a:srgbClr val="000000"/>
                   </a:solidFill>
@@ -3191,7 +3191,7 @@
             </a:ln>
             <a:extLst>
               <a:ext uri="{91240B29-F687-4f45-9708-019B960494DF}">
-                <a14:hiddenLine xmlns="" xmlns:a14="http://schemas.microsoft.com/office/drawing/2010/main" w="9525">
+                <a14:hiddenLine xmlns:a14="http://schemas.microsoft.com/office/drawing/2010/main" xmlns="" w="9525">
                   <a:solidFill>
                     <a:srgbClr val="000000"/>
                   </a:solidFill>
@@ -3225,7 +3225,7 @@
             </a:ln>
             <a:extLst>
               <a:ext uri="{91240B29-F687-4f45-9708-019B960494DF}">
-                <a14:hiddenLine xmlns="" xmlns:a14="http://schemas.microsoft.com/office/drawing/2010/main" w="9525">
+                <a14:hiddenLine xmlns:a14="http://schemas.microsoft.com/office/drawing/2010/main" xmlns="" w="9525">
                   <a:solidFill>
                     <a:srgbClr val="000000"/>
                   </a:solidFill>
@@ -3290,7 +3290,7 @@
             </a:ln>
             <a:extLst>
               <a:ext uri="{91240B29-F687-4f45-9708-019B960494DF}">
-                <a14:hiddenLine xmlns="" xmlns:a14="http://schemas.microsoft.com/office/drawing/2010/main" w="9525">
+                <a14:hiddenLine xmlns:a14="http://schemas.microsoft.com/office/drawing/2010/main" xmlns="" w="9525">
                   <a:solidFill>
                     <a:srgbClr val="000000"/>
                   </a:solidFill>
@@ -3380,7 +3380,7 @@
             </a:ln>
             <a:extLst>
               <a:ext uri="{91240B29-F687-4f45-9708-019B960494DF}">
-                <a14:hiddenLine xmlns="" xmlns:a14="http://schemas.microsoft.com/office/drawing/2010/main" w="9525">
+                <a14:hiddenLine xmlns:a14="http://schemas.microsoft.com/office/drawing/2010/main" xmlns="" w="9525">
                   <a:solidFill>
                     <a:srgbClr val="000000"/>
                   </a:solidFill>
@@ -3442,7 +3442,7 @@
             </a:ln>
             <a:extLst>
               <a:ext uri="{91240B29-F687-4f45-9708-019B960494DF}">
-                <a14:hiddenLine xmlns="" xmlns:a14="http://schemas.microsoft.com/office/drawing/2010/main" w="9525">
+                <a14:hiddenLine xmlns:a14="http://schemas.microsoft.com/office/drawing/2010/main" xmlns="" w="9525">
                   <a:solidFill>
                     <a:srgbClr val="000000"/>
                   </a:solidFill>
@@ -3532,7 +3532,7 @@
             </a:ln>
             <a:extLst>
               <a:ext uri="{91240B29-F687-4f45-9708-019B960494DF}">
-                <a14:hiddenLine xmlns="" xmlns:a14="http://schemas.microsoft.com/office/drawing/2010/main" w="9525">
+                <a14:hiddenLine xmlns:a14="http://schemas.microsoft.com/office/drawing/2010/main" xmlns="" w="9525">
                   <a:solidFill>
                     <a:srgbClr val="000000"/>
                   </a:solidFill>
@@ -3622,7 +3622,7 @@
             </a:ln>
             <a:extLst>
               <a:ext uri="{91240B29-F687-4f45-9708-019B960494DF}">
-                <a14:hiddenLine xmlns="" xmlns:a14="http://schemas.microsoft.com/office/drawing/2010/main" w="9525">
+                <a14:hiddenLine xmlns:a14="http://schemas.microsoft.com/office/drawing/2010/main" xmlns="" w="9525">
                   <a:solidFill>
                     <a:srgbClr val="000000"/>
                   </a:solidFill>
@@ -3687,7 +3687,7 @@
             </a:ln>
             <a:extLst>
               <a:ext uri="{91240B29-F687-4f45-9708-019B960494DF}">
-                <a14:hiddenLine xmlns="" xmlns:a14="http://schemas.microsoft.com/office/drawing/2010/main" w="9525">
+                <a14:hiddenLine xmlns:a14="http://schemas.microsoft.com/office/drawing/2010/main" xmlns="" w="9525">
                   <a:solidFill>
                     <a:srgbClr val="000000"/>
                   </a:solidFill>
@@ -3749,7 +3749,7 @@
             </a:ln>
             <a:extLst>
               <a:ext uri="{91240B29-F687-4f45-9708-019B960494DF}">
-                <a14:hiddenLine xmlns="" xmlns:a14="http://schemas.microsoft.com/office/drawing/2010/main" w="9525">
+                <a14:hiddenLine xmlns:a14="http://schemas.microsoft.com/office/drawing/2010/main" xmlns="" w="9525">
                   <a:solidFill>
                     <a:srgbClr val="000000"/>
                   </a:solidFill>
@@ -3839,7 +3839,7 @@
             </a:ln>
             <a:extLst>
               <a:ext uri="{91240B29-F687-4f45-9708-019B960494DF}">
-                <a14:hiddenLine xmlns="" xmlns:a14="http://schemas.microsoft.com/office/drawing/2010/main" w="9525">
+                <a14:hiddenLine xmlns:a14="http://schemas.microsoft.com/office/drawing/2010/main" xmlns="" w="9525">
                   <a:solidFill>
                     <a:srgbClr val="000000"/>
                   </a:solidFill>
@@ -3929,7 +3929,7 @@
             </a:ln>
             <a:extLst>
               <a:ext uri="{91240B29-F687-4f45-9708-019B960494DF}">
-                <a14:hiddenLine xmlns="" xmlns:a14="http://schemas.microsoft.com/office/drawing/2010/main" w="9525">
+                <a14:hiddenLine xmlns:a14="http://schemas.microsoft.com/office/drawing/2010/main" xmlns="" w="9525">
                   <a:solidFill>
                     <a:srgbClr val="000000"/>
                   </a:solidFill>
@@ -3991,7 +3991,7 @@
             </a:ln>
             <a:extLst>
               <a:ext uri="{91240B29-F687-4f45-9708-019B960494DF}">
-                <a14:hiddenLine xmlns="" xmlns:a14="http://schemas.microsoft.com/office/drawing/2010/main" w="9525">
+                <a14:hiddenLine xmlns:a14="http://schemas.microsoft.com/office/drawing/2010/main" xmlns="" w="9525">
                   <a:solidFill>
                     <a:srgbClr val="000000"/>
                   </a:solidFill>
@@ -4111,7 +4111,7 @@
             </a:ln>
             <a:extLst>
               <a:ext uri="{91240B29-F687-4f45-9708-019B960494DF}">
-                <a14:hiddenLine xmlns="" xmlns:a14="http://schemas.microsoft.com/office/drawing/2010/main" w="9525">
+                <a14:hiddenLine xmlns:a14="http://schemas.microsoft.com/office/drawing/2010/main" xmlns="" w="9525">
                   <a:solidFill>
                     <a:srgbClr val="000000"/>
                   </a:solidFill>
@@ -4179,7 +4179,7 @@
             </a:ln>
             <a:extLst>
               <a:ext uri="{91240B29-F687-4f45-9708-019B960494DF}">
-                <a14:hiddenLine xmlns="" xmlns:a14="http://schemas.microsoft.com/office/drawing/2010/main" w="9525">
+                <a14:hiddenLine xmlns:a14="http://schemas.microsoft.com/office/drawing/2010/main" xmlns="" w="9525">
                   <a:solidFill>
                     <a:srgbClr val="000000"/>
                   </a:solidFill>
@@ -4269,7 +4269,7 @@
             </a:ln>
             <a:extLst>
               <a:ext uri="{91240B29-F687-4f45-9708-019B960494DF}">
-                <a14:hiddenLine xmlns="" xmlns:a14="http://schemas.microsoft.com/office/drawing/2010/main" w="9525">
+                <a14:hiddenLine xmlns:a14="http://schemas.microsoft.com/office/drawing/2010/main" xmlns="" w="9525">
                   <a:solidFill>
                     <a:srgbClr val="000000"/>
                   </a:solidFill>
@@ -4409,7 +4409,7 @@
           <a:p>
             <a:fld id="{48A87A34-81AB-432B-8DAE-1953F412C126}" type="datetimeFigureOut">
               <a:rPr lang="en-US" dirty="0"/>
-              <a:t>9/6/2017</a:t>
+              <a:t>9/12/2017</a:t>
             </a:fld>
             <a:endParaRPr lang="en-US" dirty="0"/>
           </a:p>
@@ -4671,7 +4671,7 @@
           <a:p>
             <a:fld id="{48A87A34-81AB-432B-8DAE-1953F412C126}" type="datetimeFigureOut">
               <a:rPr lang="en-US" dirty="0"/>
-              <a:t>9/6/2017</a:t>
+              <a:t>9/12/2017</a:t>
             </a:fld>
             <a:endParaRPr lang="en-US" dirty="0"/>
           </a:p>
@@ -4862,7 +4862,7 @@
           <a:p>
             <a:fld id="{48A87A34-81AB-432B-8DAE-1953F412C126}" type="datetimeFigureOut">
               <a:rPr lang="en-US" dirty="0"/>
-              <a:t>9/6/2017</a:t>
+              <a:t>9/12/2017</a:t>
             </a:fld>
             <a:endParaRPr lang="en-US" dirty="0"/>
           </a:p>
@@ -5120,7 +5120,7 @@
           <a:p>
             <a:fld id="{48A87A34-81AB-432B-8DAE-1953F412C126}" type="datetimeFigureOut">
               <a:rPr lang="en-US" dirty="0"/>
-              <a:t>9/6/2017</a:t>
+              <a:t>9/12/2017</a:t>
             </a:fld>
             <a:endParaRPr lang="en-US" dirty="0"/>
           </a:p>
@@ -5549,7 +5549,7 @@
           <a:p>
             <a:fld id="{48A87A34-81AB-432B-8DAE-1953F412C126}" type="datetimeFigureOut">
               <a:rPr lang="en-US" dirty="0"/>
-              <a:t>9/6/2017</a:t>
+              <a:t>9/12/2017</a:t>
             </a:fld>
             <a:endParaRPr lang="en-US" dirty="0"/>
           </a:p>
@@ -6090,7 +6090,7 @@
           <a:p>
             <a:fld id="{48A87A34-81AB-432B-8DAE-1953F412C126}" type="datetimeFigureOut">
               <a:rPr lang="en-US" dirty="0"/>
-              <a:t>9/6/2017</a:t>
+              <a:t>9/12/2017</a:t>
             </a:fld>
             <a:endParaRPr lang="en-US" dirty="0"/>
           </a:p>
@@ -6805,7 +6805,7 @@
           <a:p>
             <a:fld id="{48A87A34-81AB-432B-8DAE-1953F412C126}" type="datetimeFigureOut">
               <a:rPr lang="en-US" dirty="0"/>
-              <a:t>9/6/2017</a:t>
+              <a:t>9/12/2017</a:t>
             </a:fld>
             <a:endParaRPr lang="en-US" dirty="0"/>
           </a:p>
@@ -6970,7 +6970,7 @@
           <a:p>
             <a:fld id="{48A87A34-81AB-432B-8DAE-1953F412C126}" type="datetimeFigureOut">
               <a:rPr lang="en-US" dirty="0"/>
-              <a:t>9/6/2017</a:t>
+              <a:t>9/12/2017</a:t>
             </a:fld>
             <a:endParaRPr lang="en-US" dirty="0"/>
           </a:p>
@@ -7145,7 +7145,7 @@
           <a:p>
             <a:fld id="{48A87A34-81AB-432B-8DAE-1953F412C126}" type="datetimeFigureOut">
               <a:rPr lang="en-US" dirty="0"/>
-              <a:t>9/6/2017</a:t>
+              <a:t>9/12/2017</a:t>
             </a:fld>
             <a:endParaRPr lang="en-US" dirty="0"/>
           </a:p>
@@ -7310,7 +7310,7 @@
           <a:p>
             <a:fld id="{48A87A34-81AB-432B-8DAE-1953F412C126}" type="datetimeFigureOut">
               <a:rPr lang="en-US" dirty="0"/>
-              <a:t>9/6/2017</a:t>
+              <a:t>9/12/2017</a:t>
             </a:fld>
             <a:endParaRPr lang="en-US" dirty="0"/>
           </a:p>
@@ -7555,7 +7555,7 @@
           <a:p>
             <a:fld id="{48A87A34-81AB-432B-8DAE-1953F412C126}" type="datetimeFigureOut">
               <a:rPr lang="en-US" dirty="0"/>
-              <a:t>9/6/2017</a:t>
+              <a:t>9/12/2017</a:t>
             </a:fld>
             <a:endParaRPr lang="en-US" dirty="0"/>
           </a:p>
@@ -7782,7 +7782,7 @@
           <a:p>
             <a:fld id="{48A87A34-81AB-432B-8DAE-1953F412C126}" type="datetimeFigureOut">
               <a:rPr lang="en-US" dirty="0"/>
-              <a:t>9/6/2017</a:t>
+              <a:t>9/12/2017</a:t>
             </a:fld>
             <a:endParaRPr lang="en-US" dirty="0"/>
           </a:p>
@@ -8158,7 +8158,7 @@
           <a:p>
             <a:fld id="{48A87A34-81AB-432B-8DAE-1953F412C126}" type="datetimeFigureOut">
               <a:rPr lang="en-US" dirty="0"/>
-              <a:t>9/6/2017</a:t>
+              <a:t>9/12/2017</a:t>
             </a:fld>
             <a:endParaRPr lang="en-US" dirty="0"/>
           </a:p>
@@ -8271,7 +8271,7 @@
           <a:p>
             <a:fld id="{48A87A34-81AB-432B-8DAE-1953F412C126}" type="datetimeFigureOut">
               <a:rPr lang="en-US" dirty="0"/>
-              <a:t>9/6/2017</a:t>
+              <a:t>9/12/2017</a:t>
             </a:fld>
             <a:endParaRPr lang="en-US" dirty="0"/>
           </a:p>
@@ -8361,7 +8361,7 @@
           <a:p>
             <a:fld id="{48A87A34-81AB-432B-8DAE-1953F412C126}" type="datetimeFigureOut">
               <a:rPr lang="en-US" dirty="0"/>
-              <a:t>9/6/2017</a:t>
+              <a:t>9/12/2017</a:t>
             </a:fld>
             <a:endParaRPr lang="en-US" dirty="0"/>
           </a:p>
@@ -8605,7 +8605,7 @@
           <a:p>
             <a:fld id="{48A87A34-81AB-432B-8DAE-1953F412C126}" type="datetimeFigureOut">
               <a:rPr lang="en-US" dirty="0"/>
-              <a:t>9/6/2017</a:t>
+              <a:t>9/12/2017</a:t>
             </a:fld>
             <a:endParaRPr lang="en-US" dirty="0"/>
           </a:p>
@@ -8880,7 +8880,7 @@
           <a:p>
             <a:fld id="{48A87A34-81AB-432B-8DAE-1953F412C126}" type="datetimeFigureOut">
               <a:rPr lang="en-US" dirty="0"/>
-              <a:t>9/6/2017</a:t>
+              <a:t>9/12/2017</a:t>
             </a:fld>
             <a:endParaRPr lang="en-US" dirty="0"/>
           </a:p>
@@ -8998,7 +8998,7 @@
           <a:noFill/>
           <a:extLst>
             <a:ext uri="{909E8E84-426E-40dd-AFC4-6F175D3DCCD1}">
-              <a14:hiddenFill xmlns="" xmlns:a14="http://schemas.microsoft.com/office/drawing/2010/main">
+              <a14:hiddenFill xmlns:a14="http://schemas.microsoft.com/office/drawing/2010/main" xmlns="">
                 <a:solidFill>
                   <a:srgbClr val="FFFFFF"/>
                 </a:solidFill>
@@ -9072,7 +9072,7 @@
               </a:ln>
               <a:extLst>
                 <a:ext uri="{91240B29-F687-4f45-9708-019B960494DF}">
-                  <a14:hiddenLine xmlns="" xmlns:a14="http://schemas.microsoft.com/office/drawing/2010/main" w="9525">
+                  <a14:hiddenLine xmlns:a14="http://schemas.microsoft.com/office/drawing/2010/main" xmlns="" w="9525">
                     <a:solidFill>
                       <a:srgbClr val="000000"/>
                     </a:solidFill>
@@ -9162,7 +9162,7 @@
               </a:ln>
               <a:extLst>
                 <a:ext uri="{91240B29-F687-4f45-9708-019B960494DF}">
-                  <a14:hiddenLine xmlns="" xmlns:a14="http://schemas.microsoft.com/office/drawing/2010/main" w="9525">
+                  <a14:hiddenLine xmlns:a14="http://schemas.microsoft.com/office/drawing/2010/main" xmlns="" w="9525">
                     <a:solidFill>
                       <a:srgbClr val="000000"/>
                     </a:solidFill>
@@ -9252,7 +9252,7 @@
               </a:ln>
               <a:extLst>
                 <a:ext uri="{91240B29-F687-4f45-9708-019B960494DF}">
-                  <a14:hiddenLine xmlns="" xmlns:a14="http://schemas.microsoft.com/office/drawing/2010/main" w="9525">
+                  <a14:hiddenLine xmlns:a14="http://schemas.microsoft.com/office/drawing/2010/main" xmlns="" w="9525">
                     <a:solidFill>
                       <a:srgbClr val="000000"/>
                     </a:solidFill>
@@ -9314,7 +9314,7 @@
               </a:ln>
               <a:extLst>
                 <a:ext uri="{91240B29-F687-4f45-9708-019B960494DF}">
-                  <a14:hiddenLine xmlns="" xmlns:a14="http://schemas.microsoft.com/office/drawing/2010/main" w="9525">
+                  <a14:hiddenLine xmlns:a14="http://schemas.microsoft.com/office/drawing/2010/main" xmlns="" w="9525">
                     <a:solidFill>
                       <a:srgbClr val="000000"/>
                     </a:solidFill>
@@ -9404,7 +9404,7 @@
               </a:ln>
               <a:extLst>
                 <a:ext uri="{91240B29-F687-4f45-9708-019B960494DF}">
-                  <a14:hiddenLine xmlns="" xmlns:a14="http://schemas.microsoft.com/office/drawing/2010/main" w="9525">
+                  <a14:hiddenLine xmlns:a14="http://schemas.microsoft.com/office/drawing/2010/main" xmlns="" w="9525">
                     <a:solidFill>
                       <a:srgbClr val="000000"/>
                     </a:solidFill>
@@ -9466,7 +9466,7 @@
               </a:ln>
               <a:extLst>
                 <a:ext uri="{91240B29-F687-4f45-9708-019B960494DF}">
-                  <a14:hiddenLine xmlns="" xmlns:a14="http://schemas.microsoft.com/office/drawing/2010/main" w="9525">
+                  <a14:hiddenLine xmlns:a14="http://schemas.microsoft.com/office/drawing/2010/main" xmlns="" w="9525">
                     <a:solidFill>
                       <a:srgbClr val="000000"/>
                     </a:solidFill>
@@ -9528,7 +9528,7 @@
               </a:ln>
               <a:extLst>
                 <a:ext uri="{91240B29-F687-4f45-9708-019B960494DF}">
-                  <a14:hiddenLine xmlns="" xmlns:a14="http://schemas.microsoft.com/office/drawing/2010/main" w="9525">
+                  <a14:hiddenLine xmlns:a14="http://schemas.microsoft.com/office/drawing/2010/main" xmlns="" w="9525">
                     <a:solidFill>
                       <a:srgbClr val="000000"/>
                     </a:solidFill>
@@ -9618,7 +9618,7 @@
               </a:ln>
               <a:extLst>
                 <a:ext uri="{91240B29-F687-4f45-9708-019B960494DF}">
-                  <a14:hiddenLine xmlns="" xmlns:a14="http://schemas.microsoft.com/office/drawing/2010/main" w="9525">
+                  <a14:hiddenLine xmlns:a14="http://schemas.microsoft.com/office/drawing/2010/main" xmlns="" w="9525">
                     <a:solidFill>
                       <a:srgbClr val="000000"/>
                     </a:solidFill>
@@ -9708,7 +9708,7 @@
               </a:ln>
               <a:extLst>
                 <a:ext uri="{91240B29-F687-4f45-9708-019B960494DF}">
-                  <a14:hiddenLine xmlns="" xmlns:a14="http://schemas.microsoft.com/office/drawing/2010/main" w="9525">
+                  <a14:hiddenLine xmlns:a14="http://schemas.microsoft.com/office/drawing/2010/main" xmlns="" w="9525">
                     <a:solidFill>
                       <a:srgbClr val="000000"/>
                     </a:solidFill>
@@ -9770,7 +9770,7 @@
               </a:ln>
               <a:extLst>
                 <a:ext uri="{91240B29-F687-4f45-9708-019B960494DF}">
-                  <a14:hiddenLine xmlns="" xmlns:a14="http://schemas.microsoft.com/office/drawing/2010/main" w="9525">
+                  <a14:hiddenLine xmlns:a14="http://schemas.microsoft.com/office/drawing/2010/main" xmlns="" w="9525">
                     <a:solidFill>
                       <a:srgbClr val="000000"/>
                     </a:solidFill>
@@ -9880,7 +9880,7 @@
               </a:ln>
               <a:extLst>
                 <a:ext uri="{91240B29-F687-4f45-9708-019B960494DF}">
-                  <a14:hiddenLine xmlns="" xmlns:a14="http://schemas.microsoft.com/office/drawing/2010/main" w="9525">
+                  <a14:hiddenLine xmlns:a14="http://schemas.microsoft.com/office/drawing/2010/main" xmlns="" w="9525">
                     <a:solidFill>
                       <a:srgbClr val="000000"/>
                     </a:solidFill>
@@ -9964,7 +9964,7 @@
               </a:ln>
               <a:extLst>
                 <a:ext uri="{91240B29-F687-4f45-9708-019B960494DF}">
-                  <a14:hiddenLine xmlns="" xmlns:a14="http://schemas.microsoft.com/office/drawing/2010/main" w="9525">
+                  <a14:hiddenLine xmlns:a14="http://schemas.microsoft.com/office/drawing/2010/main" xmlns="" w="9525">
                     <a:solidFill>
                       <a:srgbClr val="000000"/>
                     </a:solidFill>
@@ -10026,7 +10026,7 @@
               </a:ln>
               <a:extLst>
                 <a:ext uri="{91240B29-F687-4f45-9708-019B960494DF}">
-                  <a14:hiddenLine xmlns="" xmlns:a14="http://schemas.microsoft.com/office/drawing/2010/main" w="9525">
+                  <a14:hiddenLine xmlns:a14="http://schemas.microsoft.com/office/drawing/2010/main" xmlns="" w="9525">
                     <a:solidFill>
                       <a:srgbClr val="000000"/>
                     </a:solidFill>
@@ -10088,7 +10088,7 @@
               </a:ln>
               <a:extLst>
                 <a:ext uri="{91240B29-F687-4f45-9708-019B960494DF}">
-                  <a14:hiddenLine xmlns="" xmlns:a14="http://schemas.microsoft.com/office/drawing/2010/main" w="9525">
+                  <a14:hiddenLine xmlns:a14="http://schemas.microsoft.com/office/drawing/2010/main" xmlns="" w="9525">
                     <a:solidFill>
                       <a:srgbClr val="000000"/>
                     </a:solidFill>
@@ -10178,7 +10178,7 @@
               </a:ln>
               <a:extLst>
                 <a:ext uri="{91240B29-F687-4f45-9708-019B960494DF}">
-                  <a14:hiddenLine xmlns="" xmlns:a14="http://schemas.microsoft.com/office/drawing/2010/main" w="9525">
+                  <a14:hiddenLine xmlns:a14="http://schemas.microsoft.com/office/drawing/2010/main" xmlns="" w="9525">
                     <a:solidFill>
                       <a:srgbClr val="000000"/>
                     </a:solidFill>
@@ -10212,7 +10212,7 @@
               </a:ln>
               <a:extLst>
                 <a:ext uri="{91240B29-F687-4f45-9708-019B960494DF}">
-                  <a14:hiddenLine xmlns="" xmlns:a14="http://schemas.microsoft.com/office/drawing/2010/main" w="9525">
+                  <a14:hiddenLine xmlns:a14="http://schemas.microsoft.com/office/drawing/2010/main" xmlns="" w="9525">
                     <a:solidFill>
                       <a:srgbClr val="000000"/>
                     </a:solidFill>
@@ -10277,7 +10277,7 @@
               </a:ln>
               <a:extLst>
                 <a:ext uri="{91240B29-F687-4f45-9708-019B960494DF}">
-                  <a14:hiddenLine xmlns="" xmlns:a14="http://schemas.microsoft.com/office/drawing/2010/main" w="9525">
+                  <a14:hiddenLine xmlns:a14="http://schemas.microsoft.com/office/drawing/2010/main" xmlns="" w="9525">
                     <a:solidFill>
                       <a:srgbClr val="000000"/>
                     </a:solidFill>
@@ -10367,7 +10367,7 @@
               </a:ln>
               <a:extLst>
                 <a:ext uri="{91240B29-F687-4f45-9708-019B960494DF}">
-                  <a14:hiddenLine xmlns="" xmlns:a14="http://schemas.microsoft.com/office/drawing/2010/main" w="9525">
+                  <a14:hiddenLine xmlns:a14="http://schemas.microsoft.com/office/drawing/2010/main" xmlns="" w="9525">
                     <a:solidFill>
                       <a:srgbClr val="000000"/>
                     </a:solidFill>
@@ -10429,7 +10429,7 @@
               </a:ln>
               <a:extLst>
                 <a:ext uri="{91240B29-F687-4f45-9708-019B960494DF}">
-                  <a14:hiddenLine xmlns="" xmlns:a14="http://schemas.microsoft.com/office/drawing/2010/main" w="9525">
+                  <a14:hiddenLine xmlns:a14="http://schemas.microsoft.com/office/drawing/2010/main" xmlns="" w="9525">
                     <a:solidFill>
                       <a:srgbClr val="000000"/>
                     </a:solidFill>
@@ -10519,7 +10519,7 @@
               </a:ln>
               <a:extLst>
                 <a:ext uri="{91240B29-F687-4f45-9708-019B960494DF}">
-                  <a14:hiddenLine xmlns="" xmlns:a14="http://schemas.microsoft.com/office/drawing/2010/main" w="9525">
+                  <a14:hiddenLine xmlns:a14="http://schemas.microsoft.com/office/drawing/2010/main" xmlns="" w="9525">
                     <a:solidFill>
                       <a:srgbClr val="000000"/>
                     </a:solidFill>
@@ -10584,7 +10584,7 @@
               </a:ln>
               <a:extLst>
                 <a:ext uri="{91240B29-F687-4f45-9708-019B960494DF}">
-                  <a14:hiddenLine xmlns="" xmlns:a14="http://schemas.microsoft.com/office/drawing/2010/main" w="9525">
+                  <a14:hiddenLine xmlns:a14="http://schemas.microsoft.com/office/drawing/2010/main" xmlns="" w="9525">
                     <a:solidFill>
                       <a:srgbClr val="000000"/>
                     </a:solidFill>
@@ -10646,7 +10646,7 @@
               </a:ln>
               <a:extLst>
                 <a:ext uri="{91240B29-F687-4f45-9708-019B960494DF}">
-                  <a14:hiddenLine xmlns="" xmlns:a14="http://schemas.microsoft.com/office/drawing/2010/main" w="9525">
+                  <a14:hiddenLine xmlns:a14="http://schemas.microsoft.com/office/drawing/2010/main" xmlns="" w="9525">
                     <a:solidFill>
                       <a:srgbClr val="000000"/>
                     </a:solidFill>
@@ -10736,7 +10736,7 @@
               </a:ln>
               <a:extLst>
                 <a:ext uri="{91240B29-F687-4f45-9708-019B960494DF}">
-                  <a14:hiddenLine xmlns="" xmlns:a14="http://schemas.microsoft.com/office/drawing/2010/main" w="9525">
+                  <a14:hiddenLine xmlns:a14="http://schemas.microsoft.com/office/drawing/2010/main" xmlns="" w="9525">
                     <a:solidFill>
                       <a:srgbClr val="000000"/>
                     </a:solidFill>
@@ -10826,7 +10826,7 @@
               </a:ln>
               <a:extLst>
                 <a:ext uri="{91240B29-F687-4f45-9708-019B960494DF}">
-                  <a14:hiddenLine xmlns="" xmlns:a14="http://schemas.microsoft.com/office/drawing/2010/main" w="9525">
+                  <a14:hiddenLine xmlns:a14="http://schemas.microsoft.com/office/drawing/2010/main" xmlns="" w="9525">
                     <a:solidFill>
                       <a:srgbClr val="000000"/>
                     </a:solidFill>
@@ -10891,7 +10891,7 @@
               </a:ln>
               <a:extLst>
                 <a:ext uri="{91240B29-F687-4f45-9708-019B960494DF}">
-                  <a14:hiddenLine xmlns="" xmlns:a14="http://schemas.microsoft.com/office/drawing/2010/main" w="9525">
+                  <a14:hiddenLine xmlns:a14="http://schemas.microsoft.com/office/drawing/2010/main" xmlns="" w="9525">
                     <a:solidFill>
                       <a:srgbClr val="000000"/>
                     </a:solidFill>
@@ -11011,7 +11011,7 @@
               </a:ln>
               <a:extLst>
                 <a:ext uri="{91240B29-F687-4f45-9708-019B960494DF}">
-                  <a14:hiddenLine xmlns="" xmlns:a14="http://schemas.microsoft.com/office/drawing/2010/main" w="9525">
+                  <a14:hiddenLine xmlns:a14="http://schemas.microsoft.com/office/drawing/2010/main" xmlns="" w="9525">
                     <a:solidFill>
                       <a:srgbClr val="000000"/>
                     </a:solidFill>
@@ -11092,7 +11092,7 @@
               </a:ln>
               <a:extLst>
                 <a:ext uri="{91240B29-F687-4f45-9708-019B960494DF}">
-                  <a14:hiddenLine xmlns="" xmlns:a14="http://schemas.microsoft.com/office/drawing/2010/main" w="9525">
+                  <a14:hiddenLine xmlns:a14="http://schemas.microsoft.com/office/drawing/2010/main" xmlns="" w="9525">
                     <a:solidFill>
                       <a:srgbClr val="000000"/>
                     </a:solidFill>
@@ -11207,7 +11207,7 @@
               </a:ln>
               <a:extLst>
                 <a:ext uri="{91240B29-F687-4f45-9708-019B960494DF}">
-                  <a14:hiddenLine xmlns="" xmlns:a14="http://schemas.microsoft.com/office/drawing/2010/main" w="9525">
+                  <a14:hiddenLine xmlns:a14="http://schemas.microsoft.com/office/drawing/2010/main" xmlns="" w="9525">
                     <a:solidFill>
                       <a:srgbClr val="000000"/>
                     </a:solidFill>
@@ -11297,7 +11297,7 @@
               </a:ln>
               <a:extLst>
                 <a:ext uri="{91240B29-F687-4f45-9708-019B960494DF}">
-                  <a14:hiddenLine xmlns="" xmlns:a14="http://schemas.microsoft.com/office/drawing/2010/main" w="9525">
+                  <a14:hiddenLine xmlns:a14="http://schemas.microsoft.com/office/drawing/2010/main" xmlns="" w="9525">
                     <a:solidFill>
                       <a:srgbClr val="000000"/>
                     </a:solidFill>
@@ -11362,7 +11362,7 @@
               </a:ln>
               <a:extLst>
                 <a:ext uri="{91240B29-F687-4f45-9708-019B960494DF}">
-                  <a14:hiddenLine xmlns="" xmlns:a14="http://schemas.microsoft.com/office/drawing/2010/main" w="9525">
+                  <a14:hiddenLine xmlns:a14="http://schemas.microsoft.com/office/drawing/2010/main" xmlns="" w="9525">
                     <a:solidFill>
                       <a:srgbClr val="000000"/>
                     </a:solidFill>
@@ -11452,7 +11452,7 @@
               </a:ln>
               <a:extLst>
                 <a:ext uri="{91240B29-F687-4f45-9708-019B960494DF}">
-                  <a14:hiddenLine xmlns="" xmlns:a14="http://schemas.microsoft.com/office/drawing/2010/main" w="9525">
+                  <a14:hiddenLine xmlns:a14="http://schemas.microsoft.com/office/drawing/2010/main" xmlns="" w="9525">
                     <a:solidFill>
                       <a:srgbClr val="000000"/>
                     </a:solidFill>
@@ -11520,7 +11520,7 @@
               </a:ln>
               <a:extLst>
                 <a:ext uri="{91240B29-F687-4f45-9708-019B960494DF}">
-                  <a14:hiddenLine xmlns="" xmlns:a14="http://schemas.microsoft.com/office/drawing/2010/main" w="9525">
+                  <a14:hiddenLine xmlns:a14="http://schemas.microsoft.com/office/drawing/2010/main" xmlns="" w="9525">
                     <a:solidFill>
                       <a:srgbClr val="000000"/>
                     </a:solidFill>
@@ -11610,7 +11610,7 @@
               </a:ln>
               <a:extLst>
                 <a:ext uri="{91240B29-F687-4f45-9708-019B960494DF}">
-                  <a14:hiddenLine xmlns="" xmlns:a14="http://schemas.microsoft.com/office/drawing/2010/main" w="9525">
+                  <a14:hiddenLine xmlns:a14="http://schemas.microsoft.com/office/drawing/2010/main" xmlns="" w="9525">
                     <a:solidFill>
                       <a:srgbClr val="000000"/>
                     </a:solidFill>
@@ -11678,7 +11678,7 @@
               </a:ln>
               <a:extLst>
                 <a:ext uri="{91240B29-F687-4f45-9708-019B960494DF}">
-                  <a14:hiddenLine xmlns="" xmlns:a14="http://schemas.microsoft.com/office/drawing/2010/main" w="9525">
+                  <a14:hiddenLine xmlns:a14="http://schemas.microsoft.com/office/drawing/2010/main" xmlns="" w="9525">
                     <a:solidFill>
                       <a:srgbClr val="000000"/>
                     </a:solidFill>
@@ -11768,7 +11768,7 @@
               </a:ln>
               <a:extLst>
                 <a:ext uri="{91240B29-F687-4f45-9708-019B960494DF}">
-                  <a14:hiddenLine xmlns="" xmlns:a14="http://schemas.microsoft.com/office/drawing/2010/main" w="9525">
+                  <a14:hiddenLine xmlns:a14="http://schemas.microsoft.com/office/drawing/2010/main" xmlns="" w="9525">
                     <a:solidFill>
                       <a:srgbClr val="000000"/>
                     </a:solidFill>
@@ -11802,7 +11802,7 @@
               </a:ln>
               <a:extLst>
                 <a:ext uri="{91240B29-F687-4f45-9708-019B960494DF}">
-                  <a14:hiddenLine xmlns="" xmlns:a14="http://schemas.microsoft.com/office/drawing/2010/main" w="9525">
+                  <a14:hiddenLine xmlns:a14="http://schemas.microsoft.com/office/drawing/2010/main" xmlns="" w="9525">
                     <a:solidFill>
                       <a:srgbClr val="000000"/>
                     </a:solidFill>
@@ -11943,7 +11943,7 @@
             <a:fld id="{48A87A34-81AB-432B-8DAE-1953F412C126}" type="datetimeFigureOut">
               <a:rPr lang="en-US" dirty="0"/>
               <a:pPr/>
-              <a:t>9/6/2017</a:t>
+              <a:t>9/12/2017</a:t>
             </a:fld>
             <a:endParaRPr lang="en-US" dirty="0"/>
           </a:p>
@@ -12683,11 +12683,18 @@
             </a:pPr>
             <a:r>
               <a:rPr lang="pt-BR" sz="1800" dirty="0">
+                <a:solidFill>
+                  <a:srgbClr val="00B0F0"/>
+                </a:solidFill>
                 <a:hlinkClick r:id="rId2"/>
               </a:rPr>
               <a:t>http://www.blogsegurancadotrabalho.com.br/2015/08/o-que-e-iso.html</a:t>
             </a:r>
-            <a:endParaRPr lang="pt-BR" sz="1800" dirty="0"/>
+            <a:endParaRPr lang="pt-BR" sz="1800" dirty="0">
+              <a:solidFill>
+                <a:srgbClr val="00B0F0"/>
+              </a:solidFill>
+            </a:endParaRPr>
           </a:p>
           <a:p>
             <a:pPr marL="0" indent="0">
@@ -12695,17 +12702,47 @@
             </a:pPr>
             <a:r>
               <a:rPr lang="pt-BR" sz="1800" dirty="0">
+                <a:solidFill>
+                  <a:srgbClr val="00B0F0"/>
+                </a:solidFill>
                 <a:hlinkClick r:id="rId3"/>
               </a:rPr>
               <a:t>https://www.iso.org/home.html</a:t>
             </a:r>
-            <a:endParaRPr lang="pt-BR" sz="1800" dirty="0"/>
+            <a:endParaRPr lang="pt-BR" sz="1800" dirty="0">
+              <a:solidFill>
+                <a:srgbClr val="00B0F0"/>
+              </a:solidFill>
+            </a:endParaRPr>
           </a:p>
           <a:p>
             <a:pPr marL="0" indent="0">
               <a:buNone/>
             </a:pPr>
-            <a:endParaRPr lang="pt-BR" sz="1800" dirty="0"/>
+            <a:r>
+              <a:rPr lang="pt-BR" sz="1800" dirty="0">
+                <a:solidFill>
+                  <a:srgbClr val="00B0F0"/>
+                </a:solidFill>
+                <a:hlinkClick r:id="rId4"/>
+              </a:rPr>
+              <a:t>https://pt.linkedin.com/pulse/vale-pena-certificar-sua-organiza%C3%A7%C3%A3o-na-iso27001-da-julio-c</a:t>
+            </a:r>
+            <a:endParaRPr lang="pt-BR" sz="1800" dirty="0">
+              <a:solidFill>
+                <a:srgbClr val="00B0F0"/>
+              </a:solidFill>
+            </a:endParaRPr>
+          </a:p>
+          <a:p>
+            <a:pPr marL="0" indent="0">
+              <a:buNone/>
+            </a:pPr>
+            <a:endParaRPr lang="pt-BR" sz="1800" dirty="0">
+              <a:solidFill>
+                <a:srgbClr val="00B0F0"/>
+              </a:solidFill>
+            </a:endParaRPr>
           </a:p>
         </p:txBody>
       </p:sp>
@@ -13649,7 +13686,19 @@
             <a:pPr marL="0" indent="0">
               <a:buNone/>
             </a:pPr>
-            <a:endParaRPr lang="pt-BR" dirty="0"/>
+            <a:r>
+              <a:rPr lang="pt-BR" dirty="0"/>
+              <a:t>Infelizmente, muitas empresas tem a “cultura do imediatismo”, sendo pressionadas pela urgência da informação, uma informação que se tem aos montes, mas não se tem o conhecimento de como usufruí-la da maneira correta.</a:t>
+            </a:r>
+          </a:p>
+          <a:p>
+            <a:pPr marL="0" indent="0">
+              <a:buNone/>
+            </a:pPr>
+            <a:r>
+              <a:rPr lang="pt-BR" dirty="0"/>
+              <a:t>É fato que não existem garantias de que uma organização regularmente certificada pela ISO esteja livre de falhas, mas a vantagem de possuir um sistema de gestão efetivo é a menor probabilidade destas falhas e impactos reduzidos.</a:t>
+            </a:r>
           </a:p>
         </p:txBody>
       </p:sp>
@@ -13732,7 +13781,13 @@
           <a:bodyPr/>
           <a:lstStyle/>
           <a:p>
-            <a:endParaRPr lang="pt-BR" dirty="0"/>
+            <a:pPr marL="0" indent="0">
+              <a:buNone/>
+            </a:pPr>
+            <a:r>
+              <a:rPr lang="pt-BR" dirty="0"/>
+              <a:t>O nível de segurança da informação no Brasil é um dos mais fracos do mundo</a:t>
+            </a:r>
           </a:p>
         </p:txBody>
       </p:sp>

--- a/PI - Seg de Software/information_security.pptx
+++ b/PI - Seg de Software/information_security.pptx
@@ -9,14 +9,15 @@
     <p:sldId id="257" r:id="rId3"/>
     <p:sldId id="259" r:id="rId4"/>
     <p:sldId id="260" r:id="rId5"/>
-    <p:sldId id="261" r:id="rId6"/>
+    <p:sldId id="269" r:id="rId6"/>
     <p:sldId id="258" r:id="rId7"/>
     <p:sldId id="263" r:id="rId8"/>
     <p:sldId id="267" r:id="rId9"/>
     <p:sldId id="264" r:id="rId10"/>
-    <p:sldId id="265" r:id="rId11"/>
-    <p:sldId id="266" r:id="rId12"/>
-    <p:sldId id="262" r:id="rId13"/>
+    <p:sldId id="268" r:id="rId11"/>
+    <p:sldId id="265" r:id="rId12"/>
+    <p:sldId id="266" r:id="rId13"/>
+    <p:sldId id="262" r:id="rId14"/>
   </p:sldIdLst>
   <p:sldSz cx="12192000" cy="6858000"/>
   <p:notesSz cx="6858000" cy="9144000"/>
@@ -184,7 +185,7 @@
           <a:noFill/>
           <a:extLst>
             <a:ext uri="{909E8E84-426E-40dd-AFC4-6F175D3DCCD1}">
-              <a14:hiddenFill xmlns:a14="http://schemas.microsoft.com/office/drawing/2010/main" xmlns="">
+              <a14:hiddenFill xmlns="" xmlns:a14="http://schemas.microsoft.com/office/drawing/2010/main">
                 <a:solidFill>
                   <a:srgbClr val="FFFFFF"/>
                 </a:solidFill>
@@ -243,7 +244,7 @@
             </a:ln>
             <a:extLst>
               <a:ext uri="{91240B29-F687-4f45-9708-019B960494DF}">
-                <a14:hiddenLine xmlns:a14="http://schemas.microsoft.com/office/drawing/2010/main" xmlns="" w="9525">
+                <a14:hiddenLine xmlns="" xmlns:a14="http://schemas.microsoft.com/office/drawing/2010/main" w="9525">
                   <a:solidFill>
                     <a:srgbClr val="000000"/>
                   </a:solidFill>
@@ -333,7 +334,7 @@
             </a:ln>
             <a:extLst>
               <a:ext uri="{91240B29-F687-4f45-9708-019B960494DF}">
-                <a14:hiddenLine xmlns:a14="http://schemas.microsoft.com/office/drawing/2010/main" xmlns="" w="9525">
+                <a14:hiddenLine xmlns="" xmlns:a14="http://schemas.microsoft.com/office/drawing/2010/main" w="9525">
                   <a:solidFill>
                     <a:srgbClr val="000000"/>
                   </a:solidFill>
@@ -423,7 +424,7 @@
             </a:ln>
             <a:extLst>
               <a:ext uri="{91240B29-F687-4f45-9708-019B960494DF}">
-                <a14:hiddenLine xmlns:a14="http://schemas.microsoft.com/office/drawing/2010/main" xmlns="" w="9525">
+                <a14:hiddenLine xmlns="" xmlns:a14="http://schemas.microsoft.com/office/drawing/2010/main" w="9525">
                   <a:solidFill>
                     <a:srgbClr val="000000"/>
                   </a:solidFill>
@@ -457,7 +458,7 @@
             </a:ln>
             <a:extLst>
               <a:ext uri="{91240B29-F687-4f45-9708-019B960494DF}">
-                <a14:hiddenLine xmlns:a14="http://schemas.microsoft.com/office/drawing/2010/main" xmlns="" w="9525">
+                <a14:hiddenLine xmlns="" xmlns:a14="http://schemas.microsoft.com/office/drawing/2010/main" w="9525">
                   <a:solidFill>
                     <a:srgbClr val="000000"/>
                   </a:solidFill>
@@ -547,7 +548,7 @@
             </a:ln>
             <a:extLst>
               <a:ext uri="{91240B29-F687-4f45-9708-019B960494DF}">
-                <a14:hiddenLine xmlns:a14="http://schemas.microsoft.com/office/drawing/2010/main" xmlns="" w="9525">
+                <a14:hiddenLine xmlns="" xmlns:a14="http://schemas.microsoft.com/office/drawing/2010/main" w="9525">
                   <a:solidFill>
                     <a:srgbClr val="000000"/>
                   </a:solidFill>
@@ -609,7 +610,7 @@
             </a:ln>
             <a:extLst>
               <a:ext uri="{91240B29-F687-4f45-9708-019B960494DF}">
-                <a14:hiddenLine xmlns:a14="http://schemas.microsoft.com/office/drawing/2010/main" xmlns="" w="9525">
+                <a14:hiddenLine xmlns="" xmlns:a14="http://schemas.microsoft.com/office/drawing/2010/main" w="9525">
                   <a:solidFill>
                     <a:srgbClr val="000000"/>
                   </a:solidFill>
@@ -671,7 +672,7 @@
             </a:ln>
             <a:extLst>
               <a:ext uri="{91240B29-F687-4f45-9708-019B960494DF}">
-                <a14:hiddenLine xmlns:a14="http://schemas.microsoft.com/office/drawing/2010/main" xmlns="" w="9525">
+                <a14:hiddenLine xmlns="" xmlns:a14="http://schemas.microsoft.com/office/drawing/2010/main" w="9525">
                   <a:solidFill>
                     <a:srgbClr val="000000"/>
                   </a:solidFill>
@@ -761,7 +762,7 @@
             </a:ln>
             <a:extLst>
               <a:ext uri="{91240B29-F687-4f45-9708-019B960494DF}">
-                <a14:hiddenLine xmlns:a14="http://schemas.microsoft.com/office/drawing/2010/main" xmlns="" w="9525">
+                <a14:hiddenLine xmlns="" xmlns:a14="http://schemas.microsoft.com/office/drawing/2010/main" w="9525">
                   <a:solidFill>
                     <a:srgbClr val="000000"/>
                   </a:solidFill>
@@ -823,7 +824,7 @@
             </a:ln>
             <a:extLst>
               <a:ext uri="{91240B29-F687-4f45-9708-019B960494DF}">
-                <a14:hiddenLine xmlns:a14="http://schemas.microsoft.com/office/drawing/2010/main" xmlns="" w="9525">
+                <a14:hiddenLine xmlns="" xmlns:a14="http://schemas.microsoft.com/office/drawing/2010/main" w="9525">
                   <a:solidFill>
                     <a:srgbClr val="000000"/>
                   </a:solidFill>
@@ -885,7 +886,7 @@
             </a:ln>
             <a:extLst>
               <a:ext uri="{91240B29-F687-4f45-9708-019B960494DF}">
-                <a14:hiddenLine xmlns:a14="http://schemas.microsoft.com/office/drawing/2010/main" xmlns="" w="9525">
+                <a14:hiddenLine xmlns="" xmlns:a14="http://schemas.microsoft.com/office/drawing/2010/main" w="9525">
                   <a:solidFill>
                     <a:srgbClr val="000000"/>
                   </a:solidFill>
@@ -975,7 +976,7 @@
             </a:ln>
             <a:extLst>
               <a:ext uri="{91240B29-F687-4f45-9708-019B960494DF}">
-                <a14:hiddenLine xmlns:a14="http://schemas.microsoft.com/office/drawing/2010/main" xmlns="" w="9525">
+                <a14:hiddenLine xmlns="" xmlns:a14="http://schemas.microsoft.com/office/drawing/2010/main" w="9525">
                   <a:solidFill>
                     <a:srgbClr val="000000"/>
                   </a:solidFill>
@@ -1065,7 +1066,7 @@
             </a:ln>
             <a:extLst>
               <a:ext uri="{91240B29-F687-4f45-9708-019B960494DF}">
-                <a14:hiddenLine xmlns:a14="http://schemas.microsoft.com/office/drawing/2010/main" xmlns="" w="9525">
+                <a14:hiddenLine xmlns="" xmlns:a14="http://schemas.microsoft.com/office/drawing/2010/main" w="9525">
                   <a:solidFill>
                     <a:srgbClr val="000000"/>
                   </a:solidFill>
@@ -1127,7 +1128,7 @@
             </a:ln>
             <a:extLst>
               <a:ext uri="{91240B29-F687-4f45-9708-019B960494DF}">
-                <a14:hiddenLine xmlns:a14="http://schemas.microsoft.com/office/drawing/2010/main" xmlns="" w="9525">
+                <a14:hiddenLine xmlns="" xmlns:a14="http://schemas.microsoft.com/office/drawing/2010/main" w="9525">
                   <a:solidFill>
                     <a:srgbClr val="000000"/>
                   </a:solidFill>
@@ -1237,7 +1238,7 @@
             </a:ln>
             <a:extLst>
               <a:ext uri="{91240B29-F687-4f45-9708-019B960494DF}">
-                <a14:hiddenLine xmlns:a14="http://schemas.microsoft.com/office/drawing/2010/main" xmlns="" w="9525">
+                <a14:hiddenLine xmlns="" xmlns:a14="http://schemas.microsoft.com/office/drawing/2010/main" w="9525">
                   <a:solidFill>
                     <a:srgbClr val="000000"/>
                   </a:solidFill>
@@ -1299,7 +1300,7 @@
             </a:ln>
             <a:extLst>
               <a:ext uri="{91240B29-F687-4f45-9708-019B960494DF}">
-                <a14:hiddenLine xmlns:a14="http://schemas.microsoft.com/office/drawing/2010/main" xmlns="" w="9525">
+                <a14:hiddenLine xmlns="" xmlns:a14="http://schemas.microsoft.com/office/drawing/2010/main" w="9525">
                   <a:solidFill>
                     <a:srgbClr val="000000"/>
                   </a:solidFill>
@@ -1389,7 +1390,7 @@
             </a:ln>
             <a:extLst>
               <a:ext uri="{91240B29-F687-4f45-9708-019B960494DF}">
-                <a14:hiddenLine xmlns:a14="http://schemas.microsoft.com/office/drawing/2010/main" xmlns="" w="9525">
+                <a14:hiddenLine xmlns="" xmlns:a14="http://schemas.microsoft.com/office/drawing/2010/main" w="9525">
                   <a:solidFill>
                     <a:srgbClr val="000000"/>
                   </a:solidFill>
@@ -1479,7 +1480,7 @@
             </a:ln>
             <a:extLst>
               <a:ext uri="{91240B29-F687-4f45-9708-019B960494DF}">
-                <a14:hiddenLine xmlns:a14="http://schemas.microsoft.com/office/drawing/2010/main" xmlns="" w="9525">
+                <a14:hiddenLine xmlns="" xmlns:a14="http://schemas.microsoft.com/office/drawing/2010/main" w="9525">
                   <a:solidFill>
                     <a:srgbClr val="000000"/>
                   </a:solidFill>
@@ -1541,7 +1542,7 @@
             </a:ln>
             <a:extLst>
               <a:ext uri="{91240B29-F687-4f45-9708-019B960494DF}">
-                <a14:hiddenLine xmlns:a14="http://schemas.microsoft.com/office/drawing/2010/main" xmlns="" w="9525">
+                <a14:hiddenLine xmlns="" xmlns:a14="http://schemas.microsoft.com/office/drawing/2010/main" w="9525">
                   <a:solidFill>
                     <a:srgbClr val="000000"/>
                   </a:solidFill>
@@ -1631,7 +1632,7 @@
             </a:ln>
             <a:extLst>
               <a:ext uri="{91240B29-F687-4f45-9708-019B960494DF}">
-                <a14:hiddenLine xmlns:a14="http://schemas.microsoft.com/office/drawing/2010/main" xmlns="" w="9525">
+                <a14:hiddenLine xmlns="" xmlns:a14="http://schemas.microsoft.com/office/drawing/2010/main" w="9525">
                   <a:solidFill>
                     <a:srgbClr val="000000"/>
                   </a:solidFill>
@@ -1721,7 +1722,7 @@
             </a:ln>
             <a:extLst>
               <a:ext uri="{91240B29-F687-4f45-9708-019B960494DF}">
-                <a14:hiddenLine xmlns:a14="http://schemas.microsoft.com/office/drawing/2010/main" xmlns="" w="9525">
+                <a14:hiddenLine xmlns="" xmlns:a14="http://schemas.microsoft.com/office/drawing/2010/main" w="9525">
                   <a:solidFill>
                     <a:srgbClr val="000000"/>
                   </a:solidFill>
@@ -1777,7 +1778,7 @@
             </a:ln>
             <a:extLst>
               <a:ext uri="{91240B29-F687-4f45-9708-019B960494DF}">
-                <a14:hiddenLine xmlns:a14="http://schemas.microsoft.com/office/drawing/2010/main" xmlns="" w="9525">
+                <a14:hiddenLine xmlns="" xmlns:a14="http://schemas.microsoft.com/office/drawing/2010/main" w="9525">
                   <a:solidFill>
                     <a:srgbClr val="000000"/>
                   </a:solidFill>
@@ -1867,7 +1868,7 @@
             </a:ln>
             <a:extLst>
               <a:ext uri="{91240B29-F687-4f45-9708-019B960494DF}">
-                <a14:hiddenLine xmlns:a14="http://schemas.microsoft.com/office/drawing/2010/main" xmlns="" w="9525">
+                <a14:hiddenLine xmlns="" xmlns:a14="http://schemas.microsoft.com/office/drawing/2010/main" w="9525">
                   <a:solidFill>
                     <a:srgbClr val="000000"/>
                   </a:solidFill>
@@ -1923,7 +1924,7 @@
             </a:ln>
             <a:extLst>
               <a:ext uri="{91240B29-F687-4f45-9708-019B960494DF}">
-                <a14:hiddenLine xmlns:a14="http://schemas.microsoft.com/office/drawing/2010/main" xmlns="" w="9525">
+                <a14:hiddenLine xmlns="" xmlns:a14="http://schemas.microsoft.com/office/drawing/2010/main" w="9525">
                   <a:solidFill>
                     <a:srgbClr val="000000"/>
                   </a:solidFill>
@@ -2013,7 +2014,7 @@
             </a:ln>
             <a:extLst>
               <a:ext uri="{91240B29-F687-4f45-9708-019B960494DF}">
-                <a14:hiddenLine xmlns:a14="http://schemas.microsoft.com/office/drawing/2010/main" xmlns="" w="9525">
+                <a14:hiddenLine xmlns="" xmlns:a14="http://schemas.microsoft.com/office/drawing/2010/main" w="9525">
                   <a:solidFill>
                     <a:srgbClr val="000000"/>
                   </a:solidFill>
@@ -2081,7 +2082,7 @@
             </a:ln>
             <a:extLst>
               <a:ext uri="{91240B29-F687-4f45-9708-019B960494DF}">
-                <a14:hiddenLine xmlns:a14="http://schemas.microsoft.com/office/drawing/2010/main" xmlns="" w="9525">
+                <a14:hiddenLine xmlns="" xmlns:a14="http://schemas.microsoft.com/office/drawing/2010/main" w="9525">
                   <a:solidFill>
                     <a:srgbClr val="000000"/>
                   </a:solidFill>
@@ -2171,7 +2172,7 @@
             </a:ln>
             <a:extLst>
               <a:ext uri="{91240B29-F687-4f45-9708-019B960494DF}">
-                <a14:hiddenLine xmlns:a14="http://schemas.microsoft.com/office/drawing/2010/main" xmlns="" w="9525">
+                <a14:hiddenLine xmlns="" xmlns:a14="http://schemas.microsoft.com/office/drawing/2010/main" w="9525">
                   <a:solidFill>
                     <a:srgbClr val="000000"/>
                   </a:solidFill>
@@ -2239,7 +2240,7 @@
             </a:ln>
             <a:extLst>
               <a:ext uri="{91240B29-F687-4f45-9708-019B960494DF}">
-                <a14:hiddenLine xmlns:a14="http://schemas.microsoft.com/office/drawing/2010/main" xmlns="" w="9525">
+                <a14:hiddenLine xmlns="" xmlns:a14="http://schemas.microsoft.com/office/drawing/2010/main" w="9525">
                   <a:solidFill>
                     <a:srgbClr val="000000"/>
                   </a:solidFill>
@@ -2329,7 +2330,7 @@
             </a:ln>
             <a:extLst>
               <a:ext uri="{91240B29-F687-4f45-9708-019B960494DF}">
-                <a14:hiddenLine xmlns:a14="http://schemas.microsoft.com/office/drawing/2010/main" xmlns="" w="9525">
+                <a14:hiddenLine xmlns="" xmlns:a14="http://schemas.microsoft.com/office/drawing/2010/main" w="9525">
                   <a:solidFill>
                     <a:srgbClr val="000000"/>
                   </a:solidFill>
@@ -2363,7 +2364,7 @@
             </a:ln>
             <a:extLst>
               <a:ext uri="{91240B29-F687-4f45-9708-019B960494DF}">
-                <a14:hiddenLine xmlns:a14="http://schemas.microsoft.com/office/drawing/2010/main" xmlns="" w="9525">
+                <a14:hiddenLine xmlns="" xmlns:a14="http://schemas.microsoft.com/office/drawing/2010/main" w="9525">
                   <a:solidFill>
                     <a:srgbClr val="000000"/>
                   </a:solidFill>
@@ -2453,7 +2454,7 @@
             </a:ln>
             <a:extLst>
               <a:ext uri="{91240B29-F687-4f45-9708-019B960494DF}">
-                <a14:hiddenLine xmlns:a14="http://schemas.microsoft.com/office/drawing/2010/main" xmlns="" w="9525">
+                <a14:hiddenLine xmlns="" xmlns:a14="http://schemas.microsoft.com/office/drawing/2010/main" w="9525">
                   <a:solidFill>
                     <a:srgbClr val="000000"/>
                   </a:solidFill>
@@ -2515,7 +2516,7 @@
             </a:ln>
             <a:extLst>
               <a:ext uri="{91240B29-F687-4f45-9708-019B960494DF}">
-                <a14:hiddenLine xmlns:a14="http://schemas.microsoft.com/office/drawing/2010/main" xmlns="" w="9525">
+                <a14:hiddenLine xmlns="" xmlns:a14="http://schemas.microsoft.com/office/drawing/2010/main" w="9525">
                   <a:solidFill>
                     <a:srgbClr val="000000"/>
                   </a:solidFill>
@@ -2577,7 +2578,7 @@
             </a:ln>
             <a:extLst>
               <a:ext uri="{91240B29-F687-4f45-9708-019B960494DF}">
-                <a14:hiddenLine xmlns:a14="http://schemas.microsoft.com/office/drawing/2010/main" xmlns="" w="9525">
+                <a14:hiddenLine xmlns="" xmlns:a14="http://schemas.microsoft.com/office/drawing/2010/main" w="9525">
                   <a:solidFill>
                     <a:srgbClr val="000000"/>
                   </a:solidFill>
@@ -2667,7 +2668,7 @@
             </a:ln>
             <a:extLst>
               <a:ext uri="{91240B29-F687-4f45-9708-019B960494DF}">
-                <a14:hiddenLine xmlns:a14="http://schemas.microsoft.com/office/drawing/2010/main" xmlns="" w="9525">
+                <a14:hiddenLine xmlns="" xmlns:a14="http://schemas.microsoft.com/office/drawing/2010/main" w="9525">
                   <a:solidFill>
                     <a:srgbClr val="000000"/>
                   </a:solidFill>
@@ -2735,7 +2736,7 @@
             </a:ln>
             <a:extLst>
               <a:ext uri="{91240B29-F687-4f45-9708-019B960494DF}">
-                <a14:hiddenLine xmlns:a14="http://schemas.microsoft.com/office/drawing/2010/main" xmlns="" w="9525">
+                <a14:hiddenLine xmlns="" xmlns:a14="http://schemas.microsoft.com/office/drawing/2010/main" w="9525">
                   <a:solidFill>
                     <a:srgbClr val="000000"/>
                   </a:solidFill>
@@ -2797,7 +2798,7 @@
             </a:ln>
             <a:extLst>
               <a:ext uri="{91240B29-F687-4f45-9708-019B960494DF}">
-                <a14:hiddenLine xmlns:a14="http://schemas.microsoft.com/office/drawing/2010/main" xmlns="" w="9525">
+                <a14:hiddenLine xmlns="" xmlns:a14="http://schemas.microsoft.com/office/drawing/2010/main" w="9525">
                   <a:solidFill>
                     <a:srgbClr val="000000"/>
                   </a:solidFill>
@@ -2887,7 +2888,7 @@
             </a:ln>
             <a:extLst>
               <a:ext uri="{91240B29-F687-4f45-9708-019B960494DF}">
-                <a14:hiddenLine xmlns:a14="http://schemas.microsoft.com/office/drawing/2010/main" xmlns="" w="9525">
+                <a14:hiddenLine xmlns="" xmlns:a14="http://schemas.microsoft.com/office/drawing/2010/main" w="9525">
                   <a:solidFill>
                     <a:srgbClr val="000000"/>
                   </a:solidFill>
@@ -2949,7 +2950,7 @@
             </a:ln>
             <a:extLst>
               <a:ext uri="{91240B29-F687-4f45-9708-019B960494DF}">
-                <a14:hiddenLine xmlns:a14="http://schemas.microsoft.com/office/drawing/2010/main" xmlns="" w="9525">
+                <a14:hiddenLine xmlns="" xmlns:a14="http://schemas.microsoft.com/office/drawing/2010/main" w="9525">
                   <a:solidFill>
                     <a:srgbClr val="000000"/>
                   </a:solidFill>
@@ -3039,7 +3040,7 @@
             </a:ln>
             <a:extLst>
               <a:ext uri="{91240B29-F687-4f45-9708-019B960494DF}">
-                <a14:hiddenLine xmlns:a14="http://schemas.microsoft.com/office/drawing/2010/main" xmlns="" w="9525">
+                <a14:hiddenLine xmlns="" xmlns:a14="http://schemas.microsoft.com/office/drawing/2010/main" w="9525">
                   <a:solidFill>
                     <a:srgbClr val="000000"/>
                   </a:solidFill>
@@ -3101,7 +3102,7 @@
             </a:ln>
             <a:extLst>
               <a:ext uri="{91240B29-F687-4f45-9708-019B960494DF}">
-                <a14:hiddenLine xmlns:a14="http://schemas.microsoft.com/office/drawing/2010/main" xmlns="" w="9525">
+                <a14:hiddenLine xmlns="" xmlns:a14="http://schemas.microsoft.com/office/drawing/2010/main" w="9525">
                   <a:solidFill>
                     <a:srgbClr val="000000"/>
                   </a:solidFill>
@@ -3191,7 +3192,7 @@
             </a:ln>
             <a:extLst>
               <a:ext uri="{91240B29-F687-4f45-9708-019B960494DF}">
-                <a14:hiddenLine xmlns:a14="http://schemas.microsoft.com/office/drawing/2010/main" xmlns="" w="9525">
+                <a14:hiddenLine xmlns="" xmlns:a14="http://schemas.microsoft.com/office/drawing/2010/main" w="9525">
                   <a:solidFill>
                     <a:srgbClr val="000000"/>
                   </a:solidFill>
@@ -3225,7 +3226,7 @@
             </a:ln>
             <a:extLst>
               <a:ext uri="{91240B29-F687-4f45-9708-019B960494DF}">
-                <a14:hiddenLine xmlns:a14="http://schemas.microsoft.com/office/drawing/2010/main" xmlns="" w="9525">
+                <a14:hiddenLine xmlns="" xmlns:a14="http://schemas.microsoft.com/office/drawing/2010/main" w="9525">
                   <a:solidFill>
                     <a:srgbClr val="000000"/>
                   </a:solidFill>
@@ -3290,7 +3291,7 @@
             </a:ln>
             <a:extLst>
               <a:ext uri="{91240B29-F687-4f45-9708-019B960494DF}">
-                <a14:hiddenLine xmlns:a14="http://schemas.microsoft.com/office/drawing/2010/main" xmlns="" w="9525">
+                <a14:hiddenLine xmlns="" xmlns:a14="http://schemas.microsoft.com/office/drawing/2010/main" w="9525">
                   <a:solidFill>
                     <a:srgbClr val="000000"/>
                   </a:solidFill>
@@ -3380,7 +3381,7 @@
             </a:ln>
             <a:extLst>
               <a:ext uri="{91240B29-F687-4f45-9708-019B960494DF}">
-                <a14:hiddenLine xmlns:a14="http://schemas.microsoft.com/office/drawing/2010/main" xmlns="" w="9525">
+                <a14:hiddenLine xmlns="" xmlns:a14="http://schemas.microsoft.com/office/drawing/2010/main" w="9525">
                   <a:solidFill>
                     <a:srgbClr val="000000"/>
                   </a:solidFill>
@@ -3442,7 +3443,7 @@
             </a:ln>
             <a:extLst>
               <a:ext uri="{91240B29-F687-4f45-9708-019B960494DF}">
-                <a14:hiddenLine xmlns:a14="http://schemas.microsoft.com/office/drawing/2010/main" xmlns="" w="9525">
+                <a14:hiddenLine xmlns="" xmlns:a14="http://schemas.microsoft.com/office/drawing/2010/main" w="9525">
                   <a:solidFill>
                     <a:srgbClr val="000000"/>
                   </a:solidFill>
@@ -3532,7 +3533,7 @@
             </a:ln>
             <a:extLst>
               <a:ext uri="{91240B29-F687-4f45-9708-019B960494DF}">
-                <a14:hiddenLine xmlns:a14="http://schemas.microsoft.com/office/drawing/2010/main" xmlns="" w="9525">
+                <a14:hiddenLine xmlns="" xmlns:a14="http://schemas.microsoft.com/office/drawing/2010/main" w="9525">
                   <a:solidFill>
                     <a:srgbClr val="000000"/>
                   </a:solidFill>
@@ -3622,7 +3623,7 @@
             </a:ln>
             <a:extLst>
               <a:ext uri="{91240B29-F687-4f45-9708-019B960494DF}">
-                <a14:hiddenLine xmlns:a14="http://schemas.microsoft.com/office/drawing/2010/main" xmlns="" w="9525">
+                <a14:hiddenLine xmlns="" xmlns:a14="http://schemas.microsoft.com/office/drawing/2010/main" w="9525">
                   <a:solidFill>
                     <a:srgbClr val="000000"/>
                   </a:solidFill>
@@ -3687,7 +3688,7 @@
             </a:ln>
             <a:extLst>
               <a:ext uri="{91240B29-F687-4f45-9708-019B960494DF}">
-                <a14:hiddenLine xmlns:a14="http://schemas.microsoft.com/office/drawing/2010/main" xmlns="" w="9525">
+                <a14:hiddenLine xmlns="" xmlns:a14="http://schemas.microsoft.com/office/drawing/2010/main" w="9525">
                   <a:solidFill>
                     <a:srgbClr val="000000"/>
                   </a:solidFill>
@@ -3749,7 +3750,7 @@
             </a:ln>
             <a:extLst>
               <a:ext uri="{91240B29-F687-4f45-9708-019B960494DF}">
-                <a14:hiddenLine xmlns:a14="http://schemas.microsoft.com/office/drawing/2010/main" xmlns="" w="9525">
+                <a14:hiddenLine xmlns="" xmlns:a14="http://schemas.microsoft.com/office/drawing/2010/main" w="9525">
                   <a:solidFill>
                     <a:srgbClr val="000000"/>
                   </a:solidFill>
@@ -3839,7 +3840,7 @@
             </a:ln>
             <a:extLst>
               <a:ext uri="{91240B29-F687-4f45-9708-019B960494DF}">
-                <a14:hiddenLine xmlns:a14="http://schemas.microsoft.com/office/drawing/2010/main" xmlns="" w="9525">
+                <a14:hiddenLine xmlns="" xmlns:a14="http://schemas.microsoft.com/office/drawing/2010/main" w="9525">
                   <a:solidFill>
                     <a:srgbClr val="000000"/>
                   </a:solidFill>
@@ -3929,7 +3930,7 @@
             </a:ln>
             <a:extLst>
               <a:ext uri="{91240B29-F687-4f45-9708-019B960494DF}">
-                <a14:hiddenLine xmlns:a14="http://schemas.microsoft.com/office/drawing/2010/main" xmlns="" w="9525">
+                <a14:hiddenLine xmlns="" xmlns:a14="http://schemas.microsoft.com/office/drawing/2010/main" w="9525">
                   <a:solidFill>
                     <a:srgbClr val="000000"/>
                   </a:solidFill>
@@ -3991,7 +3992,7 @@
             </a:ln>
             <a:extLst>
               <a:ext uri="{91240B29-F687-4f45-9708-019B960494DF}">
-                <a14:hiddenLine xmlns:a14="http://schemas.microsoft.com/office/drawing/2010/main" xmlns="" w="9525">
+                <a14:hiddenLine xmlns="" xmlns:a14="http://schemas.microsoft.com/office/drawing/2010/main" w="9525">
                   <a:solidFill>
                     <a:srgbClr val="000000"/>
                   </a:solidFill>
@@ -4111,7 +4112,7 @@
             </a:ln>
             <a:extLst>
               <a:ext uri="{91240B29-F687-4f45-9708-019B960494DF}">
-                <a14:hiddenLine xmlns:a14="http://schemas.microsoft.com/office/drawing/2010/main" xmlns="" w="9525">
+                <a14:hiddenLine xmlns="" xmlns:a14="http://schemas.microsoft.com/office/drawing/2010/main" w="9525">
                   <a:solidFill>
                     <a:srgbClr val="000000"/>
                   </a:solidFill>
@@ -4179,7 +4180,7 @@
             </a:ln>
             <a:extLst>
               <a:ext uri="{91240B29-F687-4f45-9708-019B960494DF}">
-                <a14:hiddenLine xmlns:a14="http://schemas.microsoft.com/office/drawing/2010/main" xmlns="" w="9525">
+                <a14:hiddenLine xmlns="" xmlns:a14="http://schemas.microsoft.com/office/drawing/2010/main" w="9525">
                   <a:solidFill>
                     <a:srgbClr val="000000"/>
                   </a:solidFill>
@@ -4269,7 +4270,7 @@
             </a:ln>
             <a:extLst>
               <a:ext uri="{91240B29-F687-4f45-9708-019B960494DF}">
-                <a14:hiddenLine xmlns:a14="http://schemas.microsoft.com/office/drawing/2010/main" xmlns="" w="9525">
+                <a14:hiddenLine xmlns="" xmlns:a14="http://schemas.microsoft.com/office/drawing/2010/main" w="9525">
                   <a:solidFill>
                     <a:srgbClr val="000000"/>
                   </a:solidFill>
@@ -4409,7 +4410,7 @@
           <a:p>
             <a:fld id="{48A87A34-81AB-432B-8DAE-1953F412C126}" type="datetimeFigureOut">
               <a:rPr lang="en-US" dirty="0"/>
-              <a:t>9/12/2017</a:t>
+              <a:t>9/25/2017</a:t>
             </a:fld>
             <a:endParaRPr lang="en-US" dirty="0"/>
           </a:p>
@@ -4671,7 +4672,7 @@
           <a:p>
             <a:fld id="{48A87A34-81AB-432B-8DAE-1953F412C126}" type="datetimeFigureOut">
               <a:rPr lang="en-US" dirty="0"/>
-              <a:t>9/12/2017</a:t>
+              <a:t>9/25/2017</a:t>
             </a:fld>
             <a:endParaRPr lang="en-US" dirty="0"/>
           </a:p>
@@ -4862,7 +4863,7 @@
           <a:p>
             <a:fld id="{48A87A34-81AB-432B-8DAE-1953F412C126}" type="datetimeFigureOut">
               <a:rPr lang="en-US" dirty="0"/>
-              <a:t>9/12/2017</a:t>
+              <a:t>9/25/2017</a:t>
             </a:fld>
             <a:endParaRPr lang="en-US" dirty="0"/>
           </a:p>
@@ -5120,7 +5121,7 @@
           <a:p>
             <a:fld id="{48A87A34-81AB-432B-8DAE-1953F412C126}" type="datetimeFigureOut">
               <a:rPr lang="en-US" dirty="0"/>
-              <a:t>9/12/2017</a:t>
+              <a:t>9/25/2017</a:t>
             </a:fld>
             <a:endParaRPr lang="en-US" dirty="0"/>
           </a:p>
@@ -5549,7 +5550,7 @@
           <a:p>
             <a:fld id="{48A87A34-81AB-432B-8DAE-1953F412C126}" type="datetimeFigureOut">
               <a:rPr lang="en-US" dirty="0"/>
-              <a:t>9/12/2017</a:t>
+              <a:t>9/25/2017</a:t>
             </a:fld>
             <a:endParaRPr lang="en-US" dirty="0"/>
           </a:p>
@@ -6090,7 +6091,7 @@
           <a:p>
             <a:fld id="{48A87A34-81AB-432B-8DAE-1953F412C126}" type="datetimeFigureOut">
               <a:rPr lang="en-US" dirty="0"/>
-              <a:t>9/12/2017</a:t>
+              <a:t>9/25/2017</a:t>
             </a:fld>
             <a:endParaRPr lang="en-US" dirty="0"/>
           </a:p>
@@ -6805,7 +6806,7 @@
           <a:p>
             <a:fld id="{48A87A34-81AB-432B-8DAE-1953F412C126}" type="datetimeFigureOut">
               <a:rPr lang="en-US" dirty="0"/>
-              <a:t>9/12/2017</a:t>
+              <a:t>9/25/2017</a:t>
             </a:fld>
             <a:endParaRPr lang="en-US" dirty="0"/>
           </a:p>
@@ -6970,7 +6971,7 @@
           <a:p>
             <a:fld id="{48A87A34-81AB-432B-8DAE-1953F412C126}" type="datetimeFigureOut">
               <a:rPr lang="en-US" dirty="0"/>
-              <a:t>9/12/2017</a:t>
+              <a:t>9/25/2017</a:t>
             </a:fld>
             <a:endParaRPr lang="en-US" dirty="0"/>
           </a:p>
@@ -7145,7 +7146,7 @@
           <a:p>
             <a:fld id="{48A87A34-81AB-432B-8DAE-1953F412C126}" type="datetimeFigureOut">
               <a:rPr lang="en-US" dirty="0"/>
-              <a:t>9/12/2017</a:t>
+              <a:t>9/25/2017</a:t>
             </a:fld>
             <a:endParaRPr lang="en-US" dirty="0"/>
           </a:p>
@@ -7310,7 +7311,7 @@
           <a:p>
             <a:fld id="{48A87A34-81AB-432B-8DAE-1953F412C126}" type="datetimeFigureOut">
               <a:rPr lang="en-US" dirty="0"/>
-              <a:t>9/12/2017</a:t>
+              <a:t>9/25/2017</a:t>
             </a:fld>
             <a:endParaRPr lang="en-US" dirty="0"/>
           </a:p>
@@ -7555,7 +7556,7 @@
           <a:p>
             <a:fld id="{48A87A34-81AB-432B-8DAE-1953F412C126}" type="datetimeFigureOut">
               <a:rPr lang="en-US" dirty="0"/>
-              <a:t>9/12/2017</a:t>
+              <a:t>9/25/2017</a:t>
             </a:fld>
             <a:endParaRPr lang="en-US" dirty="0"/>
           </a:p>
@@ -7782,7 +7783,7 @@
           <a:p>
             <a:fld id="{48A87A34-81AB-432B-8DAE-1953F412C126}" type="datetimeFigureOut">
               <a:rPr lang="en-US" dirty="0"/>
-              <a:t>9/12/2017</a:t>
+              <a:t>9/25/2017</a:t>
             </a:fld>
             <a:endParaRPr lang="en-US" dirty="0"/>
           </a:p>
@@ -8158,7 +8159,7 @@
           <a:p>
             <a:fld id="{48A87A34-81AB-432B-8DAE-1953F412C126}" type="datetimeFigureOut">
               <a:rPr lang="en-US" dirty="0"/>
-              <a:t>9/12/2017</a:t>
+              <a:t>9/25/2017</a:t>
             </a:fld>
             <a:endParaRPr lang="en-US" dirty="0"/>
           </a:p>
@@ -8271,7 +8272,7 @@
           <a:p>
             <a:fld id="{48A87A34-81AB-432B-8DAE-1953F412C126}" type="datetimeFigureOut">
               <a:rPr lang="en-US" dirty="0"/>
-              <a:t>9/12/2017</a:t>
+              <a:t>9/25/2017</a:t>
             </a:fld>
             <a:endParaRPr lang="en-US" dirty="0"/>
           </a:p>
@@ -8361,7 +8362,7 @@
           <a:p>
             <a:fld id="{48A87A34-81AB-432B-8DAE-1953F412C126}" type="datetimeFigureOut">
               <a:rPr lang="en-US" dirty="0"/>
-              <a:t>9/12/2017</a:t>
+              <a:t>9/25/2017</a:t>
             </a:fld>
             <a:endParaRPr lang="en-US" dirty="0"/>
           </a:p>
@@ -8605,7 +8606,7 @@
           <a:p>
             <a:fld id="{48A87A34-81AB-432B-8DAE-1953F412C126}" type="datetimeFigureOut">
               <a:rPr lang="en-US" dirty="0"/>
-              <a:t>9/12/2017</a:t>
+              <a:t>9/25/2017</a:t>
             </a:fld>
             <a:endParaRPr lang="en-US" dirty="0"/>
           </a:p>
@@ -8880,7 +8881,7 @@
           <a:p>
             <a:fld id="{48A87A34-81AB-432B-8DAE-1953F412C126}" type="datetimeFigureOut">
               <a:rPr lang="en-US" dirty="0"/>
-              <a:t>9/12/2017</a:t>
+              <a:t>9/25/2017</a:t>
             </a:fld>
             <a:endParaRPr lang="en-US" dirty="0"/>
           </a:p>
@@ -8998,7 +8999,7 @@
           <a:noFill/>
           <a:extLst>
             <a:ext uri="{909E8E84-426E-40dd-AFC4-6F175D3DCCD1}">
-              <a14:hiddenFill xmlns:a14="http://schemas.microsoft.com/office/drawing/2010/main" xmlns="">
+              <a14:hiddenFill xmlns="" xmlns:a14="http://schemas.microsoft.com/office/drawing/2010/main">
                 <a:solidFill>
                   <a:srgbClr val="FFFFFF"/>
                 </a:solidFill>
@@ -9072,7 +9073,7 @@
               </a:ln>
               <a:extLst>
                 <a:ext uri="{91240B29-F687-4f45-9708-019B960494DF}">
-                  <a14:hiddenLine xmlns:a14="http://schemas.microsoft.com/office/drawing/2010/main" xmlns="" w="9525">
+                  <a14:hiddenLine xmlns="" xmlns:a14="http://schemas.microsoft.com/office/drawing/2010/main" w="9525">
                     <a:solidFill>
                       <a:srgbClr val="000000"/>
                     </a:solidFill>
@@ -9162,7 +9163,7 @@
               </a:ln>
               <a:extLst>
                 <a:ext uri="{91240B29-F687-4f45-9708-019B960494DF}">
-                  <a14:hiddenLine xmlns:a14="http://schemas.microsoft.com/office/drawing/2010/main" xmlns="" w="9525">
+                  <a14:hiddenLine xmlns="" xmlns:a14="http://schemas.microsoft.com/office/drawing/2010/main" w="9525">
                     <a:solidFill>
                       <a:srgbClr val="000000"/>
                     </a:solidFill>
@@ -9252,7 +9253,7 @@
               </a:ln>
               <a:extLst>
                 <a:ext uri="{91240B29-F687-4f45-9708-019B960494DF}">
-                  <a14:hiddenLine xmlns:a14="http://schemas.microsoft.com/office/drawing/2010/main" xmlns="" w="9525">
+                  <a14:hiddenLine xmlns="" xmlns:a14="http://schemas.microsoft.com/office/drawing/2010/main" w="9525">
                     <a:solidFill>
                       <a:srgbClr val="000000"/>
                     </a:solidFill>
@@ -9314,7 +9315,7 @@
               </a:ln>
               <a:extLst>
                 <a:ext uri="{91240B29-F687-4f45-9708-019B960494DF}">
-                  <a14:hiddenLine xmlns:a14="http://schemas.microsoft.com/office/drawing/2010/main" xmlns="" w="9525">
+                  <a14:hiddenLine xmlns="" xmlns:a14="http://schemas.microsoft.com/office/drawing/2010/main" w="9525">
                     <a:solidFill>
                       <a:srgbClr val="000000"/>
                     </a:solidFill>
@@ -9404,7 +9405,7 @@
               </a:ln>
               <a:extLst>
                 <a:ext uri="{91240B29-F687-4f45-9708-019B960494DF}">
-                  <a14:hiddenLine xmlns:a14="http://schemas.microsoft.com/office/drawing/2010/main" xmlns="" w="9525">
+                  <a14:hiddenLine xmlns="" xmlns:a14="http://schemas.microsoft.com/office/drawing/2010/main" w="9525">
                     <a:solidFill>
                       <a:srgbClr val="000000"/>
                     </a:solidFill>
@@ -9466,7 +9467,7 @@
               </a:ln>
               <a:extLst>
                 <a:ext uri="{91240B29-F687-4f45-9708-019B960494DF}">
-                  <a14:hiddenLine xmlns:a14="http://schemas.microsoft.com/office/drawing/2010/main" xmlns="" w="9525">
+                  <a14:hiddenLine xmlns="" xmlns:a14="http://schemas.microsoft.com/office/drawing/2010/main" w="9525">
                     <a:solidFill>
                       <a:srgbClr val="000000"/>
                     </a:solidFill>
@@ -9528,7 +9529,7 @@
               </a:ln>
               <a:extLst>
                 <a:ext uri="{91240B29-F687-4f45-9708-019B960494DF}">
-                  <a14:hiddenLine xmlns:a14="http://schemas.microsoft.com/office/drawing/2010/main" xmlns="" w="9525">
+                  <a14:hiddenLine xmlns="" xmlns:a14="http://schemas.microsoft.com/office/drawing/2010/main" w="9525">
                     <a:solidFill>
                       <a:srgbClr val="000000"/>
                     </a:solidFill>
@@ -9618,7 +9619,7 @@
               </a:ln>
               <a:extLst>
                 <a:ext uri="{91240B29-F687-4f45-9708-019B960494DF}">
-                  <a14:hiddenLine xmlns:a14="http://schemas.microsoft.com/office/drawing/2010/main" xmlns="" w="9525">
+                  <a14:hiddenLine xmlns="" xmlns:a14="http://schemas.microsoft.com/office/drawing/2010/main" w="9525">
                     <a:solidFill>
                       <a:srgbClr val="000000"/>
                     </a:solidFill>
@@ -9708,7 +9709,7 @@
               </a:ln>
               <a:extLst>
                 <a:ext uri="{91240B29-F687-4f45-9708-019B960494DF}">
-                  <a14:hiddenLine xmlns:a14="http://schemas.microsoft.com/office/drawing/2010/main" xmlns="" w="9525">
+                  <a14:hiddenLine xmlns="" xmlns:a14="http://schemas.microsoft.com/office/drawing/2010/main" w="9525">
                     <a:solidFill>
                       <a:srgbClr val="000000"/>
                     </a:solidFill>
@@ -9770,7 +9771,7 @@
               </a:ln>
               <a:extLst>
                 <a:ext uri="{91240B29-F687-4f45-9708-019B960494DF}">
-                  <a14:hiddenLine xmlns:a14="http://schemas.microsoft.com/office/drawing/2010/main" xmlns="" w="9525">
+                  <a14:hiddenLine xmlns="" xmlns:a14="http://schemas.microsoft.com/office/drawing/2010/main" w="9525">
                     <a:solidFill>
                       <a:srgbClr val="000000"/>
                     </a:solidFill>
@@ -9880,7 +9881,7 @@
               </a:ln>
               <a:extLst>
                 <a:ext uri="{91240B29-F687-4f45-9708-019B960494DF}">
-                  <a14:hiddenLine xmlns:a14="http://schemas.microsoft.com/office/drawing/2010/main" xmlns="" w="9525">
+                  <a14:hiddenLine xmlns="" xmlns:a14="http://schemas.microsoft.com/office/drawing/2010/main" w="9525">
                     <a:solidFill>
                       <a:srgbClr val="000000"/>
                     </a:solidFill>
@@ -9964,7 +9965,7 @@
               </a:ln>
               <a:extLst>
                 <a:ext uri="{91240B29-F687-4f45-9708-019B960494DF}">
-                  <a14:hiddenLine xmlns:a14="http://schemas.microsoft.com/office/drawing/2010/main" xmlns="" w="9525">
+                  <a14:hiddenLine xmlns="" xmlns:a14="http://schemas.microsoft.com/office/drawing/2010/main" w="9525">
                     <a:solidFill>
                       <a:srgbClr val="000000"/>
                     </a:solidFill>
@@ -10026,7 +10027,7 @@
               </a:ln>
               <a:extLst>
                 <a:ext uri="{91240B29-F687-4f45-9708-019B960494DF}">
-                  <a14:hiddenLine xmlns:a14="http://schemas.microsoft.com/office/drawing/2010/main" xmlns="" w="9525">
+                  <a14:hiddenLine xmlns="" xmlns:a14="http://schemas.microsoft.com/office/drawing/2010/main" w="9525">
                     <a:solidFill>
                       <a:srgbClr val="000000"/>
                     </a:solidFill>
@@ -10088,7 +10089,7 @@
               </a:ln>
               <a:extLst>
                 <a:ext uri="{91240B29-F687-4f45-9708-019B960494DF}">
-                  <a14:hiddenLine xmlns:a14="http://schemas.microsoft.com/office/drawing/2010/main" xmlns="" w="9525">
+                  <a14:hiddenLine xmlns="" xmlns:a14="http://schemas.microsoft.com/office/drawing/2010/main" w="9525">
                     <a:solidFill>
                       <a:srgbClr val="000000"/>
                     </a:solidFill>
@@ -10178,7 +10179,7 @@
               </a:ln>
               <a:extLst>
                 <a:ext uri="{91240B29-F687-4f45-9708-019B960494DF}">
-                  <a14:hiddenLine xmlns:a14="http://schemas.microsoft.com/office/drawing/2010/main" xmlns="" w="9525">
+                  <a14:hiddenLine xmlns="" xmlns:a14="http://schemas.microsoft.com/office/drawing/2010/main" w="9525">
                     <a:solidFill>
                       <a:srgbClr val="000000"/>
                     </a:solidFill>
@@ -10212,7 +10213,7 @@
               </a:ln>
               <a:extLst>
                 <a:ext uri="{91240B29-F687-4f45-9708-019B960494DF}">
-                  <a14:hiddenLine xmlns:a14="http://schemas.microsoft.com/office/drawing/2010/main" xmlns="" w="9525">
+                  <a14:hiddenLine xmlns="" xmlns:a14="http://schemas.microsoft.com/office/drawing/2010/main" w="9525">
                     <a:solidFill>
                       <a:srgbClr val="000000"/>
                     </a:solidFill>
@@ -10277,7 +10278,7 @@
               </a:ln>
               <a:extLst>
                 <a:ext uri="{91240B29-F687-4f45-9708-019B960494DF}">
-                  <a14:hiddenLine xmlns:a14="http://schemas.microsoft.com/office/drawing/2010/main" xmlns="" w="9525">
+                  <a14:hiddenLine xmlns="" xmlns:a14="http://schemas.microsoft.com/office/drawing/2010/main" w="9525">
                     <a:solidFill>
                       <a:srgbClr val="000000"/>
                     </a:solidFill>
@@ -10367,7 +10368,7 @@
               </a:ln>
               <a:extLst>
                 <a:ext uri="{91240B29-F687-4f45-9708-019B960494DF}">
-                  <a14:hiddenLine xmlns:a14="http://schemas.microsoft.com/office/drawing/2010/main" xmlns="" w="9525">
+                  <a14:hiddenLine xmlns="" xmlns:a14="http://schemas.microsoft.com/office/drawing/2010/main" w="9525">
                     <a:solidFill>
                       <a:srgbClr val="000000"/>
                     </a:solidFill>
@@ -10429,7 +10430,7 @@
               </a:ln>
               <a:extLst>
                 <a:ext uri="{91240B29-F687-4f45-9708-019B960494DF}">
-                  <a14:hiddenLine xmlns:a14="http://schemas.microsoft.com/office/drawing/2010/main" xmlns="" w="9525">
+                  <a14:hiddenLine xmlns="" xmlns:a14="http://schemas.microsoft.com/office/drawing/2010/main" w="9525">
                     <a:solidFill>
                       <a:srgbClr val="000000"/>
                     </a:solidFill>
@@ -10519,7 +10520,7 @@
               </a:ln>
               <a:extLst>
                 <a:ext uri="{91240B29-F687-4f45-9708-019B960494DF}">
-                  <a14:hiddenLine xmlns:a14="http://schemas.microsoft.com/office/drawing/2010/main" xmlns="" w="9525">
+                  <a14:hiddenLine xmlns="" xmlns:a14="http://schemas.microsoft.com/office/drawing/2010/main" w="9525">
                     <a:solidFill>
                       <a:srgbClr val="000000"/>
                     </a:solidFill>
@@ -10584,7 +10585,7 @@
               </a:ln>
               <a:extLst>
                 <a:ext uri="{91240B29-F687-4f45-9708-019B960494DF}">
-                  <a14:hiddenLine xmlns:a14="http://schemas.microsoft.com/office/drawing/2010/main" xmlns="" w="9525">
+                  <a14:hiddenLine xmlns="" xmlns:a14="http://schemas.microsoft.com/office/drawing/2010/main" w="9525">
                     <a:solidFill>
                       <a:srgbClr val="000000"/>
                     </a:solidFill>
@@ -10646,7 +10647,7 @@
               </a:ln>
               <a:extLst>
                 <a:ext uri="{91240B29-F687-4f45-9708-019B960494DF}">
-                  <a14:hiddenLine xmlns:a14="http://schemas.microsoft.com/office/drawing/2010/main" xmlns="" w="9525">
+                  <a14:hiddenLine xmlns="" xmlns:a14="http://schemas.microsoft.com/office/drawing/2010/main" w="9525">
                     <a:solidFill>
                       <a:srgbClr val="000000"/>
                     </a:solidFill>
@@ -10736,7 +10737,7 @@
               </a:ln>
               <a:extLst>
                 <a:ext uri="{91240B29-F687-4f45-9708-019B960494DF}">
-                  <a14:hiddenLine xmlns:a14="http://schemas.microsoft.com/office/drawing/2010/main" xmlns="" w="9525">
+                  <a14:hiddenLine xmlns="" xmlns:a14="http://schemas.microsoft.com/office/drawing/2010/main" w="9525">
                     <a:solidFill>
                       <a:srgbClr val="000000"/>
                     </a:solidFill>
@@ -10826,7 +10827,7 @@
               </a:ln>
               <a:extLst>
                 <a:ext uri="{91240B29-F687-4f45-9708-019B960494DF}">
-                  <a14:hiddenLine xmlns:a14="http://schemas.microsoft.com/office/drawing/2010/main" xmlns="" w="9525">
+                  <a14:hiddenLine xmlns="" xmlns:a14="http://schemas.microsoft.com/office/drawing/2010/main" w="9525">
                     <a:solidFill>
                       <a:srgbClr val="000000"/>
                     </a:solidFill>
@@ -10891,7 +10892,7 @@
               </a:ln>
               <a:extLst>
                 <a:ext uri="{91240B29-F687-4f45-9708-019B960494DF}">
-                  <a14:hiddenLine xmlns:a14="http://schemas.microsoft.com/office/drawing/2010/main" xmlns="" w="9525">
+                  <a14:hiddenLine xmlns="" xmlns:a14="http://schemas.microsoft.com/office/drawing/2010/main" w="9525">
                     <a:solidFill>
                       <a:srgbClr val="000000"/>
                     </a:solidFill>
@@ -11011,7 +11012,7 @@
               </a:ln>
               <a:extLst>
                 <a:ext uri="{91240B29-F687-4f45-9708-019B960494DF}">
-                  <a14:hiddenLine xmlns:a14="http://schemas.microsoft.com/office/drawing/2010/main" xmlns="" w="9525">
+                  <a14:hiddenLine xmlns="" xmlns:a14="http://schemas.microsoft.com/office/drawing/2010/main" w="9525">
                     <a:solidFill>
                       <a:srgbClr val="000000"/>
                     </a:solidFill>
@@ -11092,7 +11093,7 @@
               </a:ln>
               <a:extLst>
                 <a:ext uri="{91240B29-F687-4f45-9708-019B960494DF}">
-                  <a14:hiddenLine xmlns:a14="http://schemas.microsoft.com/office/drawing/2010/main" xmlns="" w="9525">
+                  <a14:hiddenLine xmlns="" xmlns:a14="http://schemas.microsoft.com/office/drawing/2010/main" w="9525">
                     <a:solidFill>
                       <a:srgbClr val="000000"/>
                     </a:solidFill>
@@ -11207,7 +11208,7 @@
               </a:ln>
               <a:extLst>
                 <a:ext uri="{91240B29-F687-4f45-9708-019B960494DF}">
-                  <a14:hiddenLine xmlns:a14="http://schemas.microsoft.com/office/drawing/2010/main" xmlns="" w="9525">
+                  <a14:hiddenLine xmlns="" xmlns:a14="http://schemas.microsoft.com/office/drawing/2010/main" w="9525">
                     <a:solidFill>
                       <a:srgbClr val="000000"/>
                     </a:solidFill>
@@ -11297,7 +11298,7 @@
               </a:ln>
               <a:extLst>
                 <a:ext uri="{91240B29-F687-4f45-9708-019B960494DF}">
-                  <a14:hiddenLine xmlns:a14="http://schemas.microsoft.com/office/drawing/2010/main" xmlns="" w="9525">
+                  <a14:hiddenLine xmlns="" xmlns:a14="http://schemas.microsoft.com/office/drawing/2010/main" w="9525">
                     <a:solidFill>
                       <a:srgbClr val="000000"/>
                     </a:solidFill>
@@ -11362,7 +11363,7 @@
               </a:ln>
               <a:extLst>
                 <a:ext uri="{91240B29-F687-4f45-9708-019B960494DF}">
-                  <a14:hiddenLine xmlns:a14="http://schemas.microsoft.com/office/drawing/2010/main" xmlns="" w="9525">
+                  <a14:hiddenLine xmlns="" xmlns:a14="http://schemas.microsoft.com/office/drawing/2010/main" w="9525">
                     <a:solidFill>
                       <a:srgbClr val="000000"/>
                     </a:solidFill>
@@ -11452,7 +11453,7 @@
               </a:ln>
               <a:extLst>
                 <a:ext uri="{91240B29-F687-4f45-9708-019B960494DF}">
-                  <a14:hiddenLine xmlns:a14="http://schemas.microsoft.com/office/drawing/2010/main" xmlns="" w="9525">
+                  <a14:hiddenLine xmlns="" xmlns:a14="http://schemas.microsoft.com/office/drawing/2010/main" w="9525">
                     <a:solidFill>
                       <a:srgbClr val="000000"/>
                     </a:solidFill>
@@ -11520,7 +11521,7 @@
               </a:ln>
               <a:extLst>
                 <a:ext uri="{91240B29-F687-4f45-9708-019B960494DF}">
-                  <a14:hiddenLine xmlns:a14="http://schemas.microsoft.com/office/drawing/2010/main" xmlns="" w="9525">
+                  <a14:hiddenLine xmlns="" xmlns:a14="http://schemas.microsoft.com/office/drawing/2010/main" w="9525">
                     <a:solidFill>
                       <a:srgbClr val="000000"/>
                     </a:solidFill>
@@ -11610,7 +11611,7 @@
               </a:ln>
               <a:extLst>
                 <a:ext uri="{91240B29-F687-4f45-9708-019B960494DF}">
-                  <a14:hiddenLine xmlns:a14="http://schemas.microsoft.com/office/drawing/2010/main" xmlns="" w="9525">
+                  <a14:hiddenLine xmlns="" xmlns:a14="http://schemas.microsoft.com/office/drawing/2010/main" w="9525">
                     <a:solidFill>
                       <a:srgbClr val="000000"/>
                     </a:solidFill>
@@ -11678,7 +11679,7 @@
               </a:ln>
               <a:extLst>
                 <a:ext uri="{91240B29-F687-4f45-9708-019B960494DF}">
-                  <a14:hiddenLine xmlns:a14="http://schemas.microsoft.com/office/drawing/2010/main" xmlns="" w="9525">
+                  <a14:hiddenLine xmlns="" xmlns:a14="http://schemas.microsoft.com/office/drawing/2010/main" w="9525">
                     <a:solidFill>
                       <a:srgbClr val="000000"/>
                     </a:solidFill>
@@ -11768,7 +11769,7 @@
               </a:ln>
               <a:extLst>
                 <a:ext uri="{91240B29-F687-4f45-9708-019B960494DF}">
-                  <a14:hiddenLine xmlns:a14="http://schemas.microsoft.com/office/drawing/2010/main" xmlns="" w="9525">
+                  <a14:hiddenLine xmlns="" xmlns:a14="http://schemas.microsoft.com/office/drawing/2010/main" w="9525">
                     <a:solidFill>
                       <a:srgbClr val="000000"/>
                     </a:solidFill>
@@ -11802,7 +11803,7 @@
               </a:ln>
               <a:extLst>
                 <a:ext uri="{91240B29-F687-4f45-9708-019B960494DF}">
-                  <a14:hiddenLine xmlns:a14="http://schemas.microsoft.com/office/drawing/2010/main" xmlns="" w="9525">
+                  <a14:hiddenLine xmlns="" xmlns:a14="http://schemas.microsoft.com/office/drawing/2010/main" w="9525">
                     <a:solidFill>
                       <a:srgbClr val="000000"/>
                     </a:solidFill>
@@ -11943,7 +11944,7 @@
             <a:fld id="{48A87A34-81AB-432B-8DAE-1953F412C126}" type="datetimeFigureOut">
               <a:rPr lang="en-US" dirty="0"/>
               <a:pPr/>
-              <a:t>9/12/2017</a:t>
+              <a:t>9/25/2017</a:t>
             </a:fld>
             <a:endParaRPr lang="en-US" dirty="0"/>
           </a:p>
@@ -12463,6 +12464,191 @@
       </p:grpSpPr>
       <p:sp>
         <p:nvSpPr>
+          <p:cNvPr id="2" name="Título 1"/>
+          <p:cNvSpPr>
+            <a:spLocks noGrp="1"/>
+          </p:cNvSpPr>
+          <p:nvPr>
+            <p:ph type="title"/>
+          </p:nvPr>
+        </p:nvSpPr>
+        <p:spPr/>
+        <p:txBody>
+          <a:bodyPr/>
+          <a:lstStyle/>
+          <a:p>
+            <a:r>
+              <a:rPr lang="pt-BR" dirty="0"/>
+              <a:t>Como esta a SI no Brasil</a:t>
+            </a:r>
+            <a:r>
+              <a:rPr lang="pt-BR" dirty="0" smtClean="0"/>
+              <a:t>? (</a:t>
+            </a:r>
+            <a:r>
+              <a:rPr lang="pt-BR" cap="none" dirty="0" err="1" smtClean="0"/>
+              <a:t>cont</a:t>
+            </a:r>
+            <a:r>
+              <a:rPr lang="pt-BR" dirty="0" smtClean="0"/>
+              <a:t>)</a:t>
+            </a:r>
+            <a:endParaRPr lang="pt-BR" dirty="0"/>
+          </a:p>
+        </p:txBody>
+      </p:sp>
+      <p:sp>
+        <p:nvSpPr>
+          <p:cNvPr id="3" name="Espaço Reservado para Conteúdo 2"/>
+          <p:cNvSpPr>
+            <a:spLocks noGrp="1"/>
+          </p:cNvSpPr>
+          <p:nvPr>
+            <p:ph idx="1"/>
+          </p:nvPr>
+        </p:nvSpPr>
+        <p:spPr/>
+        <p:txBody>
+          <a:bodyPr/>
+          <a:lstStyle/>
+          <a:p>
+            <a:pPr marL="0" indent="0" algn="just">
+              <a:buNone/>
+            </a:pPr>
+            <a:r>
+              <a:rPr lang="pt-BR" dirty="0"/>
+              <a:t>P</a:t>
+            </a:r>
+            <a:r>
+              <a:rPr lang="pt-BR" dirty="0" smtClean="0"/>
+              <a:t>esquisas realizadas em 2016 pela </a:t>
+            </a:r>
+            <a:r>
+              <a:rPr lang="pt-BR" dirty="0" err="1"/>
+              <a:t>International</a:t>
+            </a:r>
+            <a:r>
+              <a:rPr lang="pt-BR" dirty="0"/>
+              <a:t> Data Corporation (</a:t>
+            </a:r>
+            <a:r>
+              <a:rPr lang="pt-BR" dirty="0" smtClean="0"/>
+              <a:t>IDC) e compartilhadas pela </a:t>
+            </a:r>
+            <a:r>
+              <a:rPr lang="pt-BR" dirty="0" err="1" smtClean="0"/>
+              <a:t>Level</a:t>
+            </a:r>
+            <a:r>
+              <a:rPr lang="pt-BR" dirty="0" smtClean="0"/>
+              <a:t> 3 Security Index, mostram que analisando fatores como Conscientização, Ferramental, Prevenção e Mitigação, o Brasil garantiu, em média, somente 64,9 ponto de 100 possíveis, sendo que em países maduros esta média pode variar entre 76 e 83. </a:t>
+            </a:r>
+            <a:endParaRPr lang="pt-BR" dirty="0"/>
+          </a:p>
+        </p:txBody>
+      </p:sp>
+      <p:pic>
+        <p:nvPicPr>
+          <p:cNvPr id="4" name="Imagem 3"/>
+          <p:cNvPicPr>
+            <a:picLocks noChangeAspect="1"/>
+          </p:cNvPicPr>
+          <p:nvPr/>
+        </p:nvPicPr>
+        <p:blipFill>
+          <a:blip r:embed="rId2"/>
+          <a:stretch>
+            <a:fillRect/>
+          </a:stretch>
+        </p:blipFill>
+        <p:spPr>
+          <a:xfrm>
+            <a:off x="7225990" y="4329860"/>
+            <a:ext cx="3401122" cy="1915525"/>
+          </a:xfrm>
+          <a:prstGeom prst="rect">
+            <a:avLst/>
+          </a:prstGeom>
+        </p:spPr>
+      </p:pic>
+      <p:sp>
+        <p:nvSpPr>
+          <p:cNvPr id="5" name="CaixaDeTexto 4"/>
+          <p:cNvSpPr txBox="1"/>
+          <p:nvPr/>
+        </p:nvSpPr>
+        <p:spPr>
+          <a:xfrm>
+            <a:off x="7225990" y="6222382"/>
+            <a:ext cx="3401122" cy="307777"/>
+          </a:xfrm>
+          <a:prstGeom prst="rect">
+            <a:avLst/>
+          </a:prstGeom>
+          <a:noFill/>
+        </p:spPr>
+        <p:txBody>
+          <a:bodyPr wrap="square" rtlCol="0">
+            <a:spAutoFit/>
+          </a:bodyPr>
+          <a:lstStyle/>
+          <a:p>
+            <a:pPr algn="ctr"/>
+            <a:r>
+              <a:rPr lang="pt-BR" sz="1400" dirty="0" smtClean="0"/>
+              <a:t>Fonte: </a:t>
+            </a:r>
+            <a:r>
+              <a:rPr lang="pt-BR" sz="1400" dirty="0" err="1" smtClean="0"/>
+              <a:t>Level</a:t>
+            </a:r>
+            <a:r>
+              <a:rPr lang="pt-BR" sz="1400" dirty="0" smtClean="0"/>
+              <a:t> 3 Security Index</a:t>
+            </a:r>
+            <a:endParaRPr lang="pt-BR" sz="1400" dirty="0"/>
+          </a:p>
+        </p:txBody>
+      </p:sp>
+    </p:spTree>
+    <p:extLst>
+      <p:ext uri="{BB962C8B-B14F-4D97-AF65-F5344CB8AC3E}">
+        <p14:creationId xmlns:p14="http://schemas.microsoft.com/office/powerpoint/2010/main" val="382812522"/>
+      </p:ext>
+    </p:extLst>
+  </p:cSld>
+  <p:clrMapOvr>
+    <a:masterClrMapping/>
+  </p:clrMapOvr>
+  <p:timing>
+    <p:tnLst>
+      <p:par>
+        <p:cTn id="1" dur="indefinite" restart="never" nodeType="tmRoot"/>
+      </p:par>
+    </p:tnLst>
+  </p:timing>
+</p:sld>
+</file>
+
+<file path=ppt/slides/slide11.xml><?xml version="1.0" encoding="utf-8"?>
+<p:sld xmlns:a="http://schemas.openxmlformats.org/drawingml/2006/main" xmlns:r="http://schemas.openxmlformats.org/officeDocument/2006/relationships" xmlns:p="http://schemas.openxmlformats.org/presentationml/2006/main">
+  <p:cSld>
+    <p:spTree>
+      <p:nvGrpSpPr>
+        <p:cNvPr id="1" name=""/>
+        <p:cNvGrpSpPr/>
+        <p:nvPr/>
+      </p:nvGrpSpPr>
+      <p:grpSpPr>
+        <a:xfrm>
+          <a:off x="0" y="0"/>
+          <a:ext cx="0" cy="0"/>
+          <a:chOff x="0" y="0"/>
+          <a:chExt cx="0" cy="0"/>
+        </a:xfrm>
+      </p:grpSpPr>
+      <p:sp>
+        <p:nvSpPr>
           <p:cNvPr id="2" name="Título 1">
             <a:extLst>
               <a:ext uri="{FF2B5EF4-FFF2-40B4-BE49-F238E27FC236}">
@@ -12507,10 +12693,98 @@
         </p:nvSpPr>
         <p:spPr/>
         <p:txBody>
-          <a:bodyPr/>
+          <a:bodyPr>
+            <a:normAutofit fontScale="92500" lnSpcReduction="10000"/>
+          </a:bodyPr>
           <a:lstStyle/>
           <a:p>
-            <a:endParaRPr lang="pt-BR" dirty="0"/>
+            <a:pPr marL="0" indent="0" algn="just">
+              <a:buNone/>
+            </a:pPr>
+            <a:r>
+              <a:rPr lang="pt-BR" dirty="0" smtClean="0"/>
+              <a:t>Há várias certificações na área de Segurança da Informação. Pode-se citar as 5 mais relevantes que as empresas buscam em um profissional de SI.</a:t>
+            </a:r>
+          </a:p>
+          <a:p>
+            <a:pPr algn="just"/>
+            <a:r>
+              <a:rPr lang="pt-BR" dirty="0" err="1"/>
+              <a:t>CompTIA</a:t>
+            </a:r>
+            <a:r>
+              <a:rPr lang="pt-BR" dirty="0"/>
+              <a:t> Security</a:t>
+            </a:r>
+            <a:r>
+              <a:rPr lang="pt-BR" dirty="0" smtClean="0"/>
+              <a:t>+ ;</a:t>
+            </a:r>
+          </a:p>
+          <a:p>
+            <a:pPr algn="just"/>
+            <a:r>
+              <a:rPr lang="pt-BR" sz="2400" dirty="0" smtClean="0"/>
+              <a:t>GIAC </a:t>
+            </a:r>
+            <a:r>
+              <a:rPr lang="pt-BR" sz="2400" dirty="0"/>
+              <a:t>Security </a:t>
+            </a:r>
+            <a:r>
+              <a:rPr lang="pt-BR" sz="2400" dirty="0" smtClean="0"/>
+              <a:t>Essentials;</a:t>
+            </a:r>
+          </a:p>
+          <a:p>
+            <a:pPr algn="just"/>
+            <a:r>
+              <a:rPr lang="pt-BR" dirty="0" err="1"/>
+              <a:t>Certified</a:t>
+            </a:r>
+            <a:r>
+              <a:rPr lang="pt-BR" dirty="0"/>
+              <a:t> </a:t>
+            </a:r>
+            <a:r>
+              <a:rPr lang="pt-BR" dirty="0" err="1"/>
+              <a:t>Ethical</a:t>
+            </a:r>
+            <a:r>
+              <a:rPr lang="pt-BR" dirty="0"/>
+              <a:t> Hacker </a:t>
+            </a:r>
+            <a:r>
+              <a:rPr lang="pt-BR" dirty="0" smtClean="0"/>
+              <a:t>(CEH);</a:t>
+            </a:r>
+          </a:p>
+          <a:p>
+            <a:pPr algn="just"/>
+            <a:r>
+              <a:rPr lang="en-US" dirty="0"/>
+              <a:t>Certified Information Systems Security Professional </a:t>
+            </a:r>
+            <a:r>
+              <a:rPr lang="en-US" dirty="0" smtClean="0"/>
+              <a:t>(CISSP);</a:t>
+            </a:r>
+          </a:p>
+          <a:p>
+            <a:pPr algn="just"/>
+            <a:r>
+              <a:rPr lang="en-US" dirty="0"/>
+              <a:t>Certified Information Security Manager (</a:t>
+            </a:r>
+            <a:r>
+              <a:rPr lang="en-US" dirty="0" smtClean="0"/>
+              <a:t>CISM).</a:t>
+            </a:r>
+            <a:endParaRPr lang="pt-BR" sz="2400" dirty="0" smtClean="0"/>
+          </a:p>
+          <a:p>
+            <a:pPr marL="800100" lvl="2" indent="-342900" algn="just"/>
+            <a:endParaRPr lang="pt-BR" sz="2200" dirty="0" smtClean="0"/>
           </a:p>
         </p:txBody>
       </p:sp>
@@ -12524,10 +12798,17 @@
   <p:clrMapOvr>
     <a:masterClrMapping/>
   </p:clrMapOvr>
+  <p:timing>
+    <p:tnLst>
+      <p:par>
+        <p:cTn id="1" dur="indefinite" restart="never" nodeType="tmRoot"/>
+      </p:par>
+    </p:tnLst>
+  </p:timing>
 </p:sld>
 </file>
 
-<file path=ppt/slides/slide11.xml><?xml version="1.0" encoding="utf-8"?>
+<file path=ppt/slides/slide12.xml><?xml version="1.0" encoding="utf-8"?>
 <p:sld xmlns:a="http://schemas.openxmlformats.org/drawingml/2006/main" xmlns:r="http://schemas.openxmlformats.org/officeDocument/2006/relationships" xmlns:p="http://schemas.openxmlformats.org/presentationml/2006/main">
   <p:cSld>
     <p:spTree>
@@ -12566,9 +12847,10 @@
           <a:lstStyle/>
           <a:p>
             <a:r>
-              <a:rPr lang="pt-BR" dirty="0"/>
-              <a:t>Como fazer carreira nesta área</a:t>
-            </a:r>
+              <a:rPr lang="pt-BR" dirty="0" smtClean="0"/>
+              <a:t>Carreira em segurança da informação</a:t>
+            </a:r>
+            <a:endParaRPr lang="pt-BR" dirty="0"/>
           </a:p>
         </p:txBody>
       </p:sp>
@@ -12590,9 +12872,85 @@
         </p:nvSpPr>
         <p:spPr/>
         <p:txBody>
-          <a:bodyPr/>
+          <a:bodyPr>
+            <a:normAutofit fontScale="85000" lnSpcReduction="20000"/>
+          </a:bodyPr>
           <a:lstStyle/>
           <a:p>
+            <a:r>
+              <a:rPr lang="pt-BR" dirty="0"/>
+              <a:t>Engenheiro-chefe de softwares de </a:t>
+            </a:r>
+            <a:r>
+              <a:rPr lang="pt-BR" dirty="0" smtClean="0"/>
+              <a:t>segurança;</a:t>
+            </a:r>
+          </a:p>
+          <a:p>
+            <a:r>
+              <a:rPr lang="pt-BR" dirty="0" smtClean="0"/>
+              <a:t>Chefe de Segurança;</a:t>
+            </a:r>
+          </a:p>
+          <a:p>
+            <a:r>
+              <a:rPr lang="pt-BR" dirty="0"/>
+              <a:t>Diretor de segurança de informações </a:t>
+            </a:r>
+            <a:r>
+              <a:rPr lang="pt-BR" dirty="0" smtClean="0"/>
+              <a:t>globais;</a:t>
+            </a:r>
+          </a:p>
+          <a:p>
+            <a:r>
+              <a:rPr lang="pt-BR" dirty="0"/>
+              <a:t>Consultor de </a:t>
+            </a:r>
+            <a:r>
+              <a:rPr lang="pt-BR" dirty="0" smtClean="0"/>
+              <a:t>segurança;</a:t>
+            </a:r>
+          </a:p>
+          <a:p>
+            <a:r>
+              <a:rPr lang="pt-BR" dirty="0"/>
+              <a:t>Chefe de </a:t>
+            </a:r>
+            <a:r>
+              <a:rPr lang="pt-BR" dirty="0" smtClean="0"/>
+              <a:t>cyber-segurança;</a:t>
+            </a:r>
+          </a:p>
+          <a:p>
+            <a:r>
+              <a:rPr lang="pt-BR" dirty="0"/>
+              <a:t>Engenheiro-chefe de </a:t>
+            </a:r>
+            <a:r>
+              <a:rPr lang="pt-BR" dirty="0" smtClean="0"/>
+              <a:t>segurança;</a:t>
+            </a:r>
+          </a:p>
+          <a:p>
+            <a:r>
+              <a:rPr lang="pt-BR" dirty="0"/>
+              <a:t>Engenheiro de </a:t>
+            </a:r>
+            <a:r>
+              <a:rPr lang="pt-BR" dirty="0" smtClean="0"/>
+              <a:t>cyber-segurança;</a:t>
+            </a:r>
+          </a:p>
+          <a:p>
+            <a:r>
+              <a:rPr lang="pt-BR" dirty="0"/>
+              <a:t>Gerente de segurança de </a:t>
+            </a:r>
+            <a:r>
+              <a:rPr lang="pt-BR" dirty="0" smtClean="0"/>
+              <a:t>aplicações.</a:t>
+            </a:r>
             <a:endParaRPr lang="pt-BR" dirty="0"/>
           </a:p>
         </p:txBody>
@@ -12610,7 +12968,7 @@
 </p:sld>
 </file>
 
-<file path=ppt/slides/slide12.xml><?xml version="1.0" encoding="utf-8"?>
+<file path=ppt/slides/slide13.xml><?xml version="1.0" encoding="utf-8"?>
 <p:sld xmlns:a="http://schemas.openxmlformats.org/drawingml/2006/main" xmlns:r="http://schemas.openxmlformats.org/officeDocument/2006/relationships" xmlns:p="http://schemas.openxmlformats.org/presentationml/2006/main">
   <p:cSld>
     <p:spTree>
@@ -13206,16 +13564,79 @@
         </p:nvSpPr>
         <p:spPr/>
         <p:txBody>
-          <a:bodyPr/>
+          <a:bodyPr>
+            <a:normAutofit fontScale="85000" lnSpcReduction="10000"/>
+          </a:bodyPr>
           <a:lstStyle/>
           <a:p>
+            <a:r>
+              <a:rPr lang="pt-BR" dirty="0" smtClean="0"/>
+              <a:t>São </a:t>
+            </a:r>
+            <a:r>
+              <a:rPr lang="pt-BR" dirty="0"/>
+              <a:t>normas técnicas estabelecidas e aprovadas pela </a:t>
+            </a:r>
+            <a:r>
+              <a:rPr lang="pt-BR" dirty="0" smtClean="0"/>
+              <a:t>ABNT; </a:t>
+            </a:r>
+          </a:p>
+          <a:p>
+            <a:r>
+              <a:rPr lang="pt-BR" dirty="0" smtClean="0"/>
+              <a:t>Os </a:t>
+            </a:r>
+            <a:r>
+              <a:rPr lang="pt-BR" dirty="0"/>
+              <a:t>objetivos das </a:t>
+            </a:r>
+            <a:r>
+              <a:rPr lang="pt-BR" dirty="0" err="1"/>
+              <a:t>NBRs</a:t>
+            </a:r>
+            <a:r>
+              <a:rPr lang="pt-BR" dirty="0"/>
+              <a:t> são de estabelecer regras, diretrizes, características ou orientações sobre determinado material, produto ou serviço. As normas são revistas, atualizadas e republicadas com frequência garantindo maior eficiência no processo que é </a:t>
+            </a:r>
+            <a:r>
+              <a:rPr lang="pt-BR" dirty="0" smtClean="0"/>
+              <a:t>usada; </a:t>
+            </a:r>
+          </a:p>
+          <a:p>
+            <a:r>
+              <a:rPr lang="pt-BR" dirty="0" smtClean="0"/>
+              <a:t>Não </a:t>
+            </a:r>
+            <a:r>
+              <a:rPr lang="pt-BR" dirty="0"/>
+              <a:t>são obrigatórias o seu uso por que é determinada por uma instituição privada e não pelo poder </a:t>
+            </a:r>
+            <a:r>
+              <a:rPr lang="pt-BR" dirty="0" smtClean="0"/>
+              <a:t>público; </a:t>
+            </a:r>
+          </a:p>
+          <a:p>
+            <a:r>
+              <a:rPr lang="pt-BR" dirty="0" smtClean="0"/>
+              <a:t>As </a:t>
+            </a:r>
+            <a:r>
+              <a:rPr lang="pt-BR" dirty="0" err="1"/>
+              <a:t>NBRs</a:t>
+            </a:r>
+            <a:r>
+              <a:rPr lang="pt-BR" dirty="0"/>
+              <a:t> são importantes porque indicam um padrão a ser seguido para melhorar a qualidade, produtividade da empresa e minimizar falhas no processo evitando defeitos no produto.</a:t>
+            </a:r>
+          </a:p>
+          <a:p>
             <a:pPr marL="0" indent="0">
               <a:buNone/>
             </a:pPr>
-            <a:r>
-              <a:rPr lang="pt-BR" dirty="0"/>
-              <a:t>*Marcos</a:t>
-            </a:r>
+            <a:endParaRPr lang="pt-BR" dirty="0"/>
           </a:p>
         </p:txBody>
       </p:sp>
@@ -13251,13 +13672,7 @@
       </p:grpSpPr>
       <p:sp>
         <p:nvSpPr>
-          <p:cNvPr id="2" name="Título 1">
-            <a:extLst>
-              <a:ext uri="{FF2B5EF4-FFF2-40B4-BE49-F238E27FC236}">
-                <a16:creationId xmlns:a16="http://schemas.microsoft.com/office/drawing/2014/main" id="{40EEE36B-9A99-4710-8566-DF6C6409BBEA}"/>
-              </a:ext>
-            </a:extLst>
-          </p:cNvPr>
+          <p:cNvPr id="2" name="Título 1"/>
           <p:cNvSpPr>
             <a:spLocks noGrp="1"/>
           </p:cNvSpPr>
@@ -13287,13 +13702,7 @@
       </p:sp>
       <p:sp>
         <p:nvSpPr>
-          <p:cNvPr id="3" name="Espaço Reservado para Conteúdo 2">
-            <a:extLst>
-              <a:ext uri="{FF2B5EF4-FFF2-40B4-BE49-F238E27FC236}">
-                <a16:creationId xmlns:a16="http://schemas.microsoft.com/office/drawing/2014/main" id="{A461B8F8-718D-4905-B9C3-8AA955A82C0D}"/>
-              </a:ext>
-            </a:extLst>
-          </p:cNvPr>
+          <p:cNvPr id="3" name="Espaço Reservado para Conteúdo 2"/>
           <p:cNvSpPr>
             <a:spLocks noGrp="1"/>
           </p:cNvSpPr>
@@ -13303,81 +13712,219 @@
         </p:nvSpPr>
         <p:spPr/>
         <p:txBody>
-          <a:bodyPr>
-            <a:normAutofit fontScale="92500" lnSpcReduction="20000"/>
+          <a:bodyPr numCol="4">
+            <a:normAutofit fontScale="70000" lnSpcReduction="20000"/>
           </a:bodyPr>
           <a:lstStyle/>
           <a:p>
-            <a:pPr>
-              <a:buFont typeface="Wingdings" panose="05000000000000000000" pitchFamily="2" charset="2"/>
-              <a:buChar char="ü"/>
-            </a:pPr>
-            <a:r>
-              <a:rPr lang="pt-BR" dirty="0"/>
-              <a:t>ISO 27033-3 – Segurança em redes de computadores;</a:t>
-            </a:r>
-          </a:p>
-          <a:p>
-            <a:pPr>
-              <a:buFont typeface="Wingdings" panose="05000000000000000000" pitchFamily="2" charset="2"/>
-              <a:buChar char="ü"/>
-            </a:pPr>
-            <a:r>
-              <a:rPr lang="pt-BR" dirty="0"/>
-              <a:t>ISO 27033-4 – Comunicação segura entre rede e Gateways;</a:t>
-            </a:r>
-          </a:p>
-          <a:p>
-            <a:pPr>
-              <a:buFont typeface="Wingdings" panose="05000000000000000000" pitchFamily="2" charset="2"/>
-              <a:buChar char="ü"/>
-            </a:pPr>
-            <a:r>
-              <a:rPr lang="pt-BR" dirty="0"/>
-              <a:t>ISO 27033-5 – Comunicações segura para redes virtuais privadas (VPN);</a:t>
-            </a:r>
-          </a:p>
-          <a:p>
-            <a:pPr>
-              <a:buFont typeface="Wingdings" panose="05000000000000000000" pitchFamily="2" charset="2"/>
-              <a:buChar char="ü"/>
-            </a:pPr>
-            <a:r>
-              <a:rPr lang="pt-BR" dirty="0"/>
-              <a:t>ISO 27033-6 – Segurança em Redes Sem Fio;</a:t>
-            </a:r>
-          </a:p>
-          <a:p>
-            <a:pPr>
-              <a:buFont typeface="Wingdings" panose="05000000000000000000" pitchFamily="2" charset="2"/>
-              <a:buChar char="ü"/>
-            </a:pPr>
-            <a:r>
-              <a:rPr lang="pt-BR" dirty="0"/>
-              <a:t>ISO 27036 – Segurança da Informação no relacionamento com fornecedores;</a:t>
-            </a:r>
-          </a:p>
-          <a:p>
-            <a:pPr>
-              <a:buFont typeface="Wingdings" panose="05000000000000000000" pitchFamily="2" charset="2"/>
-              <a:buChar char="ü"/>
-            </a:pPr>
-            <a:r>
-              <a:rPr lang="pt-BR" dirty="0"/>
-              <a:t>ISO 27039 – IDS IPS (Sistema de Detecção de Intrusão/Sistema de Prevenção de Intrusão);</a:t>
-            </a:r>
-          </a:p>
-          <a:p>
-            <a:pPr>
-              <a:buFont typeface="Wingdings" panose="05000000000000000000" pitchFamily="2" charset="2"/>
-              <a:buChar char="ü"/>
-            </a:pPr>
-            <a:r>
-              <a:rPr lang="pt-BR" dirty="0"/>
-              <a:t>ISO 27040 – Segurança de Armazenamento.</a:t>
-            </a:r>
-          </a:p>
-          <a:p>
+            <a:r>
+              <a:rPr lang="pt-BR" dirty="0" smtClean="0"/>
+              <a:t>27001</a:t>
+            </a:r>
+          </a:p>
+          <a:p>
+            <a:r>
+              <a:rPr lang="pt-BR" dirty="0" smtClean="0"/>
+              <a:t>27002</a:t>
+            </a:r>
+          </a:p>
+          <a:p>
+            <a:r>
+              <a:rPr lang="pt-BR" dirty="0" smtClean="0"/>
+              <a:t>27003</a:t>
+            </a:r>
+          </a:p>
+          <a:p>
+            <a:r>
+              <a:rPr lang="pt-BR" dirty="0" smtClean="0"/>
+              <a:t>27004</a:t>
+            </a:r>
+          </a:p>
+          <a:p>
+            <a:r>
+              <a:rPr lang="pt-BR" dirty="0" smtClean="0"/>
+              <a:t>27006</a:t>
+            </a:r>
+          </a:p>
+          <a:p>
+            <a:r>
+              <a:rPr lang="pt-BR" dirty="0" smtClean="0"/>
+              <a:t>27007</a:t>
+            </a:r>
+          </a:p>
+          <a:p>
+            <a:r>
+              <a:rPr lang="pt-BR" dirty="0" smtClean="0"/>
+              <a:t>27008</a:t>
+            </a:r>
+          </a:p>
+          <a:p>
+            <a:r>
+              <a:rPr lang="pt-BR" dirty="0" smtClean="0"/>
+              <a:t>27009</a:t>
+            </a:r>
+          </a:p>
+          <a:p>
+            <a:r>
+              <a:rPr lang="pt-BR" dirty="0" smtClean="0"/>
+              <a:t>27010</a:t>
+            </a:r>
+          </a:p>
+          <a:p>
+            <a:r>
+              <a:rPr lang="pt-BR" dirty="0" smtClean="0"/>
+              <a:t>27011</a:t>
+            </a:r>
+          </a:p>
+          <a:p>
+            <a:r>
+              <a:rPr lang="pt-BR" dirty="0" smtClean="0"/>
+              <a:t>27012</a:t>
+            </a:r>
+          </a:p>
+          <a:p>
+            <a:r>
+              <a:rPr lang="pt-BR" dirty="0" smtClean="0"/>
+              <a:t>27013</a:t>
+            </a:r>
+          </a:p>
+          <a:p>
+            <a:r>
+              <a:rPr lang="pt-BR" dirty="0" smtClean="0"/>
+              <a:t>27013</a:t>
+            </a:r>
+          </a:p>
+          <a:p>
+            <a:r>
+              <a:rPr lang="pt-BR" dirty="0" smtClean="0"/>
+              <a:t>27014</a:t>
+            </a:r>
+          </a:p>
+          <a:p>
+            <a:r>
+              <a:rPr lang="pt-BR" dirty="0" smtClean="0"/>
+              <a:t>27015</a:t>
+            </a:r>
+          </a:p>
+          <a:p>
+            <a:r>
+              <a:rPr lang="pt-BR" dirty="0" smtClean="0"/>
+              <a:t>27016</a:t>
+            </a:r>
+          </a:p>
+          <a:p>
+            <a:r>
+              <a:rPr lang="pt-BR" dirty="0" smtClean="0"/>
+              <a:t>27017</a:t>
+            </a:r>
+          </a:p>
+          <a:p>
+            <a:r>
+              <a:rPr lang="pt-BR" dirty="0" smtClean="0"/>
+              <a:t>27018</a:t>
+            </a:r>
+          </a:p>
+          <a:p>
+            <a:r>
+              <a:rPr lang="pt-BR" dirty="0" smtClean="0"/>
+              <a:t>27019</a:t>
+            </a:r>
+          </a:p>
+          <a:p>
+            <a:r>
+              <a:rPr lang="pt-BR" dirty="0" smtClean="0"/>
+              <a:t>27031</a:t>
+            </a:r>
+          </a:p>
+          <a:p>
+            <a:r>
+              <a:rPr lang="pt-BR" dirty="0" smtClean="0"/>
+              <a:t>27032</a:t>
+            </a:r>
+          </a:p>
+          <a:p>
+            <a:r>
+              <a:rPr lang="pt-BR" dirty="0" smtClean="0"/>
+              <a:t>27033</a:t>
+            </a:r>
+          </a:p>
+          <a:p>
+            <a:r>
+              <a:rPr lang="pt-BR" dirty="0" smtClean="0"/>
+              <a:t>27034</a:t>
+            </a:r>
+          </a:p>
+          <a:p>
+            <a:r>
+              <a:rPr lang="pt-BR" dirty="0" smtClean="0"/>
+              <a:t>27035</a:t>
+            </a:r>
+          </a:p>
+          <a:p>
+            <a:r>
+              <a:rPr lang="pt-BR" dirty="0" smtClean="0"/>
+              <a:t>27036</a:t>
+            </a:r>
+          </a:p>
+          <a:p>
+            <a:r>
+              <a:rPr lang="pt-BR" dirty="0" smtClean="0"/>
+              <a:t>27037</a:t>
+            </a:r>
+          </a:p>
+          <a:p>
+            <a:r>
+              <a:rPr lang="pt-BR" dirty="0" smtClean="0"/>
+              <a:t>27038</a:t>
+            </a:r>
+          </a:p>
+          <a:p>
+            <a:r>
+              <a:rPr lang="pt-BR" dirty="0" smtClean="0"/>
+              <a:t>27039</a:t>
+            </a:r>
+          </a:p>
+          <a:p>
+            <a:r>
+              <a:rPr lang="pt-BR" dirty="0" smtClean="0"/>
+              <a:t>27040</a:t>
+            </a:r>
+          </a:p>
+          <a:p>
+            <a:r>
+              <a:rPr lang="pt-BR" dirty="0" smtClean="0"/>
+              <a:t>27041</a:t>
+            </a:r>
+          </a:p>
+          <a:p>
+            <a:r>
+              <a:rPr lang="pt-BR" dirty="0" smtClean="0"/>
+              <a:t>27042</a:t>
+            </a:r>
+          </a:p>
+          <a:p>
+            <a:r>
+              <a:rPr lang="pt-BR" dirty="0" smtClean="0"/>
+              <a:t>27043</a:t>
+            </a:r>
+          </a:p>
+          <a:p>
+            <a:r>
+              <a:rPr lang="pt-BR" dirty="0" smtClean="0"/>
+              <a:t>27044</a:t>
+            </a:r>
+          </a:p>
+          <a:p>
+            <a:r>
+              <a:rPr lang="pt-BR" dirty="0" smtClean="0"/>
+              <a:t>27799</a:t>
+            </a:r>
+          </a:p>
+          <a:p>
+            <a:r>
+              <a:rPr lang="pt-BR" dirty="0" smtClean="0"/>
+              <a:t>27050</a:t>
+            </a:r>
             <a:endParaRPr lang="pt-BR" dirty="0"/>
           </a:p>
         </p:txBody>
@@ -13385,13 +13932,20 @@
     </p:spTree>
     <p:extLst>
       <p:ext uri="{BB962C8B-B14F-4D97-AF65-F5344CB8AC3E}">
-        <p14:creationId xmlns:p14="http://schemas.microsoft.com/office/powerpoint/2010/main" val="2431381078"/>
+        <p14:creationId xmlns:p14="http://schemas.microsoft.com/office/powerpoint/2010/main" val="3545521800"/>
       </p:ext>
     </p:extLst>
   </p:cSld>
   <p:clrMapOvr>
     <a:masterClrMapping/>
   </p:clrMapOvr>
+  <p:timing>
+    <p:tnLst>
+      <p:par>
+        <p:cTn id="1" dur="indefinite" restart="never" nodeType="tmRoot"/>
+      </p:par>
+    </p:tnLst>
+  </p:timing>
 </p:sld>
 </file>
 
@@ -13508,6 +14062,13 @@
   <p:clrMapOvr>
     <a:masterClrMapping/>
   </p:clrMapOvr>
+  <p:timing>
+    <p:tnLst>
+      <p:par>
+        <p:cTn id="1" dur="indefinite" restart="never" nodeType="tmRoot"/>
+      </p:par>
+    </p:tnLst>
+  </p:timing>
 </p:sld>
 </file>
 
@@ -13577,7 +14138,7 @@
           <a:bodyPr/>
           <a:lstStyle/>
           <a:p>
-            <a:pPr marL="0" indent="0">
+            <a:pPr marL="0" indent="0" algn="just">
               <a:buNone/>
             </a:pPr>
             <a:r>
@@ -13586,7 +14147,7 @@
             </a:r>
           </a:p>
           <a:p>
-            <a:pPr marL="0" indent="0">
+            <a:pPr marL="0" indent="0" algn="just">
               <a:buNone/>
             </a:pPr>
             <a:r>
@@ -13683,7 +14244,7 @@
           <a:bodyPr/>
           <a:lstStyle/>
           <a:p>
-            <a:pPr marL="0" indent="0">
+            <a:pPr marL="0" indent="0" algn="just">
               <a:buNone/>
             </a:pPr>
             <a:r>
@@ -13692,7 +14253,7 @@
             </a:r>
           </a:p>
           <a:p>
-            <a:pPr marL="0" indent="0">
+            <a:pPr marL="0" indent="0" algn="just">
               <a:buNone/>
             </a:pPr>
             <a:r>
@@ -13781,13 +14342,47 @@
           <a:bodyPr/>
           <a:lstStyle/>
           <a:p>
-            <a:pPr marL="0" indent="0">
+            <a:pPr marL="0" indent="0" algn="just">
               <a:buNone/>
             </a:pPr>
             <a:r>
               <a:rPr lang="pt-BR" dirty="0"/>
-              <a:t>O nível de segurança da informação no Brasil é um dos mais fracos do mundo</a:t>
-            </a:r>
+              <a:t>O nível de segurança da informação no </a:t>
+            </a:r>
+            <a:r>
+              <a:rPr lang="pt-BR" dirty="0" smtClean="0"/>
+              <a:t>Brasil </a:t>
+            </a:r>
+            <a:r>
+              <a:rPr lang="pt-BR" dirty="0" smtClean="0"/>
+              <a:t>não é, nem de perto, um </a:t>
+            </a:r>
+            <a:r>
+              <a:rPr lang="pt-BR" dirty="0" smtClean="0"/>
+              <a:t>dos melhores </a:t>
+            </a:r>
+            <a:r>
+              <a:rPr lang="pt-BR" dirty="0"/>
+              <a:t>do </a:t>
+            </a:r>
+            <a:r>
+              <a:rPr lang="pt-BR" dirty="0" smtClean="0"/>
+              <a:t>mundo, ma</a:t>
+            </a:r>
+            <a:r>
+              <a:rPr lang="pt-BR" dirty="0" smtClean="0"/>
+              <a:t>s a cada ano que passa essa situação vem progredindo positivamente.</a:t>
+            </a:r>
+          </a:p>
+          <a:p>
+            <a:pPr marL="0" indent="0" algn="just">
+              <a:buNone/>
+            </a:pPr>
+            <a:r>
+              <a:rPr lang="pt-BR" dirty="0" smtClean="0"/>
+              <a:t>Porém, essa subida é lenta e a culpa dessa velocidade baixa na sua melhoria são de dois aspectos: cultura organizacional e mão de obra qualificada. </a:t>
+            </a:r>
+            <a:endParaRPr lang="pt-BR" dirty="0"/>
           </a:p>
         </p:txBody>
       </p:sp>
@@ -13801,6 +14396,13 @@
   <p:clrMapOvr>
     <a:masterClrMapping/>
   </p:clrMapOvr>
+  <p:timing>
+    <p:tnLst>
+      <p:par>
+        <p:cTn id="1" dur="indefinite" restart="never" nodeType="tmRoot"/>
+      </p:par>
+    </p:tnLst>
+  </p:timing>
 </p:sld>
 </file>
 

--- a/PI - Seg de Software/information_security.pptx
+++ b/PI - Seg de Software/information_security.pptx
@@ -10,14 +10,24 @@
     <p:sldId id="259" r:id="rId4"/>
     <p:sldId id="260" r:id="rId5"/>
     <p:sldId id="269" r:id="rId6"/>
-    <p:sldId id="258" r:id="rId7"/>
-    <p:sldId id="263" r:id="rId8"/>
-    <p:sldId id="267" r:id="rId9"/>
-    <p:sldId id="264" r:id="rId10"/>
-    <p:sldId id="268" r:id="rId11"/>
-    <p:sldId id="265" r:id="rId12"/>
-    <p:sldId id="266" r:id="rId13"/>
-    <p:sldId id="262" r:id="rId14"/>
+    <p:sldId id="263" r:id="rId7"/>
+    <p:sldId id="267" r:id="rId8"/>
+    <p:sldId id="264" r:id="rId9"/>
+    <p:sldId id="268" r:id="rId10"/>
+    <p:sldId id="265" r:id="rId11"/>
+    <p:sldId id="266" r:id="rId12"/>
+    <p:sldId id="270" r:id="rId13"/>
+    <p:sldId id="271" r:id="rId14"/>
+    <p:sldId id="272" r:id="rId15"/>
+    <p:sldId id="273" r:id="rId16"/>
+    <p:sldId id="274" r:id="rId17"/>
+    <p:sldId id="275" r:id="rId18"/>
+    <p:sldId id="276" r:id="rId19"/>
+    <p:sldId id="277" r:id="rId20"/>
+    <p:sldId id="278" r:id="rId21"/>
+    <p:sldId id="279" r:id="rId22"/>
+    <p:sldId id="280" r:id="rId23"/>
+    <p:sldId id="262" r:id="rId24"/>
   </p:sldIdLst>
   <p:sldSz cx="12192000" cy="6858000"/>
   <p:notesSz cx="6858000" cy="9144000"/>
@@ -4410,7 +4420,7 @@
           <a:p>
             <a:fld id="{48A87A34-81AB-432B-8DAE-1953F412C126}" type="datetimeFigureOut">
               <a:rPr lang="en-US" dirty="0"/>
-              <a:t>9/25/2017</a:t>
+              <a:t>9/27/2017</a:t>
             </a:fld>
             <a:endParaRPr lang="en-US" dirty="0"/>
           </a:p>
@@ -4672,7 +4682,7 @@
           <a:p>
             <a:fld id="{48A87A34-81AB-432B-8DAE-1953F412C126}" type="datetimeFigureOut">
               <a:rPr lang="en-US" dirty="0"/>
-              <a:t>9/25/2017</a:t>
+              <a:t>9/27/2017</a:t>
             </a:fld>
             <a:endParaRPr lang="en-US" dirty="0"/>
           </a:p>
@@ -4863,7 +4873,7 @@
           <a:p>
             <a:fld id="{48A87A34-81AB-432B-8DAE-1953F412C126}" type="datetimeFigureOut">
               <a:rPr lang="en-US" dirty="0"/>
-              <a:t>9/25/2017</a:t>
+              <a:t>9/27/2017</a:t>
             </a:fld>
             <a:endParaRPr lang="en-US" dirty="0"/>
           </a:p>
@@ -5121,7 +5131,7 @@
           <a:p>
             <a:fld id="{48A87A34-81AB-432B-8DAE-1953F412C126}" type="datetimeFigureOut">
               <a:rPr lang="en-US" dirty="0"/>
-              <a:t>9/25/2017</a:t>
+              <a:t>9/27/2017</a:t>
             </a:fld>
             <a:endParaRPr lang="en-US" dirty="0"/>
           </a:p>
@@ -5550,7 +5560,7 @@
           <a:p>
             <a:fld id="{48A87A34-81AB-432B-8DAE-1953F412C126}" type="datetimeFigureOut">
               <a:rPr lang="en-US" dirty="0"/>
-              <a:t>9/25/2017</a:t>
+              <a:t>9/27/2017</a:t>
             </a:fld>
             <a:endParaRPr lang="en-US" dirty="0"/>
           </a:p>
@@ -6091,7 +6101,7 @@
           <a:p>
             <a:fld id="{48A87A34-81AB-432B-8DAE-1953F412C126}" type="datetimeFigureOut">
               <a:rPr lang="en-US" dirty="0"/>
-              <a:t>9/25/2017</a:t>
+              <a:t>9/27/2017</a:t>
             </a:fld>
             <a:endParaRPr lang="en-US" dirty="0"/>
           </a:p>
@@ -6806,7 +6816,7 @@
           <a:p>
             <a:fld id="{48A87A34-81AB-432B-8DAE-1953F412C126}" type="datetimeFigureOut">
               <a:rPr lang="en-US" dirty="0"/>
-              <a:t>9/25/2017</a:t>
+              <a:t>9/27/2017</a:t>
             </a:fld>
             <a:endParaRPr lang="en-US" dirty="0"/>
           </a:p>
@@ -6971,7 +6981,7 @@
           <a:p>
             <a:fld id="{48A87A34-81AB-432B-8DAE-1953F412C126}" type="datetimeFigureOut">
               <a:rPr lang="en-US" dirty="0"/>
-              <a:t>9/25/2017</a:t>
+              <a:t>9/27/2017</a:t>
             </a:fld>
             <a:endParaRPr lang="en-US" dirty="0"/>
           </a:p>
@@ -7146,7 +7156,7 @@
           <a:p>
             <a:fld id="{48A87A34-81AB-432B-8DAE-1953F412C126}" type="datetimeFigureOut">
               <a:rPr lang="en-US" dirty="0"/>
-              <a:t>9/25/2017</a:t>
+              <a:t>9/27/2017</a:t>
             </a:fld>
             <a:endParaRPr lang="en-US" dirty="0"/>
           </a:p>
@@ -7311,7 +7321,7 @@
           <a:p>
             <a:fld id="{48A87A34-81AB-432B-8DAE-1953F412C126}" type="datetimeFigureOut">
               <a:rPr lang="en-US" dirty="0"/>
-              <a:t>9/25/2017</a:t>
+              <a:t>9/27/2017</a:t>
             </a:fld>
             <a:endParaRPr lang="en-US" dirty="0"/>
           </a:p>
@@ -7556,7 +7566,7 @@
           <a:p>
             <a:fld id="{48A87A34-81AB-432B-8DAE-1953F412C126}" type="datetimeFigureOut">
               <a:rPr lang="en-US" dirty="0"/>
-              <a:t>9/25/2017</a:t>
+              <a:t>9/27/2017</a:t>
             </a:fld>
             <a:endParaRPr lang="en-US" dirty="0"/>
           </a:p>
@@ -7783,7 +7793,7 @@
           <a:p>
             <a:fld id="{48A87A34-81AB-432B-8DAE-1953F412C126}" type="datetimeFigureOut">
               <a:rPr lang="en-US" dirty="0"/>
-              <a:t>9/25/2017</a:t>
+              <a:t>9/27/2017</a:t>
             </a:fld>
             <a:endParaRPr lang="en-US" dirty="0"/>
           </a:p>
@@ -8159,7 +8169,7 @@
           <a:p>
             <a:fld id="{48A87A34-81AB-432B-8DAE-1953F412C126}" type="datetimeFigureOut">
               <a:rPr lang="en-US" dirty="0"/>
-              <a:t>9/25/2017</a:t>
+              <a:t>9/27/2017</a:t>
             </a:fld>
             <a:endParaRPr lang="en-US" dirty="0"/>
           </a:p>
@@ -8272,7 +8282,7 @@
           <a:p>
             <a:fld id="{48A87A34-81AB-432B-8DAE-1953F412C126}" type="datetimeFigureOut">
               <a:rPr lang="en-US" dirty="0"/>
-              <a:t>9/25/2017</a:t>
+              <a:t>9/27/2017</a:t>
             </a:fld>
             <a:endParaRPr lang="en-US" dirty="0"/>
           </a:p>
@@ -8362,7 +8372,7 @@
           <a:p>
             <a:fld id="{48A87A34-81AB-432B-8DAE-1953F412C126}" type="datetimeFigureOut">
               <a:rPr lang="en-US" dirty="0"/>
-              <a:t>9/25/2017</a:t>
+              <a:t>9/27/2017</a:t>
             </a:fld>
             <a:endParaRPr lang="en-US" dirty="0"/>
           </a:p>
@@ -8606,7 +8616,7 @@
           <a:p>
             <a:fld id="{48A87A34-81AB-432B-8DAE-1953F412C126}" type="datetimeFigureOut">
               <a:rPr lang="en-US" dirty="0"/>
-              <a:t>9/25/2017</a:t>
+              <a:t>9/27/2017</a:t>
             </a:fld>
             <a:endParaRPr lang="en-US" dirty="0"/>
           </a:p>
@@ -8881,7 +8891,7 @@
           <a:p>
             <a:fld id="{48A87A34-81AB-432B-8DAE-1953F412C126}" type="datetimeFigureOut">
               <a:rPr lang="en-US" dirty="0"/>
-              <a:t>9/25/2017</a:t>
+              <a:t>9/27/2017</a:t>
             </a:fld>
             <a:endParaRPr lang="en-US" dirty="0"/>
           </a:p>
@@ -11944,7 +11954,7 @@
             <a:fld id="{48A87A34-81AB-432B-8DAE-1953F412C126}" type="datetimeFigureOut">
               <a:rPr lang="en-US" dirty="0"/>
               <a:pPr/>
-              <a:t>9/25/2017</a:t>
+              <a:t>9/27/2017</a:t>
             </a:fld>
             <a:endParaRPr lang="en-US" dirty="0"/>
           </a:p>
@@ -12409,12 +12419,6 @@
           <a:bodyPr/>
           <a:lstStyle/>
           <a:p>
-            <a:r>
-              <a:rPr lang="pt-BR" dirty="0"/>
-              <a:t>Como Manter suas informações confidenciais em segurança</a:t>
-            </a:r>
-          </a:p>
-          <a:p>
             <a:pPr algn="r"/>
             <a:r>
               <a:rPr lang="pt-BR" dirty="0" err="1"/>
@@ -12429,6 +12433,58 @@
               <a:t>lifeguard</a:t>
             </a:r>
             <a:endParaRPr lang="pt-BR" dirty="0"/>
+          </a:p>
+        </p:txBody>
+      </p:sp>
+      <p:sp>
+        <p:nvSpPr>
+          <p:cNvPr id="4" name="CaixaDeTexto 3">
+            <a:extLst>
+              <a:ext uri="{FF2B5EF4-FFF2-40B4-BE49-F238E27FC236}">
+                <a16:creationId xmlns:a16="http://schemas.microsoft.com/office/drawing/2014/main" id="{F18EBF90-C09E-420C-983A-5AD60938A721}"/>
+              </a:ext>
+            </a:extLst>
+          </p:cNvPr>
+          <p:cNvSpPr txBox="1"/>
+          <p:nvPr/>
+        </p:nvSpPr>
+        <p:spPr>
+          <a:xfrm>
+            <a:off x="2927302" y="6305265"/>
+            <a:ext cx="9505808" cy="338554"/>
+          </a:xfrm>
+          <a:prstGeom prst="rect">
+            <a:avLst/>
+          </a:prstGeom>
+          <a:noFill/>
+        </p:spPr>
+        <p:txBody>
+          <a:bodyPr wrap="square" rtlCol="0">
+            <a:spAutoFit/>
+          </a:bodyPr>
+          <a:lstStyle/>
+          <a:p>
+            <a:r>
+              <a:rPr lang="pt-BR" sz="1600" dirty="0" err="1"/>
+              <a:t>Antonio</a:t>
+            </a:r>
+            <a:r>
+              <a:rPr lang="pt-BR" sz="1600" dirty="0"/>
+              <a:t> Marcos da Silva Pires – Renato </a:t>
+            </a:r>
+            <a:r>
+              <a:rPr lang="pt-BR" sz="1600" dirty="0" err="1"/>
+              <a:t>Drozdek</a:t>
+            </a:r>
+            <a:r>
+              <a:rPr lang="pt-BR" sz="1600" dirty="0"/>
+              <a:t> Junior – Rodrigo Ferreira dos Anjos – Samantha Soares </a:t>
+            </a:r>
+            <a:r>
+              <a:rPr lang="pt-BR" sz="1600" dirty="0" err="1"/>
+              <a:t>Heil</a:t>
+            </a:r>
+            <a:endParaRPr lang="pt-BR" sz="1600" dirty="0"/>
           </a:p>
         </p:txBody>
       </p:sp>
@@ -12446,191 +12502,6 @@
 </file>
 
 <file path=ppt/slides/slide10.xml><?xml version="1.0" encoding="utf-8"?>
-<p:sld xmlns:a="http://schemas.openxmlformats.org/drawingml/2006/main" xmlns:r="http://schemas.openxmlformats.org/officeDocument/2006/relationships" xmlns:p="http://schemas.openxmlformats.org/presentationml/2006/main">
-  <p:cSld>
-    <p:spTree>
-      <p:nvGrpSpPr>
-        <p:cNvPr id="1" name=""/>
-        <p:cNvGrpSpPr/>
-        <p:nvPr/>
-      </p:nvGrpSpPr>
-      <p:grpSpPr>
-        <a:xfrm>
-          <a:off x="0" y="0"/>
-          <a:ext cx="0" cy="0"/>
-          <a:chOff x="0" y="0"/>
-          <a:chExt cx="0" cy="0"/>
-        </a:xfrm>
-      </p:grpSpPr>
-      <p:sp>
-        <p:nvSpPr>
-          <p:cNvPr id="2" name="Título 1"/>
-          <p:cNvSpPr>
-            <a:spLocks noGrp="1"/>
-          </p:cNvSpPr>
-          <p:nvPr>
-            <p:ph type="title"/>
-          </p:nvPr>
-        </p:nvSpPr>
-        <p:spPr/>
-        <p:txBody>
-          <a:bodyPr/>
-          <a:lstStyle/>
-          <a:p>
-            <a:r>
-              <a:rPr lang="pt-BR" dirty="0"/>
-              <a:t>Como esta a SI no Brasil</a:t>
-            </a:r>
-            <a:r>
-              <a:rPr lang="pt-BR" dirty="0" smtClean="0"/>
-              <a:t>? (</a:t>
-            </a:r>
-            <a:r>
-              <a:rPr lang="pt-BR" cap="none" dirty="0" err="1" smtClean="0"/>
-              <a:t>cont</a:t>
-            </a:r>
-            <a:r>
-              <a:rPr lang="pt-BR" dirty="0" smtClean="0"/>
-              <a:t>)</a:t>
-            </a:r>
-            <a:endParaRPr lang="pt-BR" dirty="0"/>
-          </a:p>
-        </p:txBody>
-      </p:sp>
-      <p:sp>
-        <p:nvSpPr>
-          <p:cNvPr id="3" name="Espaço Reservado para Conteúdo 2"/>
-          <p:cNvSpPr>
-            <a:spLocks noGrp="1"/>
-          </p:cNvSpPr>
-          <p:nvPr>
-            <p:ph idx="1"/>
-          </p:nvPr>
-        </p:nvSpPr>
-        <p:spPr/>
-        <p:txBody>
-          <a:bodyPr/>
-          <a:lstStyle/>
-          <a:p>
-            <a:pPr marL="0" indent="0" algn="just">
-              <a:buNone/>
-            </a:pPr>
-            <a:r>
-              <a:rPr lang="pt-BR" dirty="0"/>
-              <a:t>P</a:t>
-            </a:r>
-            <a:r>
-              <a:rPr lang="pt-BR" dirty="0" smtClean="0"/>
-              <a:t>esquisas realizadas em 2016 pela </a:t>
-            </a:r>
-            <a:r>
-              <a:rPr lang="pt-BR" dirty="0" err="1"/>
-              <a:t>International</a:t>
-            </a:r>
-            <a:r>
-              <a:rPr lang="pt-BR" dirty="0"/>
-              <a:t> Data Corporation (</a:t>
-            </a:r>
-            <a:r>
-              <a:rPr lang="pt-BR" dirty="0" smtClean="0"/>
-              <a:t>IDC) e compartilhadas pela </a:t>
-            </a:r>
-            <a:r>
-              <a:rPr lang="pt-BR" dirty="0" err="1" smtClean="0"/>
-              <a:t>Level</a:t>
-            </a:r>
-            <a:r>
-              <a:rPr lang="pt-BR" dirty="0" smtClean="0"/>
-              <a:t> 3 Security Index, mostram que analisando fatores como Conscientização, Ferramental, Prevenção e Mitigação, o Brasil garantiu, em média, somente 64,9 ponto de 100 possíveis, sendo que em países maduros esta média pode variar entre 76 e 83. </a:t>
-            </a:r>
-            <a:endParaRPr lang="pt-BR" dirty="0"/>
-          </a:p>
-        </p:txBody>
-      </p:sp>
-      <p:pic>
-        <p:nvPicPr>
-          <p:cNvPr id="4" name="Imagem 3"/>
-          <p:cNvPicPr>
-            <a:picLocks noChangeAspect="1"/>
-          </p:cNvPicPr>
-          <p:nvPr/>
-        </p:nvPicPr>
-        <p:blipFill>
-          <a:blip r:embed="rId2"/>
-          <a:stretch>
-            <a:fillRect/>
-          </a:stretch>
-        </p:blipFill>
-        <p:spPr>
-          <a:xfrm>
-            <a:off x="7225990" y="4329860"/>
-            <a:ext cx="3401122" cy="1915525"/>
-          </a:xfrm>
-          <a:prstGeom prst="rect">
-            <a:avLst/>
-          </a:prstGeom>
-        </p:spPr>
-      </p:pic>
-      <p:sp>
-        <p:nvSpPr>
-          <p:cNvPr id="5" name="CaixaDeTexto 4"/>
-          <p:cNvSpPr txBox="1"/>
-          <p:nvPr/>
-        </p:nvSpPr>
-        <p:spPr>
-          <a:xfrm>
-            <a:off x="7225990" y="6222382"/>
-            <a:ext cx="3401122" cy="307777"/>
-          </a:xfrm>
-          <a:prstGeom prst="rect">
-            <a:avLst/>
-          </a:prstGeom>
-          <a:noFill/>
-        </p:spPr>
-        <p:txBody>
-          <a:bodyPr wrap="square" rtlCol="0">
-            <a:spAutoFit/>
-          </a:bodyPr>
-          <a:lstStyle/>
-          <a:p>
-            <a:pPr algn="ctr"/>
-            <a:r>
-              <a:rPr lang="pt-BR" sz="1400" dirty="0" smtClean="0"/>
-              <a:t>Fonte: </a:t>
-            </a:r>
-            <a:r>
-              <a:rPr lang="pt-BR" sz="1400" dirty="0" err="1" smtClean="0"/>
-              <a:t>Level</a:t>
-            </a:r>
-            <a:r>
-              <a:rPr lang="pt-BR" sz="1400" dirty="0" smtClean="0"/>
-              <a:t> 3 Security Index</a:t>
-            </a:r>
-            <a:endParaRPr lang="pt-BR" sz="1400" dirty="0"/>
-          </a:p>
-        </p:txBody>
-      </p:sp>
-    </p:spTree>
-    <p:extLst>
-      <p:ext uri="{BB962C8B-B14F-4D97-AF65-F5344CB8AC3E}">
-        <p14:creationId xmlns:p14="http://schemas.microsoft.com/office/powerpoint/2010/main" val="382812522"/>
-      </p:ext>
-    </p:extLst>
-  </p:cSld>
-  <p:clrMapOvr>
-    <a:masterClrMapping/>
-  </p:clrMapOvr>
-  <p:timing>
-    <p:tnLst>
-      <p:par>
-        <p:cTn id="1" dur="indefinite" restart="never" nodeType="tmRoot"/>
-      </p:par>
-    </p:tnLst>
-  </p:timing>
-</p:sld>
-</file>
-
-<file path=ppt/slides/slide11.xml><?xml version="1.0" encoding="utf-8"?>
 <p:sld xmlns:a="http://schemas.openxmlformats.org/drawingml/2006/main" xmlns:r="http://schemas.openxmlformats.org/officeDocument/2006/relationships" xmlns:p="http://schemas.openxmlformats.org/presentationml/2006/main">
   <p:cSld>
     <p:spTree>
@@ -12702,7 +12573,7 @@
               <a:buNone/>
             </a:pPr>
             <a:r>
-              <a:rPr lang="pt-BR" dirty="0" smtClean="0"/>
+              <a:rPr lang="pt-BR" dirty="0"/>
               <a:t>Há várias certificações na área de Segurança da Informação. Pode-se citar as 5 mais relevantes que as empresas buscam em um profissional de SI.</a:t>
             </a:r>
           </a:p>
@@ -12714,26 +12585,14 @@
             </a:r>
             <a:r>
               <a:rPr lang="pt-BR" dirty="0"/>
-              <a:t> Security</a:t>
-            </a:r>
-            <a:r>
-              <a:rPr lang="pt-BR" dirty="0" smtClean="0"/>
-              <a:t>+ ;</a:t>
+              <a:t> Security+ ;</a:t>
             </a:r>
           </a:p>
           <a:p>
             <a:pPr algn="just"/>
             <a:r>
-              <a:rPr lang="pt-BR" sz="2400" dirty="0" smtClean="0"/>
-              <a:t>GIAC </a:t>
-            </a:r>
-            <a:r>
               <a:rPr lang="pt-BR" sz="2400" dirty="0"/>
-              <a:t>Security </a:t>
-            </a:r>
-            <a:r>
-              <a:rPr lang="pt-BR" sz="2400" dirty="0" smtClean="0"/>
-              <a:t>Essentials;</a:t>
+              <a:t>GIAC Security Essentials;</a:t>
             </a:r>
           </a:p>
           <a:p>
@@ -12752,39 +12611,27 @@
             </a:r>
             <a:r>
               <a:rPr lang="pt-BR" dirty="0"/>
-              <a:t> Hacker </a:t>
-            </a:r>
-            <a:r>
-              <a:rPr lang="pt-BR" dirty="0" smtClean="0"/>
-              <a:t>(CEH);</a:t>
+              <a:t> Hacker (CEH);</a:t>
             </a:r>
           </a:p>
           <a:p>
             <a:pPr algn="just"/>
             <a:r>
               <a:rPr lang="en-US" dirty="0"/>
-              <a:t>Certified Information Systems Security Professional </a:t>
-            </a:r>
-            <a:r>
-              <a:rPr lang="en-US" dirty="0" smtClean="0"/>
-              <a:t>(CISSP);</a:t>
+              <a:t>Certified Information Systems Security Professional (CISSP);</a:t>
             </a:r>
           </a:p>
           <a:p>
             <a:pPr algn="just"/>
             <a:r>
               <a:rPr lang="en-US" dirty="0"/>
-              <a:t>Certified Information Security Manager (</a:t>
-            </a:r>
-            <a:r>
-              <a:rPr lang="en-US" dirty="0" smtClean="0"/>
-              <a:t>CISM).</a:t>
-            </a:r>
-            <a:endParaRPr lang="pt-BR" sz="2400" dirty="0" smtClean="0"/>
+              <a:t>Certified Information Security Manager (CISM).</a:t>
+            </a:r>
+            <a:endParaRPr lang="pt-BR" sz="2400" dirty="0"/>
           </a:p>
           <a:p>
             <a:pPr marL="800100" lvl="2" indent="-342900" algn="just"/>
-            <a:endParaRPr lang="pt-BR" sz="2200" dirty="0" smtClean="0"/>
+            <a:endParaRPr lang="pt-BR" sz="2200" dirty="0"/>
           </a:p>
         </p:txBody>
       </p:sp>
@@ -12798,17 +12645,10 @@
   <p:clrMapOvr>
     <a:masterClrMapping/>
   </p:clrMapOvr>
-  <p:timing>
-    <p:tnLst>
-      <p:par>
-        <p:cTn id="1" dur="indefinite" restart="never" nodeType="tmRoot"/>
-      </p:par>
-    </p:tnLst>
-  </p:timing>
 </p:sld>
 </file>
 
-<file path=ppt/slides/slide12.xml><?xml version="1.0" encoding="utf-8"?>
+<file path=ppt/slides/slide11.xml><?xml version="1.0" encoding="utf-8"?>
 <p:sld xmlns:a="http://schemas.openxmlformats.org/drawingml/2006/main" xmlns:r="http://schemas.openxmlformats.org/officeDocument/2006/relationships" xmlns:p="http://schemas.openxmlformats.org/presentationml/2006/main">
   <p:cSld>
     <p:spTree>
@@ -12847,10 +12687,9 @@
           <a:lstStyle/>
           <a:p>
             <a:r>
-              <a:rPr lang="pt-BR" dirty="0" smtClean="0"/>
+              <a:rPr lang="pt-BR" dirty="0"/>
               <a:t>Carreira em segurança da informação</a:t>
             </a:r>
-            <a:endParaRPr lang="pt-BR" dirty="0"/>
           </a:p>
         </p:txBody>
       </p:sp>
@@ -12879,79 +12718,50 @@
           <a:p>
             <a:r>
               <a:rPr lang="pt-BR" dirty="0"/>
-              <a:t>Engenheiro-chefe de softwares de </a:t>
-            </a:r>
-            <a:r>
-              <a:rPr lang="pt-BR" dirty="0" smtClean="0"/>
-              <a:t>segurança;</a:t>
-            </a:r>
-          </a:p>
-          <a:p>
-            <a:r>
-              <a:rPr lang="pt-BR" dirty="0" smtClean="0"/>
+              <a:t>Engenheiro-chefe de softwares de segurança;</a:t>
+            </a:r>
+          </a:p>
+          <a:p>
+            <a:r>
+              <a:rPr lang="pt-BR" dirty="0"/>
               <a:t>Chefe de Segurança;</a:t>
             </a:r>
           </a:p>
           <a:p>
             <a:r>
               <a:rPr lang="pt-BR" dirty="0"/>
-              <a:t>Diretor de segurança de informações </a:t>
-            </a:r>
-            <a:r>
-              <a:rPr lang="pt-BR" dirty="0" smtClean="0"/>
-              <a:t>globais;</a:t>
+              <a:t>Diretor de segurança de informações globais;</a:t>
             </a:r>
           </a:p>
           <a:p>
             <a:r>
               <a:rPr lang="pt-BR" dirty="0"/>
-              <a:t>Consultor de </a:t>
-            </a:r>
-            <a:r>
-              <a:rPr lang="pt-BR" dirty="0" smtClean="0"/>
-              <a:t>segurança;</a:t>
+              <a:t>Consultor de segurança;</a:t>
             </a:r>
           </a:p>
           <a:p>
             <a:r>
               <a:rPr lang="pt-BR" dirty="0"/>
-              <a:t>Chefe de </a:t>
-            </a:r>
-            <a:r>
-              <a:rPr lang="pt-BR" dirty="0" smtClean="0"/>
-              <a:t>cyber-segurança;</a:t>
+              <a:t>Chefe de cyber-segurança;</a:t>
             </a:r>
           </a:p>
           <a:p>
             <a:r>
               <a:rPr lang="pt-BR" dirty="0"/>
-              <a:t>Engenheiro-chefe de </a:t>
-            </a:r>
-            <a:r>
-              <a:rPr lang="pt-BR" dirty="0" smtClean="0"/>
-              <a:t>segurança;</a:t>
+              <a:t>Engenheiro-chefe de segurança;</a:t>
             </a:r>
           </a:p>
           <a:p>
             <a:r>
               <a:rPr lang="pt-BR" dirty="0"/>
-              <a:t>Engenheiro de </a:t>
-            </a:r>
-            <a:r>
-              <a:rPr lang="pt-BR" dirty="0" smtClean="0"/>
-              <a:t>cyber-segurança;</a:t>
+              <a:t>Engenheiro de cyber-segurança;</a:t>
             </a:r>
           </a:p>
           <a:p>
             <a:r>
               <a:rPr lang="pt-BR" dirty="0"/>
-              <a:t>Gerente de segurança de </a:t>
-            </a:r>
-            <a:r>
-              <a:rPr lang="pt-BR" dirty="0" smtClean="0"/>
-              <a:t>aplicações.</a:t>
-            </a:r>
-            <a:endParaRPr lang="pt-BR" dirty="0"/>
+              <a:t>Gerente de segurança de aplicações.</a:t>
+            </a:r>
           </a:p>
         </p:txBody>
       </p:sp>
@@ -12959,6 +12769,118 @@
     <p:extLst>
       <p:ext uri="{BB962C8B-B14F-4D97-AF65-F5344CB8AC3E}">
         <p14:creationId xmlns:p14="http://schemas.microsoft.com/office/powerpoint/2010/main" val="190344585"/>
+      </p:ext>
+    </p:extLst>
+  </p:cSld>
+  <p:clrMapOvr>
+    <a:masterClrMapping/>
+  </p:clrMapOvr>
+</p:sld>
+</file>
+
+<file path=ppt/slides/slide12.xml><?xml version="1.0" encoding="utf-8"?>
+<p:sld xmlns:a="http://schemas.openxmlformats.org/drawingml/2006/main" xmlns:r="http://schemas.openxmlformats.org/officeDocument/2006/relationships" xmlns:p="http://schemas.openxmlformats.org/presentationml/2006/main">
+  <p:cSld>
+    <p:spTree>
+      <p:nvGrpSpPr>
+        <p:cNvPr id="1" name=""/>
+        <p:cNvGrpSpPr/>
+        <p:nvPr/>
+      </p:nvGrpSpPr>
+      <p:grpSpPr>
+        <a:xfrm>
+          <a:off x="0" y="0"/>
+          <a:ext cx="0" cy="0"/>
+          <a:chOff x="0" y="0"/>
+          <a:chExt cx="0" cy="0"/>
+        </a:xfrm>
+      </p:grpSpPr>
+      <p:sp>
+        <p:nvSpPr>
+          <p:cNvPr id="2" name="Título 1">
+            <a:extLst>
+              <a:ext uri="{FF2B5EF4-FFF2-40B4-BE49-F238E27FC236}">
+                <a16:creationId xmlns:a16="http://schemas.microsoft.com/office/drawing/2014/main" id="{3B02441C-3537-4866-9A33-B3D3D27DAF30}"/>
+              </a:ext>
+            </a:extLst>
+          </p:cNvPr>
+          <p:cNvSpPr>
+            <a:spLocks noGrp="1"/>
+          </p:cNvSpPr>
+          <p:nvPr>
+            <p:ph type="title"/>
+          </p:nvPr>
+        </p:nvSpPr>
+        <p:spPr/>
+        <p:txBody>
+          <a:bodyPr/>
+          <a:lstStyle/>
+          <a:p>
+            <a:r>
+              <a:rPr lang="pt-BR" dirty="0"/>
+              <a:t>Segurança em dispositivos móveis</a:t>
+            </a:r>
+          </a:p>
+        </p:txBody>
+      </p:sp>
+      <p:sp>
+        <p:nvSpPr>
+          <p:cNvPr id="3" name="Espaço Reservado para Conteúdo 2">
+            <a:extLst>
+              <a:ext uri="{FF2B5EF4-FFF2-40B4-BE49-F238E27FC236}">
+                <a16:creationId xmlns:a16="http://schemas.microsoft.com/office/drawing/2014/main" id="{73AEFE42-4BC6-4511-A763-B96C8C63BD65}"/>
+              </a:ext>
+            </a:extLst>
+          </p:cNvPr>
+          <p:cNvSpPr>
+            <a:spLocks noGrp="1"/>
+          </p:cNvSpPr>
+          <p:nvPr>
+            <p:ph idx="1"/>
+          </p:nvPr>
+        </p:nvSpPr>
+        <p:spPr/>
+        <p:txBody>
+          <a:bodyPr/>
+          <a:lstStyle/>
+          <a:p>
+            <a:pPr marL="0" indent="0" algn="just">
+              <a:buNone/>
+            </a:pPr>
+            <a:r>
+              <a:rPr lang="pt-BR" dirty="0"/>
+              <a:t>Assim como os computadores os dispositivos moveis podem ser usados para praticas maliciosas como furto de dados, envio de spam, propagação de códigos maliciosos, e pode fazer parte de </a:t>
+            </a:r>
+            <a:r>
+              <a:rPr lang="pt-BR" dirty="0" err="1"/>
+              <a:t>botnets</a:t>
+            </a:r>
+            <a:r>
+              <a:rPr lang="pt-BR" dirty="0"/>
+              <a:t> usado para disparar ataques a internet.</a:t>
+            </a:r>
+          </a:p>
+          <a:p>
+            <a:pPr marL="0" indent="0" algn="just">
+              <a:buNone/>
+            </a:pPr>
+            <a:r>
+              <a:rPr lang="pt-BR" dirty="0"/>
+              <a:t>Os cuidados com os dispositivos moveis são os mesmos que tomamos com os computadores pessoais, como manter sempre atualizado e utilizar mecanismos de segurança (antivírus).</a:t>
+            </a:r>
+          </a:p>
+          <a:p>
+            <a:pPr marL="0" indent="0" algn="just">
+              <a:buNone/>
+            </a:pPr>
+            <a:endParaRPr lang="pt-BR" dirty="0"/>
+          </a:p>
+        </p:txBody>
+      </p:sp>
+    </p:spTree>
+    <p:extLst>
+      <p:ext uri="{BB962C8B-B14F-4D97-AF65-F5344CB8AC3E}">
+        <p14:creationId xmlns:p14="http://schemas.microsoft.com/office/powerpoint/2010/main" val="2572307335"/>
       </p:ext>
     </p:extLst>
   </p:cSld>
@@ -12990,7 +12912,7 @@
           <p:cNvPr id="2" name="Título 1">
             <a:extLst>
               <a:ext uri="{FF2B5EF4-FFF2-40B4-BE49-F238E27FC236}">
-                <a16:creationId xmlns:a16="http://schemas.microsoft.com/office/drawing/2014/main" id="{0949C9F4-911C-4501-AE49-36837439B9E4}"/>
+                <a16:creationId xmlns:a16="http://schemas.microsoft.com/office/drawing/2014/main" id="{C383EB17-BE57-4973-B161-8F67C7864152}"/>
               </a:ext>
             </a:extLst>
           </p:cNvPr>
@@ -13007,8 +12929,28 @@
           <a:lstStyle/>
           <a:p>
             <a:r>
+              <a:rPr lang="pt-BR" dirty="0" err="1"/>
+              <a:t>IoT</a:t>
+            </a:r>
+            <a:r>
               <a:rPr lang="pt-BR" dirty="0"/>
-              <a:t>REFERÊNCIAS</a:t>
+              <a:t> (Internet </a:t>
+            </a:r>
+            <a:r>
+              <a:rPr lang="pt-BR" dirty="0" err="1"/>
+              <a:t>of</a:t>
+            </a:r>
+            <a:r>
+              <a:rPr lang="pt-BR" dirty="0"/>
+              <a:t> </a:t>
+            </a:r>
+            <a:r>
+              <a:rPr lang="pt-BR" dirty="0" err="1"/>
+              <a:t>Things</a:t>
+            </a:r>
+            <a:r>
+              <a:rPr lang="pt-BR" dirty="0"/>
+              <a:t>)</a:t>
             </a:r>
           </a:p>
         </p:txBody>
@@ -13018,7 +12960,7 @@
           <p:cNvPr id="3" name="Espaço Reservado para Conteúdo 2">
             <a:extLst>
               <a:ext uri="{FF2B5EF4-FFF2-40B4-BE49-F238E27FC236}">
-                <a16:creationId xmlns:a16="http://schemas.microsoft.com/office/drawing/2014/main" id="{2F4718F4-1257-4900-8607-37F747A4FBBF}"/>
+                <a16:creationId xmlns:a16="http://schemas.microsoft.com/office/drawing/2014/main" id="{807AE6BB-E3A8-4906-A903-59E6F0DD114A}"/>
               </a:ext>
             </a:extLst>
           </p:cNvPr>
@@ -13032,82 +12974,826 @@
         <p:spPr/>
         <p:txBody>
           <a:bodyPr>
-            <a:normAutofit/>
+            <a:normAutofit lnSpcReduction="10000"/>
           </a:bodyPr>
           <a:lstStyle/>
           <a:p>
-            <a:pPr marL="0" indent="0">
+            <a:pPr marL="0" indent="0" algn="just">
               <a:buNone/>
             </a:pPr>
             <a:r>
-              <a:rPr lang="pt-BR" sz="1800" dirty="0">
-                <a:solidFill>
-                  <a:srgbClr val="00B0F0"/>
-                </a:solidFill>
-                <a:hlinkClick r:id="rId2"/>
-              </a:rPr>
-              <a:t>http://www.blogsegurancadotrabalho.com.br/2015/08/o-que-e-iso.html</a:t>
-            </a:r>
-            <a:endParaRPr lang="pt-BR" sz="1800" dirty="0">
-              <a:solidFill>
-                <a:srgbClr val="00B0F0"/>
-              </a:solidFill>
-            </a:endParaRPr>
-          </a:p>
-          <a:p>
-            <a:pPr marL="0" indent="0">
+              <a:rPr lang="pt-BR" dirty="0"/>
+              <a:t>A internet das coisas são infraestruturas de redes dinâmicas globais, para se ter segurança e um ambiente </a:t>
+            </a:r>
+            <a:r>
+              <a:rPr lang="pt-BR" dirty="0" err="1"/>
+              <a:t>IoT</a:t>
+            </a:r>
+            <a:r>
+              <a:rPr lang="pt-BR" dirty="0"/>
+              <a:t> é preciso conciliar as prioridades de TI (tecnologia da informação) que é voltada para segurança da informação e de OT (tecnologia operacional) que é responsável por gerir redes de controle que suportem a infraestrutura crítica e os espaços físicos. </a:t>
+            </a:r>
+          </a:p>
+          <a:p>
+            <a:pPr marL="0" indent="0" algn="just">
               <a:buNone/>
             </a:pPr>
             <a:r>
-              <a:rPr lang="pt-BR" sz="1800" dirty="0">
-                <a:solidFill>
-                  <a:srgbClr val="00B0F0"/>
-                </a:solidFill>
-                <a:hlinkClick r:id="rId3"/>
-              </a:rPr>
-              <a:t>https://www.iso.org/home.html</a:t>
-            </a:r>
-            <a:endParaRPr lang="pt-BR" sz="1800" dirty="0">
-              <a:solidFill>
-                <a:srgbClr val="00B0F0"/>
-              </a:solidFill>
-            </a:endParaRPr>
-          </a:p>
-          <a:p>
-            <a:pPr marL="0" indent="0">
+              <a:rPr lang="pt-BR" dirty="0"/>
+              <a:t>Ao trabalhar em conjunto a segurança pode ser aplicada em toda a rede </a:t>
+            </a:r>
+            <a:r>
+              <a:rPr lang="pt-BR" dirty="0" err="1"/>
+              <a:t>IoT</a:t>
+            </a:r>
+            <a:r>
+              <a:rPr lang="pt-BR" dirty="0"/>
+              <a:t> considerando três abordagens, visibilidade em tempo real, consciência da ameaça, e ações quando são identificadas as ameaças.</a:t>
+            </a:r>
+          </a:p>
+          <a:p>
+            <a:pPr marL="0" indent="0" algn="just">
               <a:buNone/>
             </a:pPr>
-            <a:r>
-              <a:rPr lang="pt-BR" sz="1800" dirty="0">
-                <a:solidFill>
-                  <a:srgbClr val="00B0F0"/>
-                </a:solidFill>
-                <a:hlinkClick r:id="rId4"/>
-              </a:rPr>
-              <a:t>https://pt.linkedin.com/pulse/vale-pena-certificar-sua-organiza%C3%A7%C3%A3o-na-iso27001-da-julio-c</a:t>
-            </a:r>
-            <a:endParaRPr lang="pt-BR" sz="1800" dirty="0">
-              <a:solidFill>
-                <a:srgbClr val="00B0F0"/>
-              </a:solidFill>
-            </a:endParaRPr>
-          </a:p>
-          <a:p>
-            <a:pPr marL="0" indent="0">
-              <a:buNone/>
-            </a:pPr>
-            <a:endParaRPr lang="pt-BR" sz="1800" dirty="0">
-              <a:solidFill>
-                <a:srgbClr val="00B0F0"/>
-              </a:solidFill>
-            </a:endParaRPr>
+            <a:endParaRPr lang="pt-BR" dirty="0"/>
           </a:p>
         </p:txBody>
       </p:sp>
     </p:spTree>
     <p:extLst>
       <p:ext uri="{BB962C8B-B14F-4D97-AF65-F5344CB8AC3E}">
-        <p14:creationId xmlns:p14="http://schemas.microsoft.com/office/powerpoint/2010/main" val="1917295808"/>
+        <p14:creationId xmlns:p14="http://schemas.microsoft.com/office/powerpoint/2010/main" val="1115022316"/>
+      </p:ext>
+    </p:extLst>
+  </p:cSld>
+  <p:clrMapOvr>
+    <a:masterClrMapping/>
+  </p:clrMapOvr>
+</p:sld>
+</file>
+
+<file path=ppt/slides/slide14.xml><?xml version="1.0" encoding="utf-8"?>
+<p:sld xmlns:a="http://schemas.openxmlformats.org/drawingml/2006/main" xmlns:r="http://schemas.openxmlformats.org/officeDocument/2006/relationships" xmlns:p="http://schemas.openxmlformats.org/presentationml/2006/main">
+  <p:cSld>
+    <p:spTree>
+      <p:nvGrpSpPr>
+        <p:cNvPr id="1" name=""/>
+        <p:cNvGrpSpPr/>
+        <p:nvPr/>
+      </p:nvGrpSpPr>
+      <p:grpSpPr>
+        <a:xfrm>
+          <a:off x="0" y="0"/>
+          <a:ext cx="0" cy="0"/>
+          <a:chOff x="0" y="0"/>
+          <a:chExt cx="0" cy="0"/>
+        </a:xfrm>
+      </p:grpSpPr>
+      <p:sp>
+        <p:nvSpPr>
+          <p:cNvPr id="2" name="Título 1">
+            <a:extLst>
+              <a:ext uri="{FF2B5EF4-FFF2-40B4-BE49-F238E27FC236}">
+                <a16:creationId xmlns:a16="http://schemas.microsoft.com/office/drawing/2014/main" id="{74BDA617-383F-4EED-B704-43C38CE692D7}"/>
+              </a:ext>
+            </a:extLst>
+          </p:cNvPr>
+          <p:cNvSpPr>
+            <a:spLocks noGrp="1"/>
+          </p:cNvSpPr>
+          <p:nvPr>
+            <p:ph type="title"/>
+          </p:nvPr>
+        </p:nvSpPr>
+        <p:spPr/>
+        <p:txBody>
+          <a:bodyPr/>
+          <a:lstStyle/>
+          <a:p>
+            <a:r>
+              <a:rPr lang="pt-BR" dirty="0"/>
+              <a:t>Operações bancárias e comerciais</a:t>
+            </a:r>
+          </a:p>
+        </p:txBody>
+      </p:sp>
+      <p:sp>
+        <p:nvSpPr>
+          <p:cNvPr id="3" name="Espaço Reservado para Conteúdo 2">
+            <a:extLst>
+              <a:ext uri="{FF2B5EF4-FFF2-40B4-BE49-F238E27FC236}">
+                <a16:creationId xmlns:a16="http://schemas.microsoft.com/office/drawing/2014/main" id="{EF868BB3-82B0-4408-BCBF-37089026E66F}"/>
+              </a:ext>
+            </a:extLst>
+          </p:cNvPr>
+          <p:cNvSpPr>
+            <a:spLocks noGrp="1"/>
+          </p:cNvSpPr>
+          <p:nvPr>
+            <p:ph idx="1"/>
+          </p:nvPr>
+        </p:nvSpPr>
+        <p:spPr/>
+        <p:txBody>
+          <a:bodyPr>
+            <a:normAutofit fontScale="92500" lnSpcReduction="20000"/>
+          </a:bodyPr>
+          <a:lstStyle/>
+          <a:p>
+            <a:pPr marL="0" indent="0" algn="just">
+              <a:buNone/>
+            </a:pPr>
+            <a:r>
+              <a:rPr lang="pt-BR" dirty="0"/>
+              <a:t>Com o avanço da internet e dos dispositivos moveis, está cada vez mais comum fazer operações bancarias ou comerciais sem sair de casa, sem ter que ir a uma loja física, e como toda evolução esta também tem seu lado positivo e negativo. É preciso tomar algumas medidas básicas para se ter segurança neste tipo de operação:</a:t>
+            </a:r>
+          </a:p>
+          <a:p>
+            <a:pPr lvl="0" algn="just"/>
+            <a:r>
+              <a:rPr lang="pt-BR" dirty="0"/>
+              <a:t>Antivírus atualizado</a:t>
+            </a:r>
+          </a:p>
+          <a:p>
+            <a:pPr lvl="0" algn="just"/>
+            <a:r>
+              <a:rPr lang="pt-BR" dirty="0"/>
+              <a:t>Realizar transações em sites confiáveis</a:t>
+            </a:r>
+          </a:p>
+          <a:p>
+            <a:pPr lvl="0" algn="just"/>
+            <a:r>
+              <a:rPr lang="pt-BR" dirty="0"/>
+              <a:t>Verificar se o endereço apresentado é o que quer acessar</a:t>
+            </a:r>
+          </a:p>
+          <a:p>
+            <a:pPr lvl="0" algn="just"/>
+            <a:r>
+              <a:rPr lang="pt-BR" dirty="0"/>
+              <a:t>Não realizar transações me computadores públicos</a:t>
+            </a:r>
+          </a:p>
+        </p:txBody>
+      </p:sp>
+    </p:spTree>
+    <p:extLst>
+      <p:ext uri="{BB962C8B-B14F-4D97-AF65-F5344CB8AC3E}">
+        <p14:creationId xmlns:p14="http://schemas.microsoft.com/office/powerpoint/2010/main" val="1120376780"/>
+      </p:ext>
+    </p:extLst>
+  </p:cSld>
+  <p:clrMapOvr>
+    <a:masterClrMapping/>
+  </p:clrMapOvr>
+</p:sld>
+</file>
+
+<file path=ppt/slides/slide15.xml><?xml version="1.0" encoding="utf-8"?>
+<p:sld xmlns:a="http://schemas.openxmlformats.org/drawingml/2006/main" xmlns:r="http://schemas.openxmlformats.org/officeDocument/2006/relationships" xmlns:p="http://schemas.openxmlformats.org/presentationml/2006/main">
+  <p:cSld>
+    <p:spTree>
+      <p:nvGrpSpPr>
+        <p:cNvPr id="1" name=""/>
+        <p:cNvGrpSpPr/>
+        <p:nvPr/>
+      </p:nvGrpSpPr>
+      <p:grpSpPr>
+        <a:xfrm>
+          <a:off x="0" y="0"/>
+          <a:ext cx="0" cy="0"/>
+          <a:chOff x="0" y="0"/>
+          <a:chExt cx="0" cy="0"/>
+        </a:xfrm>
+      </p:grpSpPr>
+      <p:sp>
+        <p:nvSpPr>
+          <p:cNvPr id="2" name="Título 1">
+            <a:extLst>
+              <a:ext uri="{FF2B5EF4-FFF2-40B4-BE49-F238E27FC236}">
+                <a16:creationId xmlns:a16="http://schemas.microsoft.com/office/drawing/2014/main" id="{E0727455-73BF-4D41-99F3-DBD7FC2D6F65}"/>
+              </a:ext>
+            </a:extLst>
+          </p:cNvPr>
+          <p:cNvSpPr>
+            <a:spLocks noGrp="1"/>
+          </p:cNvSpPr>
+          <p:nvPr>
+            <p:ph type="title"/>
+          </p:nvPr>
+        </p:nvSpPr>
+        <p:spPr/>
+        <p:txBody>
+          <a:bodyPr/>
+          <a:lstStyle/>
+          <a:p>
+            <a:r>
+              <a:rPr lang="pt-BR" dirty="0"/>
+              <a:t>Senhas seguras</a:t>
+            </a:r>
+          </a:p>
+        </p:txBody>
+      </p:sp>
+      <p:sp>
+        <p:nvSpPr>
+          <p:cNvPr id="3" name="Espaço Reservado para Conteúdo 2">
+            <a:extLst>
+              <a:ext uri="{FF2B5EF4-FFF2-40B4-BE49-F238E27FC236}">
+                <a16:creationId xmlns:a16="http://schemas.microsoft.com/office/drawing/2014/main" id="{5356D493-77D3-46A6-8789-D82C69D912E1}"/>
+              </a:ext>
+            </a:extLst>
+          </p:cNvPr>
+          <p:cNvSpPr>
+            <a:spLocks noGrp="1"/>
+          </p:cNvSpPr>
+          <p:nvPr>
+            <p:ph idx="1"/>
+          </p:nvPr>
+        </p:nvSpPr>
+        <p:spPr/>
+        <p:txBody>
+          <a:bodyPr>
+            <a:normAutofit fontScale="92500" lnSpcReduction="10000"/>
+          </a:bodyPr>
+          <a:lstStyle/>
+          <a:p>
+            <a:pPr marL="0" indent="0" algn="just">
+              <a:buNone/>
+            </a:pPr>
+            <a:r>
+              <a:rPr lang="pt-BR" dirty="0"/>
+              <a:t>Hoje a segurança é mais importante que nunca. Com o aumento de transações online, redes sociais, e transferência de arquivos corporativos por e-mail, uma boa senha é essencial. Softwares desenvolvidos para invasão são de fácil acesso para todos. Com o uso da engenharia social, crackers aproveitam da ingenuidade de pessoas para a invasão e roubo de dados.</a:t>
+            </a:r>
+          </a:p>
+          <a:p>
+            <a:pPr marL="0" indent="0" algn="just">
+              <a:buNone/>
+            </a:pPr>
+            <a:r>
+              <a:rPr lang="pt-BR" dirty="0"/>
+              <a:t>É simples se proteger: evitar datas importantes, iniciais do nome, nome de animais, parentes, ou hobbies, procurar usar letras e números, maiúsculas e minúsculas. Ás vezes danos morais não são levados a sério, contrário disso os danos financeiros são mais temidos.</a:t>
+            </a:r>
+          </a:p>
+        </p:txBody>
+      </p:sp>
+    </p:spTree>
+    <p:extLst>
+      <p:ext uri="{BB962C8B-B14F-4D97-AF65-F5344CB8AC3E}">
+        <p14:creationId xmlns:p14="http://schemas.microsoft.com/office/powerpoint/2010/main" val="1450238941"/>
+      </p:ext>
+    </p:extLst>
+  </p:cSld>
+  <p:clrMapOvr>
+    <a:masterClrMapping/>
+  </p:clrMapOvr>
+</p:sld>
+</file>
+
+<file path=ppt/slides/slide16.xml><?xml version="1.0" encoding="utf-8"?>
+<p:sld xmlns:a="http://schemas.openxmlformats.org/drawingml/2006/main" xmlns:r="http://schemas.openxmlformats.org/officeDocument/2006/relationships" xmlns:p="http://schemas.openxmlformats.org/presentationml/2006/main">
+  <p:cSld>
+    <p:spTree>
+      <p:nvGrpSpPr>
+        <p:cNvPr id="1" name=""/>
+        <p:cNvGrpSpPr/>
+        <p:nvPr/>
+      </p:nvGrpSpPr>
+      <p:grpSpPr>
+        <a:xfrm>
+          <a:off x="0" y="0"/>
+          <a:ext cx="0" cy="0"/>
+          <a:chOff x="0" y="0"/>
+          <a:chExt cx="0" cy="0"/>
+        </a:xfrm>
+      </p:grpSpPr>
+      <p:sp>
+        <p:nvSpPr>
+          <p:cNvPr id="2" name="Título 1">
+            <a:extLst>
+              <a:ext uri="{FF2B5EF4-FFF2-40B4-BE49-F238E27FC236}">
+                <a16:creationId xmlns:a16="http://schemas.microsoft.com/office/drawing/2014/main" id="{8F9E3017-77AE-4A7C-BD30-003AD7E7713E}"/>
+              </a:ext>
+            </a:extLst>
+          </p:cNvPr>
+          <p:cNvSpPr>
+            <a:spLocks noGrp="1"/>
+          </p:cNvSpPr>
+          <p:nvPr>
+            <p:ph type="title"/>
+          </p:nvPr>
+        </p:nvSpPr>
+        <p:spPr/>
+        <p:txBody>
+          <a:bodyPr/>
+          <a:lstStyle/>
+          <a:p>
+            <a:r>
+              <a:rPr lang="pt-BR" dirty="0" err="1"/>
+              <a:t>Cybersecurity</a:t>
+            </a:r>
+            <a:endParaRPr lang="pt-BR" dirty="0"/>
+          </a:p>
+        </p:txBody>
+      </p:sp>
+      <p:sp>
+        <p:nvSpPr>
+          <p:cNvPr id="3" name="Espaço Reservado para Conteúdo 2">
+            <a:extLst>
+              <a:ext uri="{FF2B5EF4-FFF2-40B4-BE49-F238E27FC236}">
+                <a16:creationId xmlns:a16="http://schemas.microsoft.com/office/drawing/2014/main" id="{B5AAB9E8-FB1A-48FB-9E60-257EEE17DDC9}"/>
+              </a:ext>
+            </a:extLst>
+          </p:cNvPr>
+          <p:cNvSpPr>
+            <a:spLocks noGrp="1"/>
+          </p:cNvSpPr>
+          <p:nvPr>
+            <p:ph idx="1"/>
+          </p:nvPr>
+        </p:nvSpPr>
+        <p:spPr/>
+        <p:txBody>
+          <a:bodyPr>
+            <a:normAutofit fontScale="92500"/>
+          </a:bodyPr>
+          <a:lstStyle/>
+          <a:p>
+            <a:pPr marL="0" indent="0" algn="just">
+              <a:buNone/>
+            </a:pPr>
+            <a:r>
+              <a:rPr lang="pt-BR" dirty="0"/>
+              <a:t>É um termo que usamos para proteção de computadores, redes, programas e dados contra o acesso não autorizado, ou alteração e destruição dos mesmos. Está cada vez mais comuns notícias sobre informações sigilosas roubadas e publicadas na internet.</a:t>
+            </a:r>
+          </a:p>
+          <a:p>
+            <a:pPr marL="0" indent="0" algn="just">
+              <a:buNone/>
+            </a:pPr>
+            <a:r>
+              <a:rPr lang="pt-BR" dirty="0"/>
+              <a:t>Existe três aspectos importantes na </a:t>
+            </a:r>
+            <a:r>
+              <a:rPr lang="pt-BR" dirty="0" err="1"/>
+              <a:t>cybersecurity</a:t>
+            </a:r>
+            <a:r>
+              <a:rPr lang="pt-BR" dirty="0"/>
+              <a:t>:</a:t>
+            </a:r>
+          </a:p>
+          <a:p>
+            <a:pPr lvl="0" algn="just"/>
+            <a:r>
+              <a:rPr lang="pt-BR" dirty="0"/>
+              <a:t>Integridade;</a:t>
+            </a:r>
+          </a:p>
+          <a:p>
+            <a:pPr lvl="0" algn="just"/>
+            <a:r>
+              <a:rPr lang="pt-BR" dirty="0"/>
+              <a:t>Confidencialidade;</a:t>
+            </a:r>
+          </a:p>
+          <a:p>
+            <a:pPr lvl="0" algn="just"/>
+            <a:r>
+              <a:rPr lang="pt-BR" dirty="0"/>
+              <a:t>Disponibilidade.</a:t>
+            </a:r>
+          </a:p>
+          <a:p>
+            <a:pPr marL="0" indent="0" algn="just">
+              <a:buNone/>
+            </a:pPr>
+            <a:endParaRPr lang="pt-BR" dirty="0"/>
+          </a:p>
+        </p:txBody>
+      </p:sp>
+    </p:spTree>
+    <p:extLst>
+      <p:ext uri="{BB962C8B-B14F-4D97-AF65-F5344CB8AC3E}">
+        <p14:creationId xmlns:p14="http://schemas.microsoft.com/office/powerpoint/2010/main" val="637858062"/>
+      </p:ext>
+    </p:extLst>
+  </p:cSld>
+  <p:clrMapOvr>
+    <a:masterClrMapping/>
+  </p:clrMapOvr>
+</p:sld>
+</file>
+
+<file path=ppt/slides/slide17.xml><?xml version="1.0" encoding="utf-8"?>
+<p:sld xmlns:a="http://schemas.openxmlformats.org/drawingml/2006/main" xmlns:r="http://schemas.openxmlformats.org/officeDocument/2006/relationships" xmlns:p="http://schemas.openxmlformats.org/presentationml/2006/main">
+  <p:cSld>
+    <p:spTree>
+      <p:nvGrpSpPr>
+        <p:cNvPr id="1" name=""/>
+        <p:cNvGrpSpPr/>
+        <p:nvPr/>
+      </p:nvGrpSpPr>
+      <p:grpSpPr>
+        <a:xfrm>
+          <a:off x="0" y="0"/>
+          <a:ext cx="0" cy="0"/>
+          <a:chOff x="0" y="0"/>
+          <a:chExt cx="0" cy="0"/>
+        </a:xfrm>
+      </p:grpSpPr>
+      <p:sp>
+        <p:nvSpPr>
+          <p:cNvPr id="2" name="Título 1">
+            <a:extLst>
+              <a:ext uri="{FF2B5EF4-FFF2-40B4-BE49-F238E27FC236}">
+                <a16:creationId xmlns:a16="http://schemas.microsoft.com/office/drawing/2014/main" id="{E0ECEE8E-8167-4960-88EE-BC349E01C76F}"/>
+              </a:ext>
+            </a:extLst>
+          </p:cNvPr>
+          <p:cNvSpPr>
+            <a:spLocks noGrp="1"/>
+          </p:cNvSpPr>
+          <p:nvPr>
+            <p:ph type="title"/>
+          </p:nvPr>
+        </p:nvSpPr>
+        <p:spPr/>
+        <p:txBody>
+          <a:bodyPr/>
+          <a:lstStyle/>
+          <a:p>
+            <a:r>
+              <a:rPr lang="pt-BR" dirty="0"/>
+              <a:t>A importância do </a:t>
+            </a:r>
+            <a:r>
+              <a:rPr lang="pt-BR" dirty="0" err="1"/>
+              <a:t>Cybersecurity</a:t>
+            </a:r>
+            <a:endParaRPr lang="pt-BR" dirty="0"/>
+          </a:p>
+        </p:txBody>
+      </p:sp>
+      <p:sp>
+        <p:nvSpPr>
+          <p:cNvPr id="3" name="Espaço Reservado para Conteúdo 2">
+            <a:extLst>
+              <a:ext uri="{FF2B5EF4-FFF2-40B4-BE49-F238E27FC236}">
+                <a16:creationId xmlns:a16="http://schemas.microsoft.com/office/drawing/2014/main" id="{BD1AB611-E67C-4803-8669-6FB0791214C5}"/>
+              </a:ext>
+            </a:extLst>
+          </p:cNvPr>
+          <p:cNvSpPr>
+            <a:spLocks noGrp="1"/>
+          </p:cNvSpPr>
+          <p:nvPr>
+            <p:ph idx="1"/>
+          </p:nvPr>
+        </p:nvSpPr>
+        <p:spPr/>
+        <p:txBody>
+          <a:bodyPr>
+            <a:normAutofit fontScale="85000" lnSpcReduction="10000"/>
+          </a:bodyPr>
+          <a:lstStyle/>
+          <a:p>
+            <a:pPr marL="0" indent="0" algn="just">
+              <a:buNone/>
+            </a:pPr>
+            <a:r>
+              <a:rPr lang="pt-BR" dirty="0"/>
+              <a:t>Governos, militares, corporações, instituições financeiras, hospitais, dentre outras organizações recolhem, armazenam, e processam uma grande quantidade de informações sigilosas em seus computadores, e transmitem esses dados através da rede para vários lugares do mundo. Como os ataques vêm crescendo e ficando cada vez mais sofisticados é preciso atenção continua para proteger esses dados importantes. </a:t>
+            </a:r>
+          </a:p>
+          <a:p>
+            <a:pPr marL="0" indent="0" algn="just">
+              <a:buNone/>
+            </a:pPr>
+            <a:r>
+              <a:rPr lang="pt-BR" b="1" dirty="0"/>
+              <a:t>O que fazer para evitar?</a:t>
+            </a:r>
+            <a:endParaRPr lang="pt-BR" dirty="0"/>
+          </a:p>
+          <a:p>
+            <a:pPr marL="0" indent="0" algn="just">
+              <a:buNone/>
+            </a:pPr>
+            <a:r>
+              <a:rPr lang="pt-BR" dirty="0"/>
+              <a:t>O setor da tecnologia da informação precisa estar bem preparado, investir em praticas modernas de segurança, como antivírus conceituado, firewall com recursos de ultima geração, investir em políticas de segurança da informação.</a:t>
+            </a:r>
+          </a:p>
+          <a:p>
+            <a:pPr marL="0" indent="0" algn="just">
+              <a:buNone/>
+            </a:pPr>
+            <a:endParaRPr lang="pt-BR" dirty="0"/>
+          </a:p>
+        </p:txBody>
+      </p:sp>
+    </p:spTree>
+    <p:extLst>
+      <p:ext uri="{BB962C8B-B14F-4D97-AF65-F5344CB8AC3E}">
+        <p14:creationId xmlns:p14="http://schemas.microsoft.com/office/powerpoint/2010/main" val="3583342794"/>
+      </p:ext>
+    </p:extLst>
+  </p:cSld>
+  <p:clrMapOvr>
+    <a:masterClrMapping/>
+  </p:clrMapOvr>
+</p:sld>
+</file>
+
+<file path=ppt/slides/slide18.xml><?xml version="1.0" encoding="utf-8"?>
+<p:sld xmlns:a="http://schemas.openxmlformats.org/drawingml/2006/main" xmlns:r="http://schemas.openxmlformats.org/officeDocument/2006/relationships" xmlns:p="http://schemas.openxmlformats.org/presentationml/2006/main">
+  <p:cSld>
+    <p:spTree>
+      <p:nvGrpSpPr>
+        <p:cNvPr id="1" name=""/>
+        <p:cNvGrpSpPr/>
+        <p:nvPr/>
+      </p:nvGrpSpPr>
+      <p:grpSpPr>
+        <a:xfrm>
+          <a:off x="0" y="0"/>
+          <a:ext cx="0" cy="0"/>
+          <a:chOff x="0" y="0"/>
+          <a:chExt cx="0" cy="0"/>
+        </a:xfrm>
+      </p:grpSpPr>
+      <p:sp>
+        <p:nvSpPr>
+          <p:cNvPr id="2" name="Título 1">
+            <a:extLst>
+              <a:ext uri="{FF2B5EF4-FFF2-40B4-BE49-F238E27FC236}">
+                <a16:creationId xmlns:a16="http://schemas.microsoft.com/office/drawing/2014/main" id="{D82C342C-663A-4CAB-B691-3FD011631B81}"/>
+              </a:ext>
+            </a:extLst>
+          </p:cNvPr>
+          <p:cNvSpPr>
+            <a:spLocks noGrp="1"/>
+          </p:cNvSpPr>
+          <p:nvPr>
+            <p:ph type="title"/>
+          </p:nvPr>
+        </p:nvSpPr>
+        <p:spPr>
+          <a:xfrm>
+            <a:off x="1141413" y="618518"/>
+            <a:ext cx="9905998" cy="1305816"/>
+          </a:xfrm>
+        </p:spPr>
+        <p:txBody>
+          <a:bodyPr/>
+          <a:lstStyle/>
+          <a:p>
+            <a:r>
+              <a:rPr lang="pt-BR" dirty="0" err="1"/>
+              <a:t>CyberCrime</a:t>
+            </a:r>
+            <a:endParaRPr lang="pt-BR" dirty="0"/>
+          </a:p>
+        </p:txBody>
+      </p:sp>
+      <p:sp>
+        <p:nvSpPr>
+          <p:cNvPr id="3" name="Espaço Reservado para Conteúdo 2">
+            <a:extLst>
+              <a:ext uri="{FF2B5EF4-FFF2-40B4-BE49-F238E27FC236}">
+                <a16:creationId xmlns:a16="http://schemas.microsoft.com/office/drawing/2014/main" id="{533CFD94-4492-4F87-92EF-1FF879C2DBE6}"/>
+              </a:ext>
+            </a:extLst>
+          </p:cNvPr>
+          <p:cNvSpPr>
+            <a:spLocks noGrp="1"/>
+          </p:cNvSpPr>
+          <p:nvPr>
+            <p:ph idx="1"/>
+          </p:nvPr>
+        </p:nvSpPr>
+        <p:spPr>
+          <a:xfrm>
+            <a:off x="1141412" y="1787854"/>
+            <a:ext cx="9905999" cy="4804012"/>
+          </a:xfrm>
+        </p:spPr>
+        <p:txBody>
+          <a:bodyPr>
+            <a:normAutofit fontScale="92500" lnSpcReduction="20000"/>
+          </a:bodyPr>
+          <a:lstStyle/>
+          <a:p>
+            <a:pPr marL="0" indent="0" algn="just">
+              <a:buNone/>
+            </a:pPr>
+            <a:r>
+              <a:rPr lang="pt-BR" dirty="0"/>
+              <a:t>São crimes cibernéticos que envolve qualquer atividade ou pratica ilícita na rede, como por exemplo invasões de sistema, disseminação de vírus, roubo de dados pessoais, falsidade ideológica, acesso a informações pessoais, entre outros. O </a:t>
+            </a:r>
+            <a:r>
+              <a:rPr lang="pt-BR" dirty="0" err="1"/>
+              <a:t>cybercrime</a:t>
+            </a:r>
+            <a:r>
+              <a:rPr lang="pt-BR" dirty="0"/>
+              <a:t> compreende também crimes realizados por meio de dispositivos eletrônicos ou qualquer ação digital para praticar al crime.</a:t>
+            </a:r>
+          </a:p>
+          <a:p>
+            <a:pPr marL="0" indent="0" algn="just">
+              <a:buNone/>
+            </a:pPr>
+            <a:r>
+              <a:rPr lang="pt-BR" dirty="0"/>
+              <a:t>Principais crimes cibernéticos:</a:t>
+            </a:r>
+          </a:p>
+          <a:p>
+            <a:pPr lvl="0" algn="just"/>
+            <a:r>
+              <a:rPr lang="pt-BR" dirty="0"/>
+              <a:t>Pornografia infantil;</a:t>
+            </a:r>
+          </a:p>
+          <a:p>
+            <a:pPr lvl="0" algn="just"/>
+            <a:r>
+              <a:rPr lang="pt-BR" dirty="0"/>
+              <a:t>Lavagem de dinheiro;</a:t>
+            </a:r>
+          </a:p>
+          <a:p>
+            <a:pPr lvl="0" algn="just"/>
+            <a:r>
+              <a:rPr lang="pt-BR" dirty="0" err="1"/>
+              <a:t>Ciberterrorismo</a:t>
+            </a:r>
+            <a:r>
+              <a:rPr lang="pt-BR" dirty="0"/>
+              <a:t>;</a:t>
+            </a:r>
+          </a:p>
+          <a:p>
+            <a:pPr lvl="0" algn="just"/>
+            <a:r>
+              <a:rPr lang="pt-BR" dirty="0" err="1"/>
+              <a:t>Ciberativismo</a:t>
+            </a:r>
+            <a:r>
+              <a:rPr lang="pt-BR" dirty="0"/>
+              <a:t>;</a:t>
+            </a:r>
+          </a:p>
+          <a:p>
+            <a:pPr lvl="0" algn="just"/>
+            <a:r>
+              <a:rPr lang="pt-BR" dirty="0"/>
+              <a:t>Roubo.</a:t>
+            </a:r>
+          </a:p>
+        </p:txBody>
+      </p:sp>
+    </p:spTree>
+    <p:extLst>
+      <p:ext uri="{BB962C8B-B14F-4D97-AF65-F5344CB8AC3E}">
+        <p14:creationId xmlns:p14="http://schemas.microsoft.com/office/powerpoint/2010/main" val="129438570"/>
+      </p:ext>
+    </p:extLst>
+  </p:cSld>
+  <p:clrMapOvr>
+    <a:masterClrMapping/>
+  </p:clrMapOvr>
+</p:sld>
+</file>
+
+<file path=ppt/slides/slide19.xml><?xml version="1.0" encoding="utf-8"?>
+<p:sld xmlns:a="http://schemas.openxmlformats.org/drawingml/2006/main" xmlns:r="http://schemas.openxmlformats.org/officeDocument/2006/relationships" xmlns:p="http://schemas.openxmlformats.org/presentationml/2006/main">
+  <p:cSld>
+    <p:spTree>
+      <p:nvGrpSpPr>
+        <p:cNvPr id="1" name=""/>
+        <p:cNvGrpSpPr/>
+        <p:nvPr/>
+      </p:nvGrpSpPr>
+      <p:grpSpPr>
+        <a:xfrm>
+          <a:off x="0" y="0"/>
+          <a:ext cx="0" cy="0"/>
+          <a:chOff x="0" y="0"/>
+          <a:chExt cx="0" cy="0"/>
+        </a:xfrm>
+      </p:grpSpPr>
+      <p:sp>
+        <p:nvSpPr>
+          <p:cNvPr id="2" name="Título 1">
+            <a:extLst>
+              <a:ext uri="{FF2B5EF4-FFF2-40B4-BE49-F238E27FC236}">
+                <a16:creationId xmlns:a16="http://schemas.microsoft.com/office/drawing/2014/main" id="{0E9B584B-FAB3-4D26-8B17-BA671443F4B3}"/>
+              </a:ext>
+            </a:extLst>
+          </p:cNvPr>
+          <p:cNvSpPr>
+            <a:spLocks noGrp="1"/>
+          </p:cNvSpPr>
+          <p:nvPr>
+            <p:ph type="title"/>
+          </p:nvPr>
+        </p:nvSpPr>
+        <p:spPr/>
+        <p:txBody>
+          <a:bodyPr/>
+          <a:lstStyle/>
+          <a:p>
+            <a:r>
+              <a:rPr lang="pt-BR" dirty="0" err="1"/>
+              <a:t>CYBERCrime</a:t>
+            </a:r>
+            <a:r>
+              <a:rPr lang="pt-BR" dirty="0"/>
+              <a:t> (</a:t>
+            </a:r>
+            <a:r>
+              <a:rPr lang="pt-BR" cap="none" dirty="0" err="1"/>
+              <a:t>cont</a:t>
+            </a:r>
+            <a:r>
+              <a:rPr lang="pt-BR" dirty="0"/>
+              <a:t>)</a:t>
+            </a:r>
+          </a:p>
+        </p:txBody>
+      </p:sp>
+      <p:sp>
+        <p:nvSpPr>
+          <p:cNvPr id="3" name="Espaço Reservado para Conteúdo 2">
+            <a:extLst>
+              <a:ext uri="{FF2B5EF4-FFF2-40B4-BE49-F238E27FC236}">
+                <a16:creationId xmlns:a16="http://schemas.microsoft.com/office/drawing/2014/main" id="{3BAE683E-A7AA-4486-9D56-A2DD0DA60AC3}"/>
+              </a:ext>
+            </a:extLst>
+          </p:cNvPr>
+          <p:cNvSpPr>
+            <a:spLocks noGrp="1"/>
+          </p:cNvSpPr>
+          <p:nvPr>
+            <p:ph idx="1"/>
+          </p:nvPr>
+        </p:nvSpPr>
+        <p:spPr/>
+        <p:txBody>
+          <a:bodyPr/>
+          <a:lstStyle/>
+          <a:p>
+            <a:pPr marL="0" indent="0" algn="just">
+              <a:buNone/>
+            </a:pPr>
+            <a:r>
+              <a:rPr lang="pt-BR" b="1" dirty="0"/>
+              <a:t>O que fazer para evitar?</a:t>
+            </a:r>
+            <a:endParaRPr lang="pt-BR" dirty="0"/>
+          </a:p>
+          <a:p>
+            <a:pPr marL="0" indent="0" algn="just">
+              <a:buNone/>
+            </a:pPr>
+            <a:r>
+              <a:rPr lang="pt-BR" dirty="0"/>
+              <a:t>Não abrir </a:t>
+            </a:r>
+            <a:r>
+              <a:rPr lang="pt-BR" dirty="0" err="1"/>
+              <a:t>email</a:t>
+            </a:r>
+            <a:r>
+              <a:rPr lang="pt-BR" dirty="0"/>
+              <a:t> com anexo suspeito vindo de pessoas desconhecidas e também desconfiar de </a:t>
+            </a:r>
+            <a:r>
+              <a:rPr lang="pt-BR" dirty="0" err="1"/>
+              <a:t>email</a:t>
+            </a:r>
+            <a:r>
+              <a:rPr lang="pt-BR" dirty="0"/>
+              <a:t> de ofertas, evitar sites pouco conhecidos ou com conteúdo duvidoso. Manter o antivírus e o firewall ativo e atualizado.</a:t>
+            </a:r>
+          </a:p>
+          <a:p>
+            <a:pPr marL="0" indent="0">
+              <a:buNone/>
+            </a:pPr>
+            <a:endParaRPr lang="pt-BR" dirty="0"/>
+          </a:p>
+        </p:txBody>
+      </p:sp>
+    </p:spTree>
+    <p:extLst>
+      <p:ext uri="{BB962C8B-B14F-4D97-AF65-F5344CB8AC3E}">
+        <p14:creationId xmlns:p14="http://schemas.microsoft.com/office/powerpoint/2010/main" val="1578481209"/>
       </p:ext>
     </p:extLst>
   </p:cSld>
@@ -13252,138 +13938,686 @@
   <p:clrMapOvr>
     <a:masterClrMapping/>
   </p:clrMapOvr>
-  <p:timing>
-    <p:tnLst>
-      <p:par>
-        <p:cTn id="1" dur="indefinite" restart="never" nodeType="tmRoot">
-          <p:childTnLst>
-            <p:seq concurrent="1" nextAc="seek">
-              <p:cTn id="2" dur="indefinite" nodeType="mainSeq">
-                <p:childTnLst>
-                  <p:par>
-                    <p:cTn id="3" fill="hold">
-                      <p:stCondLst>
-                        <p:cond delay="indefinite"/>
-                      </p:stCondLst>
-                      <p:childTnLst>
-                        <p:par>
-                          <p:cTn id="4" fill="hold">
-                            <p:stCondLst>
-                              <p:cond delay="0"/>
-                            </p:stCondLst>
-                            <p:childTnLst>
-                              <p:par>
-                                <p:cTn id="5" presetID="53" presetClass="entr" presetSubtype="16" fill="hold" grpId="0" nodeType="clickEffect">
-                                  <p:stCondLst>
-                                    <p:cond delay="0"/>
-                                  </p:stCondLst>
-                                  <p:childTnLst>
-                                    <p:set>
-                                      <p:cBhvr>
-                                        <p:cTn id="6" dur="1" fill="hold">
-                                          <p:stCondLst>
-                                            <p:cond delay="0"/>
-                                          </p:stCondLst>
-                                        </p:cTn>
-                                        <p:tgtEl>
-                                          <p:spTgt spid="4"/>
-                                        </p:tgtEl>
-                                        <p:attrNameLst>
-                                          <p:attrName>style.visibility</p:attrName>
-                                        </p:attrNameLst>
-                                      </p:cBhvr>
-                                      <p:to>
-                                        <p:strVal val="visible"/>
-                                      </p:to>
-                                    </p:set>
-                                    <p:anim calcmode="lin" valueType="num">
-                                      <p:cBhvr>
-                                        <p:cTn id="7" dur="500" fill="hold"/>
-                                        <p:tgtEl>
-                                          <p:spTgt spid="4"/>
-                                        </p:tgtEl>
-                                        <p:attrNameLst>
-                                          <p:attrName>ppt_w</p:attrName>
-                                        </p:attrNameLst>
-                                      </p:cBhvr>
-                                      <p:tavLst>
-                                        <p:tav tm="0">
-                                          <p:val>
-                                            <p:fltVal val="0"/>
-                                          </p:val>
-                                        </p:tav>
-                                        <p:tav tm="100000">
-                                          <p:val>
-                                            <p:strVal val="#ppt_w"/>
-                                          </p:val>
-                                        </p:tav>
-                                      </p:tavLst>
-                                    </p:anim>
-                                    <p:anim calcmode="lin" valueType="num">
-                                      <p:cBhvr>
-                                        <p:cTn id="8" dur="500" fill="hold"/>
-                                        <p:tgtEl>
-                                          <p:spTgt spid="4"/>
-                                        </p:tgtEl>
-                                        <p:attrNameLst>
-                                          <p:attrName>ppt_h</p:attrName>
-                                        </p:attrNameLst>
-                                      </p:cBhvr>
-                                      <p:tavLst>
-                                        <p:tav tm="0">
-                                          <p:val>
-                                            <p:fltVal val="0"/>
-                                          </p:val>
-                                        </p:tav>
-                                        <p:tav tm="100000">
-                                          <p:val>
-                                            <p:strVal val="#ppt_h"/>
-                                          </p:val>
-                                        </p:tav>
-                                      </p:tavLst>
-                                    </p:anim>
-                                    <p:animEffect transition="in" filter="fade">
-                                      <p:cBhvr>
-                                        <p:cTn id="9" dur="500"/>
-                                        <p:tgtEl>
-                                          <p:spTgt spid="4"/>
-                                        </p:tgtEl>
-                                      </p:cBhvr>
-                                    </p:animEffect>
-                                  </p:childTnLst>
-                                </p:cTn>
-                              </p:par>
-                            </p:childTnLst>
-                          </p:cTn>
-                        </p:par>
-                      </p:childTnLst>
-                    </p:cTn>
-                  </p:par>
-                </p:childTnLst>
-              </p:cTn>
-              <p:prevCondLst>
-                <p:cond evt="onPrev" delay="0">
-                  <p:tgtEl>
-                    <p:sldTgt/>
-                  </p:tgtEl>
-                </p:cond>
-              </p:prevCondLst>
-              <p:nextCondLst>
-                <p:cond evt="onNext" delay="0">
-                  <p:tgtEl>
-                    <p:sldTgt/>
-                  </p:tgtEl>
-                </p:cond>
-              </p:nextCondLst>
-            </p:seq>
-          </p:childTnLst>
-        </p:cTn>
-      </p:par>
-    </p:tnLst>
-    <p:bldLst>
-      <p:bldP spid="4" grpId="0"/>
-    </p:bldLst>
-  </p:timing>
+</p:sld>
+</file>
+
+<file path=ppt/slides/slide20.xml><?xml version="1.0" encoding="utf-8"?>
+<p:sld xmlns:a="http://schemas.openxmlformats.org/drawingml/2006/main" xmlns:r="http://schemas.openxmlformats.org/officeDocument/2006/relationships" xmlns:p="http://schemas.openxmlformats.org/presentationml/2006/main">
+  <p:cSld>
+    <p:spTree>
+      <p:nvGrpSpPr>
+        <p:cNvPr id="1" name=""/>
+        <p:cNvGrpSpPr/>
+        <p:nvPr/>
+      </p:nvGrpSpPr>
+      <p:grpSpPr>
+        <a:xfrm>
+          <a:off x="0" y="0"/>
+          <a:ext cx="0" cy="0"/>
+          <a:chOff x="0" y="0"/>
+          <a:chExt cx="0" cy="0"/>
+        </a:xfrm>
+      </p:grpSpPr>
+      <p:sp>
+        <p:nvSpPr>
+          <p:cNvPr id="2" name="Título 1">
+            <a:extLst>
+              <a:ext uri="{FF2B5EF4-FFF2-40B4-BE49-F238E27FC236}">
+                <a16:creationId xmlns:a16="http://schemas.microsoft.com/office/drawing/2014/main" id="{ADC583B2-1603-44A7-9538-09114D08EF0A}"/>
+              </a:ext>
+            </a:extLst>
+          </p:cNvPr>
+          <p:cNvSpPr>
+            <a:spLocks noGrp="1"/>
+          </p:cNvSpPr>
+          <p:nvPr>
+            <p:ph type="title"/>
+          </p:nvPr>
+        </p:nvSpPr>
+        <p:spPr/>
+        <p:txBody>
+          <a:bodyPr/>
+          <a:lstStyle/>
+          <a:p>
+            <a:r>
+              <a:rPr lang="pt-BR" dirty="0" err="1"/>
+              <a:t>cyberwar</a:t>
+            </a:r>
+            <a:endParaRPr lang="pt-BR" dirty="0"/>
+          </a:p>
+        </p:txBody>
+      </p:sp>
+      <p:sp>
+        <p:nvSpPr>
+          <p:cNvPr id="3" name="Espaço Reservado para Conteúdo 2">
+            <a:extLst>
+              <a:ext uri="{FF2B5EF4-FFF2-40B4-BE49-F238E27FC236}">
+                <a16:creationId xmlns:a16="http://schemas.microsoft.com/office/drawing/2014/main" id="{E9296F0C-2ED1-4A29-9F4B-25A026FF4095}"/>
+              </a:ext>
+            </a:extLst>
+          </p:cNvPr>
+          <p:cNvSpPr>
+            <a:spLocks noGrp="1"/>
+          </p:cNvSpPr>
+          <p:nvPr>
+            <p:ph idx="1"/>
+          </p:nvPr>
+        </p:nvSpPr>
+        <p:spPr/>
+        <p:txBody>
+          <a:bodyPr/>
+          <a:lstStyle/>
+          <a:p>
+            <a:pPr marL="0" indent="0" algn="just">
+              <a:buNone/>
+            </a:pPr>
+            <a:r>
+              <a:rPr lang="pt-BR" dirty="0"/>
+              <a:t>É um conflito que não ocorre com armas físicas, ocorre através da confrontação com meios eletrônicos e informáticos no chamado ciberespaço, no intuito de enfraquecer e retirar do ar serviços de internet, sistemas de água e energia, e propagar vírus e mensagens maliciosas. É um ataque cibernético feito por uma pessoa, grupo de pessoas ou organizações, que visam derrubar um inimigo por situação de conflito, político-ideológico, financeiro ou religioso.</a:t>
+            </a:r>
+          </a:p>
+        </p:txBody>
+      </p:sp>
+    </p:spTree>
+    <p:extLst>
+      <p:ext uri="{BB962C8B-B14F-4D97-AF65-F5344CB8AC3E}">
+        <p14:creationId xmlns:p14="http://schemas.microsoft.com/office/powerpoint/2010/main" val="3630997556"/>
+      </p:ext>
+    </p:extLst>
+  </p:cSld>
+  <p:clrMapOvr>
+    <a:masterClrMapping/>
+  </p:clrMapOvr>
+</p:sld>
+</file>
+
+<file path=ppt/slides/slide21.xml><?xml version="1.0" encoding="utf-8"?>
+<p:sld xmlns:a="http://schemas.openxmlformats.org/drawingml/2006/main" xmlns:r="http://schemas.openxmlformats.org/officeDocument/2006/relationships" xmlns:p="http://schemas.openxmlformats.org/presentationml/2006/main">
+  <p:cSld>
+    <p:spTree>
+      <p:nvGrpSpPr>
+        <p:cNvPr id="1" name=""/>
+        <p:cNvGrpSpPr/>
+        <p:nvPr/>
+      </p:nvGrpSpPr>
+      <p:grpSpPr>
+        <a:xfrm>
+          <a:off x="0" y="0"/>
+          <a:ext cx="0" cy="0"/>
+          <a:chOff x="0" y="0"/>
+          <a:chExt cx="0" cy="0"/>
+        </a:xfrm>
+      </p:grpSpPr>
+      <p:sp>
+        <p:nvSpPr>
+          <p:cNvPr id="2" name="Título 1">
+            <a:extLst>
+              <a:ext uri="{FF2B5EF4-FFF2-40B4-BE49-F238E27FC236}">
+                <a16:creationId xmlns:a16="http://schemas.microsoft.com/office/drawing/2014/main" id="{D73E939B-4D22-40A2-A411-EDFD139C286A}"/>
+              </a:ext>
+            </a:extLst>
+          </p:cNvPr>
+          <p:cNvSpPr>
+            <a:spLocks noGrp="1"/>
+          </p:cNvSpPr>
+          <p:nvPr>
+            <p:ph type="title"/>
+          </p:nvPr>
+        </p:nvSpPr>
+        <p:spPr/>
+        <p:txBody>
+          <a:bodyPr/>
+          <a:lstStyle/>
+          <a:p>
+            <a:r>
+              <a:rPr lang="pt-BR" dirty="0" err="1"/>
+              <a:t>Cyberwar</a:t>
+            </a:r>
+            <a:r>
+              <a:rPr lang="pt-BR" dirty="0"/>
+              <a:t> (</a:t>
+            </a:r>
+            <a:r>
+              <a:rPr lang="pt-BR" cap="none" dirty="0" err="1"/>
+              <a:t>cont</a:t>
+            </a:r>
+            <a:r>
+              <a:rPr lang="pt-BR" dirty="0"/>
+              <a:t>)</a:t>
+            </a:r>
+          </a:p>
+        </p:txBody>
+      </p:sp>
+      <p:sp>
+        <p:nvSpPr>
+          <p:cNvPr id="3" name="Espaço Reservado para Conteúdo 2">
+            <a:extLst>
+              <a:ext uri="{FF2B5EF4-FFF2-40B4-BE49-F238E27FC236}">
+                <a16:creationId xmlns:a16="http://schemas.microsoft.com/office/drawing/2014/main" id="{4C620958-668F-4981-A05B-E1A539C6E96A}"/>
+              </a:ext>
+            </a:extLst>
+          </p:cNvPr>
+          <p:cNvSpPr>
+            <a:spLocks noGrp="1"/>
+          </p:cNvSpPr>
+          <p:nvPr>
+            <p:ph idx="1"/>
+          </p:nvPr>
+        </p:nvSpPr>
+        <p:spPr/>
+        <p:txBody>
+          <a:bodyPr>
+            <a:normAutofit fontScale="92500"/>
+          </a:bodyPr>
+          <a:lstStyle/>
+          <a:p>
+            <a:pPr marL="0" indent="0">
+              <a:buNone/>
+            </a:pPr>
+            <a:r>
+              <a:rPr lang="pt-BR" b="1" dirty="0"/>
+              <a:t>Quem são os alvos</a:t>
+            </a:r>
+            <a:endParaRPr lang="pt-BR" dirty="0"/>
+          </a:p>
+          <a:p>
+            <a:pPr marL="0" indent="0">
+              <a:buNone/>
+            </a:pPr>
+            <a:r>
+              <a:rPr lang="pt-BR" dirty="0"/>
+              <a:t>Qualquer setor importante para a infraestrutura do inimigo, por exemplo exército, defesa nacional, indústria bélica. Em uma versão mais assustadora a </a:t>
+            </a:r>
+            <a:r>
+              <a:rPr lang="pt-BR" dirty="0" err="1"/>
+              <a:t>cyberguerra</a:t>
+            </a:r>
+            <a:r>
+              <a:rPr lang="pt-BR" dirty="0"/>
+              <a:t> pode ter como alvo o recurso mais importante do pais que é sua população. Um hacker poderia fazer um ataque terrorista para desestabilizar ou desmotivar uma população a lutar. Isso implica em coisas assustadoras como ataques aos setores financeiros, que causariam danos econômicos; ou ataques a sistemas de comunicação – imagine o que aconteceria se a rede de telefonia fosse desativada e a internet caísse.</a:t>
+            </a:r>
+          </a:p>
+          <a:p>
+            <a:pPr marL="0" indent="0">
+              <a:buNone/>
+            </a:pPr>
+            <a:endParaRPr lang="pt-BR" dirty="0"/>
+          </a:p>
+        </p:txBody>
+      </p:sp>
+    </p:spTree>
+    <p:extLst>
+      <p:ext uri="{BB962C8B-B14F-4D97-AF65-F5344CB8AC3E}">
+        <p14:creationId xmlns:p14="http://schemas.microsoft.com/office/powerpoint/2010/main" val="1216357667"/>
+      </p:ext>
+    </p:extLst>
+  </p:cSld>
+  <p:clrMapOvr>
+    <a:masterClrMapping/>
+  </p:clrMapOvr>
+</p:sld>
+</file>
+
+<file path=ppt/slides/slide22.xml><?xml version="1.0" encoding="utf-8"?>
+<p:sld xmlns:a="http://schemas.openxmlformats.org/drawingml/2006/main" xmlns:r="http://schemas.openxmlformats.org/officeDocument/2006/relationships" xmlns:p="http://schemas.openxmlformats.org/presentationml/2006/main">
+  <p:cSld>
+    <p:spTree>
+      <p:nvGrpSpPr>
+        <p:cNvPr id="1" name=""/>
+        <p:cNvGrpSpPr/>
+        <p:nvPr/>
+      </p:nvGrpSpPr>
+      <p:grpSpPr>
+        <a:xfrm>
+          <a:off x="0" y="0"/>
+          <a:ext cx="0" cy="0"/>
+          <a:chOff x="0" y="0"/>
+          <a:chExt cx="0" cy="0"/>
+        </a:xfrm>
+      </p:grpSpPr>
+      <p:sp>
+        <p:nvSpPr>
+          <p:cNvPr id="2" name="Título 1">
+            <a:extLst>
+              <a:ext uri="{FF2B5EF4-FFF2-40B4-BE49-F238E27FC236}">
+                <a16:creationId xmlns:a16="http://schemas.microsoft.com/office/drawing/2014/main" id="{3D038804-89DA-4042-B8EC-1694AD15DF18}"/>
+              </a:ext>
+            </a:extLst>
+          </p:cNvPr>
+          <p:cNvSpPr>
+            <a:spLocks noGrp="1"/>
+          </p:cNvSpPr>
+          <p:nvPr>
+            <p:ph type="title"/>
+          </p:nvPr>
+        </p:nvSpPr>
+        <p:spPr/>
+        <p:txBody>
+          <a:bodyPr/>
+          <a:lstStyle/>
+          <a:p>
+            <a:r>
+              <a:rPr lang="pt-BR" dirty="0" err="1"/>
+              <a:t>cyberspionage</a:t>
+            </a:r>
+            <a:endParaRPr lang="pt-BR" dirty="0"/>
+          </a:p>
+        </p:txBody>
+      </p:sp>
+      <p:sp>
+        <p:nvSpPr>
+          <p:cNvPr id="3" name="Espaço Reservado para Conteúdo 2">
+            <a:extLst>
+              <a:ext uri="{FF2B5EF4-FFF2-40B4-BE49-F238E27FC236}">
+                <a16:creationId xmlns:a16="http://schemas.microsoft.com/office/drawing/2014/main" id="{899DCD8B-65C3-4A4A-B175-E39EDC8A9638}"/>
+              </a:ext>
+            </a:extLst>
+          </p:cNvPr>
+          <p:cNvSpPr>
+            <a:spLocks noGrp="1"/>
+          </p:cNvSpPr>
+          <p:nvPr>
+            <p:ph idx="1"/>
+          </p:nvPr>
+        </p:nvSpPr>
+        <p:spPr/>
+        <p:txBody>
+          <a:bodyPr>
+            <a:normAutofit fontScale="85000" lnSpcReduction="20000"/>
+          </a:bodyPr>
+          <a:lstStyle/>
+          <a:p>
+            <a:pPr marL="0" indent="0">
+              <a:buNone/>
+            </a:pPr>
+            <a:r>
+              <a:rPr lang="pt-BR" dirty="0"/>
+              <a:t>Desde o inicio da internet a </a:t>
+            </a:r>
+            <a:r>
+              <a:rPr lang="pt-BR" dirty="0" err="1"/>
+              <a:t>cyberspionage</a:t>
+            </a:r>
+            <a:r>
+              <a:rPr lang="pt-BR" dirty="0"/>
+              <a:t> vem sendo praticada e hoje em dia vem sendo usada por algumas corporações como polícia e serviço secreto governamentais. </a:t>
+            </a:r>
+            <a:r>
+              <a:rPr lang="pt-BR" dirty="0" err="1"/>
+              <a:t>Cyberspionage</a:t>
+            </a:r>
+            <a:r>
+              <a:rPr lang="pt-BR" dirty="0"/>
+              <a:t> consiste em obter informações sigilosas de terceiros sem a permissão do titular da informação com técnicas de </a:t>
+            </a:r>
+            <a:r>
+              <a:rPr lang="pt-BR" dirty="0" err="1"/>
+              <a:t>hacking</a:t>
+            </a:r>
+            <a:r>
+              <a:rPr lang="pt-BR" dirty="0"/>
+              <a:t> ou </a:t>
+            </a:r>
+            <a:r>
+              <a:rPr lang="pt-BR" dirty="0" err="1"/>
+              <a:t>cracking</a:t>
+            </a:r>
+            <a:r>
+              <a:rPr lang="pt-BR" dirty="0"/>
+              <a:t>. </a:t>
+            </a:r>
+          </a:p>
+          <a:p>
+            <a:pPr marL="0" indent="0">
+              <a:buNone/>
+            </a:pPr>
+            <a:r>
+              <a:rPr lang="pt-BR" b="1" dirty="0"/>
+              <a:t>Quem são os alvos?</a:t>
+            </a:r>
+          </a:p>
+          <a:p>
+            <a:pPr marL="0" indent="0">
+              <a:buNone/>
+            </a:pPr>
+            <a:r>
+              <a:rPr lang="pt-BR" dirty="0"/>
+              <a:t>Competidores, rivais, grupos e inimigos por vantagem pessoal, econômica, política, militar. Os eventos mais conhecidos de espionagem que chegou ao público foram a “</a:t>
+            </a:r>
+            <a:r>
+              <a:rPr lang="pt-BR" dirty="0" err="1"/>
+              <a:t>Ghostnet</a:t>
+            </a:r>
+            <a:r>
+              <a:rPr lang="pt-BR" dirty="0"/>
+              <a:t>” e “Outubro Vermelho”. </a:t>
+            </a:r>
+            <a:r>
+              <a:rPr lang="pt-BR" dirty="0" err="1"/>
+              <a:t>Ghostnet</a:t>
+            </a:r>
+            <a:r>
+              <a:rPr lang="pt-BR" dirty="0"/>
+              <a:t> se infiltrou em 1295 computadores em 103 </a:t>
+            </a:r>
+            <a:r>
+              <a:rPr lang="pt-BR" dirty="0" err="1"/>
+              <a:t>paises</a:t>
+            </a:r>
+            <a:r>
+              <a:rPr lang="pt-BR" dirty="0"/>
+              <a:t>, Outubro Vermelho foi uma campanha avançada de </a:t>
+            </a:r>
+            <a:r>
+              <a:rPr lang="pt-BR" dirty="0" err="1"/>
+              <a:t>cyberspionage</a:t>
+            </a:r>
+            <a:r>
+              <a:rPr lang="pt-BR" dirty="0"/>
+              <a:t> dirigida as organizações diplomáticas e centros de investigações cientificas, e governos de todo o mundo.</a:t>
+            </a:r>
+          </a:p>
+          <a:p>
+            <a:endParaRPr lang="pt-BR" dirty="0"/>
+          </a:p>
+        </p:txBody>
+      </p:sp>
+    </p:spTree>
+    <p:extLst>
+      <p:ext uri="{BB962C8B-B14F-4D97-AF65-F5344CB8AC3E}">
+        <p14:creationId xmlns:p14="http://schemas.microsoft.com/office/powerpoint/2010/main" val="723284306"/>
+      </p:ext>
+    </p:extLst>
+  </p:cSld>
+  <p:clrMapOvr>
+    <a:masterClrMapping/>
+  </p:clrMapOvr>
+</p:sld>
+</file>
+
+<file path=ppt/slides/slide23.xml><?xml version="1.0" encoding="utf-8"?>
+<p:sld xmlns:a="http://schemas.openxmlformats.org/drawingml/2006/main" xmlns:r="http://schemas.openxmlformats.org/officeDocument/2006/relationships" xmlns:p="http://schemas.openxmlformats.org/presentationml/2006/main">
+  <p:cSld>
+    <p:spTree>
+      <p:nvGrpSpPr>
+        <p:cNvPr id="1" name=""/>
+        <p:cNvGrpSpPr/>
+        <p:nvPr/>
+      </p:nvGrpSpPr>
+      <p:grpSpPr>
+        <a:xfrm>
+          <a:off x="0" y="0"/>
+          <a:ext cx="0" cy="0"/>
+          <a:chOff x="0" y="0"/>
+          <a:chExt cx="0" cy="0"/>
+        </a:xfrm>
+      </p:grpSpPr>
+      <p:sp>
+        <p:nvSpPr>
+          <p:cNvPr id="2" name="Título 1">
+            <a:extLst>
+              <a:ext uri="{FF2B5EF4-FFF2-40B4-BE49-F238E27FC236}">
+                <a16:creationId xmlns:a16="http://schemas.microsoft.com/office/drawing/2014/main" id="{0949C9F4-911C-4501-AE49-36837439B9E4}"/>
+              </a:ext>
+            </a:extLst>
+          </p:cNvPr>
+          <p:cNvSpPr>
+            <a:spLocks noGrp="1"/>
+          </p:cNvSpPr>
+          <p:nvPr>
+            <p:ph type="title"/>
+          </p:nvPr>
+        </p:nvSpPr>
+        <p:spPr/>
+        <p:txBody>
+          <a:bodyPr/>
+          <a:lstStyle/>
+          <a:p>
+            <a:r>
+              <a:rPr lang="pt-BR" dirty="0"/>
+              <a:t>REFERÊNCIAS</a:t>
+            </a:r>
+          </a:p>
+        </p:txBody>
+      </p:sp>
+      <p:sp>
+        <p:nvSpPr>
+          <p:cNvPr id="3" name="Espaço Reservado para Conteúdo 2">
+            <a:extLst>
+              <a:ext uri="{FF2B5EF4-FFF2-40B4-BE49-F238E27FC236}">
+                <a16:creationId xmlns:a16="http://schemas.microsoft.com/office/drawing/2014/main" id="{2F4718F4-1257-4900-8607-37F747A4FBBF}"/>
+              </a:ext>
+            </a:extLst>
+          </p:cNvPr>
+          <p:cNvSpPr>
+            <a:spLocks noGrp="1"/>
+          </p:cNvSpPr>
+          <p:nvPr>
+            <p:ph idx="1"/>
+          </p:nvPr>
+        </p:nvSpPr>
+        <p:spPr>
+          <a:xfrm>
+            <a:off x="1141412" y="1733266"/>
+            <a:ext cx="9905999" cy="4763068"/>
+          </a:xfrm>
+        </p:spPr>
+        <p:txBody>
+          <a:bodyPr numCol="2">
+            <a:normAutofit fontScale="62500" lnSpcReduction="20000"/>
+          </a:bodyPr>
+          <a:lstStyle/>
+          <a:p>
+            <a:pPr marL="0" indent="0">
+              <a:buNone/>
+            </a:pPr>
+            <a:r>
+              <a:rPr lang="pt-BR" sz="1700" dirty="0"/>
+              <a:t>http://www.blogsegurancadotrabalho.com.br/2015/08/o-que-e-iso.html</a:t>
+            </a:r>
+          </a:p>
+          <a:p>
+            <a:pPr marL="0" indent="0">
+              <a:buNone/>
+            </a:pPr>
+            <a:r>
+              <a:rPr lang="pt-BR" sz="1700" dirty="0"/>
+              <a:t>https://www.iso.org/home.html</a:t>
+            </a:r>
+          </a:p>
+          <a:p>
+            <a:pPr marL="0" indent="0">
+              <a:buNone/>
+            </a:pPr>
+            <a:r>
+              <a:rPr lang="pt-BR" sz="1700" dirty="0"/>
+              <a:t>https://pt.linkedin.com/pulse/vale-pena-certificar-sua-organiza%C3%A7%C3%A3o-na-iso27001-da-julio-c</a:t>
+            </a:r>
+          </a:p>
+          <a:p>
+            <a:pPr marL="0" indent="0">
+              <a:buNone/>
+            </a:pPr>
+            <a:r>
+              <a:rPr lang="pt-BR" sz="1700" dirty="0"/>
+              <a:t>https://artigos.com/artigos/1227-seguranca-em-operacoes-bancarias-via-internet</a:t>
+            </a:r>
+          </a:p>
+          <a:p>
+            <a:pPr marL="0" indent="0">
+              <a:buNone/>
+            </a:pPr>
+            <a:r>
+              <a:rPr lang="pt-BR" sz="1700" dirty="0"/>
+              <a:t>https://www2.deloitte.com/br/pt/pages/risk/articles/impacto-da-iot.html</a:t>
+            </a:r>
+          </a:p>
+          <a:p>
+            <a:pPr marL="0" indent="0">
+              <a:buNone/>
+            </a:pPr>
+            <a:r>
+              <a:rPr lang="pt-BR" sz="1700" dirty="0"/>
+              <a:t>http://www.techmag.com.br/novidades/os-desafios-em-seguranca-digital-com-a-internet-das-coisas/ </a:t>
+            </a:r>
+          </a:p>
+          <a:p>
+            <a:pPr marL="0" indent="0">
+              <a:buNone/>
+            </a:pPr>
+            <a:r>
+              <a:rPr lang="pt-BR" sz="1700" dirty="0"/>
+              <a:t>https://pt.slideshare.net/mvsecurity/artigo-consad-2014-ciberespionagem-global-e-o-decreto-8135-uma-avaliao-da-segurana-das-informaes-do-governo-brasileiro</a:t>
+            </a:r>
+          </a:p>
+          <a:p>
+            <a:pPr marL="0" indent="0">
+              <a:buNone/>
+            </a:pPr>
+            <a:r>
+              <a:rPr lang="pt-BR" sz="1700" dirty="0"/>
+              <a:t>https://en.wikipedia.org/wiki/Cyber_spying</a:t>
+            </a:r>
+          </a:p>
+          <a:p>
+            <a:pPr marL="0" indent="0">
+              <a:buNone/>
+            </a:pPr>
+            <a:r>
+              <a:rPr lang="pt-BR" sz="1700" dirty="0"/>
+              <a:t>http://amadodosenhor.comunidades.net/o-que-e-ciberguerra</a:t>
+            </a:r>
+          </a:p>
+          <a:p>
+            <a:pPr marL="0" indent="0">
+              <a:buNone/>
+            </a:pPr>
+            <a:r>
+              <a:rPr lang="pt-BR" sz="1700" dirty="0"/>
+              <a:t>http://microhard.com.br/seguranca-da-informacao-no-brasil-muito-se-fala-pouco-se-pratica/</a:t>
+            </a:r>
+          </a:p>
+          <a:p>
+            <a:pPr marL="0" indent="0">
+              <a:buNone/>
+            </a:pPr>
+            <a:r>
+              <a:rPr lang="pt-BR" sz="1700" dirty="0"/>
+              <a:t>http://cio.com.br/noticias/2017/02/03/maturidade-das-empresas-brasileiras-em-seguranca-da-informacao-ainda-e-baixa/</a:t>
+            </a:r>
+          </a:p>
+          <a:p>
+            <a:pPr marL="0" indent="0">
+              <a:buNone/>
+            </a:pPr>
+            <a:r>
+              <a:rPr lang="pt-BR" sz="1700" dirty="0"/>
+              <a:t>http://webinsider.com.br/2013/08/07/seguranca-da-ti-no-brasil-muito-falatorio-pouca-evolucao/</a:t>
+            </a:r>
+          </a:p>
+          <a:p>
+            <a:pPr marL="0" indent="0">
+              <a:buNone/>
+            </a:pPr>
+            <a:r>
+              <a:rPr lang="pt-BR" sz="1700" dirty="0"/>
+              <a:t>https://economia.uol.com.br/noticias/pr-newswire/2017/02/02/level-3-publica-o-primeiro-indice-de-seguranca-da-informacao-no-brasil.htm</a:t>
+            </a:r>
+          </a:p>
+          <a:p>
+            <a:pPr marL="0" indent="0">
+              <a:buNone/>
+            </a:pPr>
+            <a:r>
+              <a:rPr lang="pt-BR" sz="1700" dirty="0"/>
+              <a:t>http://your.level3.com/IDC_security_Index_typ</a:t>
+            </a:r>
+          </a:p>
+          <a:p>
+            <a:pPr marL="0" indent="0">
+              <a:buNone/>
+            </a:pPr>
+            <a:r>
+              <a:rPr lang="pt-BR" sz="1700" dirty="0"/>
+              <a:t>https://www.strongsecurity.com.br/melhores-certificacoes-de-seguranca-da-informacao-para-2016/</a:t>
+            </a:r>
+          </a:p>
+          <a:p>
+            <a:pPr marL="0" indent="0">
+              <a:buNone/>
+            </a:pPr>
+            <a:r>
+              <a:rPr lang="pt-BR" sz="1700" dirty="0"/>
+              <a:t>https://seginfo.com.br/2015/07/28/as-8-certificacoes-mais-requisitadas-na-area-de-seguranca-de-ti-2/</a:t>
+            </a:r>
+          </a:p>
+          <a:p>
+            <a:pPr marL="0" indent="0">
+              <a:buNone/>
+            </a:pPr>
+            <a:r>
+              <a:rPr lang="pt-BR" sz="1700" dirty="0"/>
+              <a:t>https://www.arcon.com.br/blog/certificacoes-de-seguran%C3%A7a-da-informacao</a:t>
+            </a:r>
+          </a:p>
+          <a:p>
+            <a:pPr marL="0" indent="0">
+              <a:buNone/>
+            </a:pPr>
+            <a:r>
+              <a:rPr lang="pt-BR" sz="1700" dirty="0"/>
+              <a:t>https://www.tiespecialistas.com.br/2015/08/duvidas-em-relacao-carreira-de-seguranca-da-informacao/</a:t>
+            </a:r>
+          </a:p>
+          <a:p>
+            <a:pPr marL="0" indent="0">
+              <a:buNone/>
+            </a:pPr>
+            <a:r>
+              <a:rPr lang="pt-BR" sz="1700" dirty="0"/>
+              <a:t>https://www.profissionaisti.com.br/2014/02/iniciando-na-carreira-de-seguranca-da-informacao/</a:t>
+            </a:r>
+          </a:p>
+          <a:p>
+            <a:pPr marL="0" indent="0">
+              <a:buNone/>
+            </a:pPr>
+            <a:r>
+              <a:rPr lang="pt-BR" sz="1700" dirty="0"/>
+              <a:t>http://computerworld.com.br/dez-empregos-de-seguranca-da-informacao-mais-bem-remunerados-em-2015</a:t>
+            </a:r>
+          </a:p>
+          <a:p>
+            <a:pPr marL="0" indent="0">
+              <a:buNone/>
+            </a:pPr>
+            <a:r>
+              <a:rPr lang="pt-BR" sz="1700" dirty="0"/>
+              <a:t>http://www.blogsegurancadotrabalho.com.br/2015/06/o-que-e-nbr.html</a:t>
+            </a:r>
+          </a:p>
+          <a:p>
+            <a:pPr marL="0" indent="0">
+              <a:buNone/>
+            </a:pPr>
+            <a:endParaRPr lang="pt-BR" sz="1800" dirty="0">
+              <a:solidFill>
+                <a:srgbClr val="00B0F0"/>
+              </a:solidFill>
+            </a:endParaRPr>
+          </a:p>
+        </p:txBody>
+      </p:sp>
+    </p:spTree>
+    <p:extLst>
+      <p:ext uri="{BB962C8B-B14F-4D97-AF65-F5344CB8AC3E}">
+        <p14:creationId xmlns:p14="http://schemas.microsoft.com/office/powerpoint/2010/main" val="1917295808"/>
+      </p:ext>
+    </p:extLst>
+  </p:cSld>
+  <p:clrMapOvr>
+    <a:masterClrMapping/>
+  </p:clrMapOvr>
 </p:sld>
 </file>
 
@@ -13570,26 +14804,14 @@
           <a:lstStyle/>
           <a:p>
             <a:r>
-              <a:rPr lang="pt-BR" dirty="0" smtClean="0"/>
-              <a:t>São </a:t>
-            </a:r>
-            <a:r>
               <a:rPr lang="pt-BR" dirty="0"/>
-              <a:t>normas técnicas estabelecidas e aprovadas pela </a:t>
-            </a:r>
-            <a:r>
-              <a:rPr lang="pt-BR" dirty="0" smtClean="0"/>
-              <a:t>ABNT; </a:t>
-            </a:r>
-          </a:p>
-          <a:p>
-            <a:r>
-              <a:rPr lang="pt-BR" dirty="0" smtClean="0"/>
-              <a:t>Os </a:t>
-            </a:r>
+              <a:t>São normas técnicas estabelecidas e aprovadas pela ABNT; </a:t>
+            </a:r>
+          </a:p>
+          <a:p>
             <a:r>
               <a:rPr lang="pt-BR" dirty="0"/>
-              <a:t>objetivos das </a:t>
+              <a:t>Os objetivos das </a:t>
             </a:r>
             <a:r>
               <a:rPr lang="pt-BR" dirty="0" err="1"/>
@@ -13597,30 +14819,18 @@
             </a:r>
             <a:r>
               <a:rPr lang="pt-BR" dirty="0"/>
-              <a:t> são de estabelecer regras, diretrizes, características ou orientações sobre determinado material, produto ou serviço. As normas são revistas, atualizadas e republicadas com frequência garantindo maior eficiência no processo que é </a:t>
-            </a:r>
-            <a:r>
-              <a:rPr lang="pt-BR" dirty="0" smtClean="0"/>
-              <a:t>usada; </a:t>
-            </a:r>
-          </a:p>
-          <a:p>
-            <a:r>
-              <a:rPr lang="pt-BR" dirty="0" smtClean="0"/>
-              <a:t>Não </a:t>
-            </a:r>
+              <a:t> são de estabelecer regras, diretrizes, características ou orientações sobre determinado material, produto ou serviço. As normas são revistas, atualizadas e republicadas com frequência garantindo maior eficiência no processo que é usada; </a:t>
+            </a:r>
+          </a:p>
+          <a:p>
             <a:r>
               <a:rPr lang="pt-BR" dirty="0"/>
-              <a:t>são obrigatórias o seu uso por que é determinada por uma instituição privada e não pelo poder </a:t>
-            </a:r>
-            <a:r>
-              <a:rPr lang="pt-BR" dirty="0" smtClean="0"/>
-              <a:t>público; </a:t>
-            </a:r>
-          </a:p>
-          <a:p>
-            <a:r>
-              <a:rPr lang="pt-BR" dirty="0" smtClean="0"/>
+              <a:t>Não são obrigatórias o seu uso por que é determinada por uma instituição privada e não pelo poder público; </a:t>
+            </a:r>
+          </a:p>
+          <a:p>
+            <a:r>
+              <a:rPr lang="pt-BR" dirty="0"/>
               <a:t>As </a:t>
             </a:r>
             <a:r>
@@ -13718,214 +14928,207 @@
           <a:lstStyle/>
           <a:p>
             <a:r>
-              <a:rPr lang="pt-BR" dirty="0" smtClean="0"/>
+              <a:rPr lang="pt-BR" dirty="0"/>
               <a:t>27001</a:t>
             </a:r>
           </a:p>
           <a:p>
             <a:r>
-              <a:rPr lang="pt-BR" dirty="0" smtClean="0"/>
+              <a:rPr lang="pt-BR" dirty="0"/>
               <a:t>27002</a:t>
             </a:r>
           </a:p>
           <a:p>
             <a:r>
-              <a:rPr lang="pt-BR" dirty="0" smtClean="0"/>
+              <a:rPr lang="pt-BR" dirty="0"/>
               <a:t>27003</a:t>
             </a:r>
           </a:p>
           <a:p>
             <a:r>
-              <a:rPr lang="pt-BR" dirty="0" smtClean="0"/>
+              <a:rPr lang="pt-BR" dirty="0"/>
               <a:t>27004</a:t>
             </a:r>
           </a:p>
           <a:p>
             <a:r>
-              <a:rPr lang="pt-BR" dirty="0" smtClean="0"/>
+              <a:rPr lang="pt-BR" dirty="0"/>
               <a:t>27006</a:t>
             </a:r>
           </a:p>
           <a:p>
             <a:r>
-              <a:rPr lang="pt-BR" dirty="0" smtClean="0"/>
+              <a:rPr lang="pt-BR" dirty="0"/>
               <a:t>27007</a:t>
             </a:r>
           </a:p>
           <a:p>
             <a:r>
-              <a:rPr lang="pt-BR" dirty="0" smtClean="0"/>
+              <a:rPr lang="pt-BR" dirty="0"/>
               <a:t>27008</a:t>
             </a:r>
           </a:p>
           <a:p>
             <a:r>
-              <a:rPr lang="pt-BR" dirty="0" smtClean="0"/>
+              <a:rPr lang="pt-BR" dirty="0"/>
               <a:t>27009</a:t>
             </a:r>
           </a:p>
           <a:p>
             <a:r>
-              <a:rPr lang="pt-BR" dirty="0" smtClean="0"/>
+              <a:rPr lang="pt-BR" dirty="0"/>
               <a:t>27010</a:t>
             </a:r>
           </a:p>
           <a:p>
             <a:r>
-              <a:rPr lang="pt-BR" dirty="0" smtClean="0"/>
+              <a:rPr lang="pt-BR" dirty="0"/>
               <a:t>27011</a:t>
             </a:r>
           </a:p>
           <a:p>
             <a:r>
-              <a:rPr lang="pt-BR" dirty="0" smtClean="0"/>
+              <a:rPr lang="pt-BR" dirty="0"/>
               <a:t>27012</a:t>
             </a:r>
           </a:p>
           <a:p>
             <a:r>
-              <a:rPr lang="pt-BR" dirty="0" smtClean="0"/>
+              <a:rPr lang="pt-BR" dirty="0"/>
               <a:t>27013</a:t>
             </a:r>
           </a:p>
           <a:p>
             <a:r>
-              <a:rPr lang="pt-BR" dirty="0" smtClean="0"/>
-              <a:t>27013</a:t>
-            </a:r>
-          </a:p>
-          <a:p>
-            <a:r>
-              <a:rPr lang="pt-BR" dirty="0" smtClean="0"/>
+              <a:rPr lang="pt-BR" dirty="0"/>
               <a:t>27014</a:t>
             </a:r>
           </a:p>
           <a:p>
             <a:r>
-              <a:rPr lang="pt-BR" dirty="0" smtClean="0"/>
+              <a:rPr lang="pt-BR" dirty="0"/>
               <a:t>27015</a:t>
             </a:r>
           </a:p>
           <a:p>
             <a:r>
-              <a:rPr lang="pt-BR" dirty="0" smtClean="0"/>
+              <a:rPr lang="pt-BR" dirty="0"/>
               <a:t>27016</a:t>
             </a:r>
           </a:p>
           <a:p>
             <a:r>
-              <a:rPr lang="pt-BR" dirty="0" smtClean="0"/>
+              <a:rPr lang="pt-BR" dirty="0"/>
               <a:t>27017</a:t>
             </a:r>
           </a:p>
           <a:p>
             <a:r>
-              <a:rPr lang="pt-BR" dirty="0" smtClean="0"/>
+              <a:rPr lang="pt-BR" dirty="0"/>
               <a:t>27018</a:t>
             </a:r>
           </a:p>
           <a:p>
             <a:r>
-              <a:rPr lang="pt-BR" dirty="0" smtClean="0"/>
+              <a:rPr lang="pt-BR" dirty="0"/>
               <a:t>27019</a:t>
             </a:r>
           </a:p>
           <a:p>
             <a:r>
-              <a:rPr lang="pt-BR" dirty="0" smtClean="0"/>
+              <a:rPr lang="pt-BR" dirty="0"/>
               <a:t>27031</a:t>
             </a:r>
           </a:p>
           <a:p>
             <a:r>
-              <a:rPr lang="pt-BR" dirty="0" smtClean="0"/>
+              <a:rPr lang="pt-BR" dirty="0"/>
               <a:t>27032</a:t>
             </a:r>
           </a:p>
           <a:p>
             <a:r>
-              <a:rPr lang="pt-BR" dirty="0" smtClean="0"/>
+              <a:rPr lang="pt-BR" dirty="0"/>
               <a:t>27033</a:t>
             </a:r>
           </a:p>
           <a:p>
             <a:r>
-              <a:rPr lang="pt-BR" dirty="0" smtClean="0"/>
+              <a:rPr lang="pt-BR" dirty="0"/>
               <a:t>27034</a:t>
             </a:r>
           </a:p>
           <a:p>
             <a:r>
-              <a:rPr lang="pt-BR" dirty="0" smtClean="0"/>
+              <a:rPr lang="pt-BR" dirty="0"/>
               <a:t>27035</a:t>
             </a:r>
           </a:p>
           <a:p>
             <a:r>
-              <a:rPr lang="pt-BR" dirty="0" smtClean="0"/>
+              <a:rPr lang="pt-BR" dirty="0"/>
               <a:t>27036</a:t>
             </a:r>
           </a:p>
           <a:p>
             <a:r>
-              <a:rPr lang="pt-BR" dirty="0" smtClean="0"/>
+              <a:rPr lang="pt-BR" dirty="0"/>
               <a:t>27037</a:t>
             </a:r>
           </a:p>
           <a:p>
             <a:r>
-              <a:rPr lang="pt-BR" dirty="0" smtClean="0"/>
+              <a:rPr lang="pt-BR" dirty="0"/>
               <a:t>27038</a:t>
             </a:r>
           </a:p>
           <a:p>
             <a:r>
-              <a:rPr lang="pt-BR" dirty="0" smtClean="0"/>
+              <a:rPr lang="pt-BR" dirty="0"/>
               <a:t>27039</a:t>
             </a:r>
           </a:p>
           <a:p>
             <a:r>
-              <a:rPr lang="pt-BR" dirty="0" smtClean="0"/>
+              <a:rPr lang="pt-BR" dirty="0"/>
               <a:t>27040</a:t>
             </a:r>
           </a:p>
           <a:p>
             <a:r>
-              <a:rPr lang="pt-BR" dirty="0" smtClean="0"/>
+              <a:rPr lang="pt-BR" dirty="0"/>
               <a:t>27041</a:t>
             </a:r>
           </a:p>
           <a:p>
             <a:r>
-              <a:rPr lang="pt-BR" dirty="0" smtClean="0"/>
+              <a:rPr lang="pt-BR" dirty="0"/>
               <a:t>27042</a:t>
             </a:r>
           </a:p>
           <a:p>
             <a:r>
-              <a:rPr lang="pt-BR" dirty="0" smtClean="0"/>
+              <a:rPr lang="pt-BR" dirty="0"/>
               <a:t>27043</a:t>
             </a:r>
           </a:p>
           <a:p>
             <a:r>
-              <a:rPr lang="pt-BR" dirty="0" smtClean="0"/>
+              <a:rPr lang="pt-BR" dirty="0"/>
               <a:t>27044</a:t>
             </a:r>
           </a:p>
           <a:p>
             <a:r>
-              <a:rPr lang="pt-BR" dirty="0" smtClean="0"/>
+              <a:rPr lang="pt-BR" dirty="0"/>
               <a:t>27799</a:t>
             </a:r>
           </a:p>
           <a:p>
             <a:r>
-              <a:rPr lang="pt-BR" dirty="0" smtClean="0"/>
+              <a:rPr lang="pt-BR" dirty="0"/>
               <a:t>27050</a:t>
             </a:r>
-            <a:endParaRPr lang="pt-BR" dirty="0"/>
           </a:p>
         </p:txBody>
       </p:sp>
@@ -13939,140 +15142,10 @@
   <p:clrMapOvr>
     <a:masterClrMapping/>
   </p:clrMapOvr>
-  <p:timing>
-    <p:tnLst>
-      <p:par>
-        <p:cTn id="1" dur="indefinite" restart="never" nodeType="tmRoot"/>
-      </p:par>
-    </p:tnLst>
-  </p:timing>
 </p:sld>
 </file>
 
 <file path=ppt/slides/slide6.xml><?xml version="1.0" encoding="utf-8"?>
-<p:sld xmlns:a="http://schemas.openxmlformats.org/drawingml/2006/main" xmlns:r="http://schemas.openxmlformats.org/officeDocument/2006/relationships" xmlns:p="http://schemas.openxmlformats.org/presentationml/2006/main">
-  <p:cSld>
-    <p:spTree>
-      <p:nvGrpSpPr>
-        <p:cNvPr id="1" name=""/>
-        <p:cNvGrpSpPr/>
-        <p:nvPr/>
-      </p:nvGrpSpPr>
-      <p:grpSpPr>
-        <a:xfrm>
-          <a:off x="0" y="0"/>
-          <a:ext cx="0" cy="0"/>
-          <a:chOff x="0" y="0"/>
-          <a:chExt cx="0" cy="0"/>
-        </a:xfrm>
-      </p:grpSpPr>
-      <p:sp>
-        <p:nvSpPr>
-          <p:cNvPr id="2" name="Título 1">
-            <a:extLst>
-              <a:ext uri="{FF2B5EF4-FFF2-40B4-BE49-F238E27FC236}">
-                <a16:creationId xmlns:a16="http://schemas.microsoft.com/office/drawing/2014/main" id="{ABBF828D-3CE9-414E-AD1B-D9D9351C7CB3}"/>
-              </a:ext>
-            </a:extLst>
-          </p:cNvPr>
-          <p:cNvSpPr>
-            <a:spLocks noGrp="1"/>
-          </p:cNvSpPr>
-          <p:nvPr>
-            <p:ph type="title"/>
-          </p:nvPr>
-        </p:nvSpPr>
-        <p:spPr/>
-        <p:txBody>
-          <a:bodyPr/>
-          <a:lstStyle/>
-          <a:p>
-            <a:r>
-              <a:rPr lang="pt-BR" dirty="0"/>
-              <a:t>ISO/IEC 27002</a:t>
-            </a:r>
-          </a:p>
-        </p:txBody>
-      </p:sp>
-      <p:sp>
-        <p:nvSpPr>
-          <p:cNvPr id="3" name="Espaço Reservado para Conteúdo 2">
-            <a:extLst>
-              <a:ext uri="{FF2B5EF4-FFF2-40B4-BE49-F238E27FC236}">
-                <a16:creationId xmlns:a16="http://schemas.microsoft.com/office/drawing/2014/main" id="{4B4485A4-9C17-4ABE-9716-A621DE11BECA}"/>
-              </a:ext>
-            </a:extLst>
-          </p:cNvPr>
-          <p:cNvSpPr>
-            <a:spLocks noGrp="1"/>
-          </p:cNvSpPr>
-          <p:nvPr>
-            <p:ph idx="1"/>
-          </p:nvPr>
-        </p:nvSpPr>
-        <p:spPr/>
-        <p:txBody>
-          <a:bodyPr anchor="ctr"/>
-          <a:lstStyle/>
-          <a:p>
-            <a:pPr marL="0" indent="0" algn="just">
-              <a:buNone/>
-            </a:pPr>
-            <a:r>
-              <a:rPr lang="pt-BR" dirty="0">
-                <a:solidFill>
-                  <a:srgbClr val="FF0000"/>
-                </a:solidFill>
-              </a:rPr>
-              <a:t>A ISO/IEC 27001 é um conjunto de normas padrão usadas internacionalmente para garantir uma perfeita gestão da segurança da informação.</a:t>
-            </a:r>
-          </a:p>
-          <a:p>
-            <a:pPr marL="0" indent="0" algn="just">
-              <a:buNone/>
-            </a:pPr>
-            <a:endParaRPr lang="pt-BR" dirty="0">
-              <a:solidFill>
-                <a:srgbClr val="FF0000"/>
-              </a:solidFill>
-            </a:endParaRPr>
-          </a:p>
-          <a:p>
-            <a:pPr marL="0" indent="0" algn="just">
-              <a:buNone/>
-            </a:pPr>
-            <a:r>
-              <a:rPr lang="pt-BR" dirty="0">
-                <a:solidFill>
-                  <a:srgbClr val="FF0000"/>
-                </a:solidFill>
-              </a:rPr>
-              <a:t>De modo geral é um conjunto de processos, requisitos e controles que tem como objetivo minimizar o risco de que informações valiosas de organizações caiam em mãos erradas.</a:t>
-            </a:r>
-          </a:p>
-        </p:txBody>
-      </p:sp>
-    </p:spTree>
-    <p:extLst>
-      <p:ext uri="{BB962C8B-B14F-4D97-AF65-F5344CB8AC3E}">
-        <p14:creationId xmlns:p14="http://schemas.microsoft.com/office/powerpoint/2010/main" val="3055315138"/>
-      </p:ext>
-    </p:extLst>
-  </p:cSld>
-  <p:clrMapOvr>
-    <a:masterClrMapping/>
-  </p:clrMapOvr>
-  <p:timing>
-    <p:tnLst>
-      <p:par>
-        <p:cTn id="1" dur="indefinite" restart="never" nodeType="tmRoot"/>
-      </p:par>
-    </p:tnLst>
-  </p:timing>
-</p:sld>
-</file>
-
-<file path=ppt/slides/slide7.xml><?xml version="1.0" encoding="utf-8"?>
 <p:sld xmlns:a="http://schemas.openxmlformats.org/drawingml/2006/main" xmlns:r="http://schemas.openxmlformats.org/officeDocument/2006/relationships" xmlns:p="http://schemas.openxmlformats.org/presentationml/2006/main">
   <p:cSld>
     <p:spTree>
@@ -14170,7 +15243,7 @@
 </p:sld>
 </file>
 
-<file path=ppt/slides/slide8.xml><?xml version="1.0" encoding="utf-8"?>
+<file path=ppt/slides/slide7.xml><?xml version="1.0" encoding="utf-8"?>
 <p:sld xmlns:a="http://schemas.openxmlformats.org/drawingml/2006/main" xmlns:r="http://schemas.openxmlformats.org/officeDocument/2006/relationships" xmlns:p="http://schemas.openxmlformats.org/presentationml/2006/main">
   <p:cSld>
     <p:spTree>
@@ -14276,7 +15349,7 @@
 </p:sld>
 </file>
 
-<file path=ppt/slides/slide9.xml><?xml version="1.0" encoding="utf-8"?>
+<file path=ppt/slides/slide8.xml><?xml version="1.0" encoding="utf-8"?>
 <p:sld xmlns:a="http://schemas.openxmlformats.org/drawingml/2006/main" xmlns:r="http://schemas.openxmlformats.org/officeDocument/2006/relationships" xmlns:p="http://schemas.openxmlformats.org/presentationml/2006/main">
   <p:cSld>
     <p:spTree>
@@ -14347,42 +15420,17 @@
             </a:pPr>
             <a:r>
               <a:rPr lang="pt-BR" dirty="0"/>
-              <a:t>O nível de segurança da informação no </a:t>
-            </a:r>
-            <a:r>
-              <a:rPr lang="pt-BR" dirty="0" smtClean="0"/>
-              <a:t>Brasil </a:t>
-            </a:r>
-            <a:r>
-              <a:rPr lang="pt-BR" dirty="0" smtClean="0"/>
-              <a:t>não é, nem de perto, um </a:t>
-            </a:r>
-            <a:r>
-              <a:rPr lang="pt-BR" dirty="0" smtClean="0"/>
-              <a:t>dos melhores </a:t>
-            </a:r>
+              <a:t>O nível de segurança da informação no Brasil não é, nem de perto, um dos melhores do mundo, mas a cada ano que passa essa situação vem progredindo positivamente.</a:t>
+            </a:r>
+          </a:p>
+          <a:p>
+            <a:pPr marL="0" indent="0" algn="just">
+              <a:buNone/>
+            </a:pPr>
             <a:r>
               <a:rPr lang="pt-BR" dirty="0"/>
-              <a:t>do </a:t>
-            </a:r>
-            <a:r>
-              <a:rPr lang="pt-BR" dirty="0" smtClean="0"/>
-              <a:t>mundo, ma</a:t>
-            </a:r>
-            <a:r>
-              <a:rPr lang="pt-BR" dirty="0" smtClean="0"/>
-              <a:t>s a cada ano que passa essa situação vem progredindo positivamente.</a:t>
-            </a:r>
-          </a:p>
-          <a:p>
-            <a:pPr marL="0" indent="0" algn="just">
-              <a:buNone/>
-            </a:pPr>
-            <a:r>
-              <a:rPr lang="pt-BR" dirty="0" smtClean="0"/>
               <a:t>Porém, essa subida é lenta e a culpa dessa velocidade baixa na sua melhoria são de dois aspectos: cultura organizacional e mão de obra qualificada. </a:t>
             </a:r>
-            <a:endParaRPr lang="pt-BR" dirty="0"/>
           </a:p>
         </p:txBody>
       </p:sp>
@@ -14396,13 +15444,169 @@
   <p:clrMapOvr>
     <a:masterClrMapping/>
   </p:clrMapOvr>
-  <p:timing>
-    <p:tnLst>
-      <p:par>
-        <p:cTn id="1" dur="indefinite" restart="never" nodeType="tmRoot"/>
-      </p:par>
-    </p:tnLst>
-  </p:timing>
+</p:sld>
+</file>
+
+<file path=ppt/slides/slide9.xml><?xml version="1.0" encoding="utf-8"?>
+<p:sld xmlns:a="http://schemas.openxmlformats.org/drawingml/2006/main" xmlns:r="http://schemas.openxmlformats.org/officeDocument/2006/relationships" xmlns:p="http://schemas.openxmlformats.org/presentationml/2006/main">
+  <p:cSld>
+    <p:spTree>
+      <p:nvGrpSpPr>
+        <p:cNvPr id="1" name=""/>
+        <p:cNvGrpSpPr/>
+        <p:nvPr/>
+      </p:nvGrpSpPr>
+      <p:grpSpPr>
+        <a:xfrm>
+          <a:off x="0" y="0"/>
+          <a:ext cx="0" cy="0"/>
+          <a:chOff x="0" y="0"/>
+          <a:chExt cx="0" cy="0"/>
+        </a:xfrm>
+      </p:grpSpPr>
+      <p:sp>
+        <p:nvSpPr>
+          <p:cNvPr id="2" name="Título 1"/>
+          <p:cNvSpPr>
+            <a:spLocks noGrp="1"/>
+          </p:cNvSpPr>
+          <p:nvPr>
+            <p:ph type="title"/>
+          </p:nvPr>
+        </p:nvSpPr>
+        <p:spPr/>
+        <p:txBody>
+          <a:bodyPr/>
+          <a:lstStyle/>
+          <a:p>
+            <a:r>
+              <a:rPr lang="pt-BR" dirty="0"/>
+              <a:t>Como esta a SI no Brasil? (</a:t>
+            </a:r>
+            <a:r>
+              <a:rPr lang="pt-BR" cap="none" dirty="0" err="1"/>
+              <a:t>cont</a:t>
+            </a:r>
+            <a:r>
+              <a:rPr lang="pt-BR" dirty="0"/>
+              <a:t>)</a:t>
+            </a:r>
+          </a:p>
+        </p:txBody>
+      </p:sp>
+      <p:sp>
+        <p:nvSpPr>
+          <p:cNvPr id="3" name="Espaço Reservado para Conteúdo 2"/>
+          <p:cNvSpPr>
+            <a:spLocks noGrp="1"/>
+          </p:cNvSpPr>
+          <p:nvPr>
+            <p:ph idx="1"/>
+          </p:nvPr>
+        </p:nvSpPr>
+        <p:spPr/>
+        <p:txBody>
+          <a:bodyPr/>
+          <a:lstStyle/>
+          <a:p>
+            <a:pPr marL="0" indent="0" algn="just">
+              <a:buNone/>
+            </a:pPr>
+            <a:r>
+              <a:rPr lang="pt-BR" dirty="0"/>
+              <a:t>Pesquisas realizadas em 2016 pela </a:t>
+            </a:r>
+            <a:r>
+              <a:rPr lang="pt-BR" dirty="0" err="1"/>
+              <a:t>International</a:t>
+            </a:r>
+            <a:r>
+              <a:rPr lang="pt-BR" dirty="0"/>
+              <a:t> Data Corporation (IDC) e compartilhadas pela </a:t>
+            </a:r>
+            <a:r>
+              <a:rPr lang="pt-BR" dirty="0" err="1"/>
+              <a:t>Level</a:t>
+            </a:r>
+            <a:r>
+              <a:rPr lang="pt-BR" dirty="0"/>
+              <a:t> 3 Security Index, mostram que analisando fatores como Conscientização, Ferramental, Prevenção e Mitigação, o Brasil garantiu, em média, somente 64,9 ponto de 100 possíveis, sendo que em países maduros esta média pode variar entre 76 e 83. </a:t>
+            </a:r>
+          </a:p>
+        </p:txBody>
+      </p:sp>
+      <p:pic>
+        <p:nvPicPr>
+          <p:cNvPr id="4" name="Imagem 3"/>
+          <p:cNvPicPr>
+            <a:picLocks noChangeAspect="1"/>
+          </p:cNvPicPr>
+          <p:nvPr/>
+        </p:nvPicPr>
+        <p:blipFill>
+          <a:blip r:embed="rId2"/>
+          <a:stretch>
+            <a:fillRect/>
+          </a:stretch>
+        </p:blipFill>
+        <p:spPr>
+          <a:xfrm>
+            <a:off x="7225990" y="4329860"/>
+            <a:ext cx="3401122" cy="1915525"/>
+          </a:xfrm>
+          <a:prstGeom prst="rect">
+            <a:avLst/>
+          </a:prstGeom>
+        </p:spPr>
+      </p:pic>
+      <p:sp>
+        <p:nvSpPr>
+          <p:cNvPr id="5" name="CaixaDeTexto 4"/>
+          <p:cNvSpPr txBox="1"/>
+          <p:nvPr/>
+        </p:nvSpPr>
+        <p:spPr>
+          <a:xfrm>
+            <a:off x="7225990" y="6222382"/>
+            <a:ext cx="3401122" cy="307777"/>
+          </a:xfrm>
+          <a:prstGeom prst="rect">
+            <a:avLst/>
+          </a:prstGeom>
+          <a:noFill/>
+        </p:spPr>
+        <p:txBody>
+          <a:bodyPr wrap="square" rtlCol="0">
+            <a:spAutoFit/>
+          </a:bodyPr>
+          <a:lstStyle/>
+          <a:p>
+            <a:pPr algn="ctr"/>
+            <a:r>
+              <a:rPr lang="pt-BR" sz="1400" dirty="0"/>
+              <a:t>Fonte: </a:t>
+            </a:r>
+            <a:r>
+              <a:rPr lang="pt-BR" sz="1400" dirty="0" err="1"/>
+              <a:t>Level</a:t>
+            </a:r>
+            <a:r>
+              <a:rPr lang="pt-BR" sz="1400" dirty="0"/>
+              <a:t> 3 Security Index</a:t>
+            </a:r>
+          </a:p>
+        </p:txBody>
+      </p:sp>
+    </p:spTree>
+    <p:extLst>
+      <p:ext uri="{BB962C8B-B14F-4D97-AF65-F5344CB8AC3E}">
+        <p14:creationId xmlns:p14="http://schemas.microsoft.com/office/powerpoint/2010/main" val="382812522"/>
+      </p:ext>
+    </p:extLst>
+  </p:cSld>
+  <p:clrMapOvr>
+    <a:masterClrMapping/>
+  </p:clrMapOvr>
 </p:sld>
 </file>
 
